--- a/CalendarioAgo20L/presentaciones/12_Archivos.pptx
+++ b/CalendarioAgo20L/presentaciones/12_Archivos.pptx
@@ -5,7 +5,7 @@
     <p:sldMasterId id="2147483648" r:id="rId1"/>
   </p:sldMasterIdLst>
   <p:notesMasterIdLst>
-    <p:notesMasterId r:id="rId29"/>
+    <p:notesMasterId r:id="rId26"/>
   </p:notesMasterIdLst>
   <p:sldIdLst>
     <p:sldId id="283" r:id="rId2"/>
@@ -25,16 +25,13 @@
     <p:sldId id="297" r:id="rId16"/>
     <p:sldId id="310" r:id="rId17"/>
     <p:sldId id="312" r:id="rId18"/>
-    <p:sldId id="299" r:id="rId19"/>
-    <p:sldId id="311" r:id="rId20"/>
-    <p:sldId id="300" r:id="rId21"/>
-    <p:sldId id="273" r:id="rId22"/>
-    <p:sldId id="298" r:id="rId23"/>
-    <p:sldId id="274" r:id="rId24"/>
-    <p:sldId id="301" r:id="rId25"/>
-    <p:sldId id="313" r:id="rId26"/>
-    <p:sldId id="302" r:id="rId27"/>
-    <p:sldId id="282" r:id="rId28"/>
+    <p:sldId id="273" r:id="rId19"/>
+    <p:sldId id="298" r:id="rId20"/>
+    <p:sldId id="274" r:id="rId21"/>
+    <p:sldId id="301" r:id="rId22"/>
+    <p:sldId id="313" r:id="rId23"/>
+    <p:sldId id="302" r:id="rId24"/>
+    <p:sldId id="282" r:id="rId25"/>
   </p:sldIdLst>
   <p:sldSz cx="9144000" cy="6858000" type="screen4x3"/>
   <p:notesSz cx="6858000" cy="9144000"/>
@@ -234,7 +231,7 @@
           <a:p>
             <a:fld id="{59C7E2AA-6A4C-4042-9554-ED2A913B287A}" type="datetimeFigureOut">
               <a:rPr lang="es-MX" smtClean="0"/>
-              <a:t>30/07/2020</a:t>
+              <a:t>09/10/2020</a:t>
             </a:fld>
             <a:endParaRPr lang="es-MX" dirty="0"/>
           </a:p>
@@ -1585,7 +1582,7 @@
     </p:spTree>
     <p:extLst>
       <p:ext uri="{BB962C8B-B14F-4D97-AF65-F5344CB8AC3E}">
-        <p14:creationId xmlns:p14="http://schemas.microsoft.com/office/powerpoint/2010/main" val="3409135104"/>
+        <p14:creationId xmlns:p14="http://schemas.microsoft.com/office/powerpoint/2010/main" val="3656281453"/>
       </p:ext>
     </p:extLst>
   </p:cSld>
@@ -1614,7 +1611,7 @@
       </p:grpSpPr>
       <p:sp>
         <p:nvSpPr>
-          <p:cNvPr id="34818" name="Rectangle 2"/>
+          <p:cNvPr id="36866" name="Rectangle 2"/>
           <p:cNvSpPr>
             <a:spLocks noGrp="1" noRot="1" noChangeAspect="1" noChangeArrowheads="1" noTextEdit="1"/>
           </p:cNvSpPr>
@@ -1624,8 +1621,8 @@
         </p:nvSpPr>
         <p:spPr bwMode="auto">
           <a:xfrm>
-            <a:off x="1122363" y="711200"/>
-            <a:ext cx="4541837" cy="3406775"/>
+            <a:off x="1144588" y="685800"/>
+            <a:ext cx="4568825" cy="3427413"/>
           </a:xfrm>
           <a:prstGeom prst="rect">
             <a:avLst/>
@@ -1664,7 +1661,7 @@
       </p:sp>
       <p:sp>
         <p:nvSpPr>
-          <p:cNvPr id="34819" name="Rectangle 3"/>
+          <p:cNvPr id="36867" name="Rectangle 3"/>
           <p:cNvSpPr>
             <a:spLocks noGrp="1" noChangeArrowheads="1"/>
           </p:cNvSpPr>
@@ -1674,32 +1671,24 @@
         </p:nvSpPr>
         <p:spPr bwMode="auto">
           <a:xfrm>
-            <a:off x="946093" y="4331945"/>
-            <a:ext cx="4972050" cy="4119257"/>
+            <a:off x="914920" y="4346020"/>
+            <a:ext cx="5028161" cy="4111437"/>
           </a:xfrm>
           <a:prstGeom prst="rect">
             <a:avLst/>
           </a:prstGeom>
-          <a:noFill/>
-          <a:ln/>
+          <a:solidFill>
+            <a:srgbClr val="FFFFFF"/>
+          </a:solidFill>
+          <a:ln w="12700">
+            <a:solidFill>
+              <a:srgbClr val="000000"/>
+            </a:solidFill>
+            <a:miter lim="800000"/>
+            <a:headEnd/>
+            <a:tailEnd/>
+          </a:ln>
           <a:extLst>
-            <a:ext uri="{909E8E84-426E-40DD-AFC4-6F175D3DCCD1}">
-              <a14:hiddenFill xmlns:a14="http://schemas.microsoft.com/office/drawing/2010/main">
-                <a:solidFill>
-                  <a:schemeClr val="accent1"/>
-                </a:solidFill>
-              </a14:hiddenFill>
-            </a:ext>
-            <a:ext uri="{91240B29-F687-4F45-9708-019B960494DF}">
-              <a14:hiddenLine xmlns:a14="http://schemas.microsoft.com/office/drawing/2010/main" w="9525">
-                <a:solidFill>
-                  <a:schemeClr val="tx1"/>
-                </a:solidFill>
-                <a:miter lim="800000"/>
-                <a:headEnd/>
-                <a:tailEnd/>
-              </a14:hiddenLine>
-            </a:ext>
             <a:ext uri="{AF507438-7753-43E0-B8FC-AC1667EBCBE1}">
               <a14:hiddenEffects xmlns:a14="http://schemas.microsoft.com/office/drawing/2010/main">
                 <a:effectLst>
@@ -1715,6 +1704,11 @@
           <a:bodyPr lIns="90574" tIns="45288" rIns="90574" bIns="45288"/>
           <a:lstStyle/>
           <a:p>
+            <a:pPr defTabSz="899495">
+              <a:spcBef>
+                <a:spcPct val="0"/>
+              </a:spcBef>
+            </a:pPr>
             <a:endParaRPr lang="es-MX" dirty="0"/>
           </a:p>
         </p:txBody>
@@ -1722,7 +1716,7 @@
     </p:spTree>
     <p:extLst>
       <p:ext uri="{BB962C8B-B14F-4D97-AF65-F5344CB8AC3E}">
-        <p14:creationId xmlns:p14="http://schemas.microsoft.com/office/powerpoint/2010/main" val="3857838109"/>
+        <p14:creationId xmlns:p14="http://schemas.microsoft.com/office/powerpoint/2010/main" val="4152168587"/>
       </p:ext>
     </p:extLst>
   </p:cSld>
@@ -1751,107 +1745,54 @@
       </p:grpSpPr>
       <p:sp>
         <p:nvSpPr>
-          <p:cNvPr id="34818" name="Rectangle 2"/>
+          <p:cNvPr id="2" name="Marcador de imagen de diapositiva 1"/>
           <p:cNvSpPr>
-            <a:spLocks noGrp="1" noRot="1" noChangeAspect="1" noChangeArrowheads="1" noTextEdit="1"/>
+            <a:spLocks noGrp="1" noRot="1" noChangeAspect="1"/>
           </p:cNvSpPr>
           <p:nvPr>
             <p:ph type="sldImg"/>
           </p:nvPr>
         </p:nvSpPr>
-        <p:spPr bwMode="auto">
-          <a:xfrm>
-            <a:off x="1122363" y="711200"/>
-            <a:ext cx="4541837" cy="3406775"/>
-          </a:xfrm>
-          <a:prstGeom prst="rect">
-            <a:avLst/>
-          </a:prstGeom>
-          <a:noFill/>
-          <a:ln w="12700">
-            <a:solidFill>
-              <a:srgbClr val="000000"/>
-            </a:solidFill>
-            <a:miter lim="800000"/>
-            <a:headEnd/>
-            <a:tailEnd/>
-          </a:ln>
-          <a:extLst>
-            <a:ext uri="{909E8E84-426E-40DD-AFC4-6F175D3DCCD1}">
-              <a14:hiddenFill xmlns:a14="http://schemas.microsoft.com/office/drawing/2010/main">
-                <a:solidFill>
-                  <a:srgbClr val="FFFFFF"/>
-                </a:solidFill>
-              </a14:hiddenFill>
-            </a:ext>
-            <a:ext uri="{AF507438-7753-43E0-B8FC-AC1667EBCBE1}">
-              <a14:hiddenEffects xmlns:a14="http://schemas.microsoft.com/office/drawing/2010/main">
-                <a:effectLst>
-                  <a:outerShdw dist="35921" dir="2700000" algn="ctr" rotWithShape="0">
-                    <a:srgbClr val="808080"/>
-                  </a:outerShdw>
-                </a:effectLst>
-              </a14:hiddenEffects>
-            </a:ext>
-            <a:ext uri="{53640926-AAD7-44D8-BBD7-CCE9431645EC}">
-              <a14:shadowObscured xmlns:a14="http://schemas.microsoft.com/office/drawing/2010/main" val="1"/>
-            </a:ext>
-          </a:extLst>
-        </p:spPr>
+        <p:spPr/>
       </p:sp>
       <p:sp>
         <p:nvSpPr>
-          <p:cNvPr id="34819" name="Rectangle 3"/>
+          <p:cNvPr id="3" name="Marcador de notas 2"/>
           <p:cNvSpPr>
-            <a:spLocks noGrp="1" noChangeArrowheads="1"/>
+            <a:spLocks noGrp="1"/>
           </p:cNvSpPr>
           <p:nvPr>
             <p:ph type="body" idx="1"/>
           </p:nvPr>
         </p:nvSpPr>
-        <p:spPr bwMode="auto">
-          <a:xfrm>
-            <a:off x="946093" y="4331945"/>
-            <a:ext cx="4972050" cy="4119257"/>
-          </a:xfrm>
-          <a:prstGeom prst="rect">
-            <a:avLst/>
-          </a:prstGeom>
-          <a:noFill/>
-          <a:ln/>
-          <a:extLst>
-            <a:ext uri="{909E8E84-426E-40DD-AFC4-6F175D3DCCD1}">
-              <a14:hiddenFill xmlns:a14="http://schemas.microsoft.com/office/drawing/2010/main">
-                <a:solidFill>
-                  <a:schemeClr val="accent1"/>
-                </a:solidFill>
-              </a14:hiddenFill>
-            </a:ext>
-            <a:ext uri="{91240B29-F687-4F45-9708-019B960494DF}">
-              <a14:hiddenLine xmlns:a14="http://schemas.microsoft.com/office/drawing/2010/main" w="9525">
-                <a:solidFill>
-                  <a:schemeClr val="tx1"/>
-                </a:solidFill>
-                <a:miter lim="800000"/>
-                <a:headEnd/>
-                <a:tailEnd/>
-              </a14:hiddenLine>
-            </a:ext>
-            <a:ext uri="{AF507438-7753-43E0-B8FC-AC1667EBCBE1}">
-              <a14:hiddenEffects xmlns:a14="http://schemas.microsoft.com/office/drawing/2010/main">
-                <a:effectLst>
-                  <a:outerShdw dist="35921" dir="2700000" algn="ctr" rotWithShape="0">
-                    <a:schemeClr val="bg2"/>
-                  </a:outerShdw>
-                </a:effectLst>
-              </a14:hiddenEffects>
-            </a:ext>
-          </a:extLst>
-        </p:spPr>
+        <p:spPr/>
         <p:txBody>
-          <a:bodyPr lIns="90574" tIns="45288" rIns="90574" bIns="45288"/>
+          <a:bodyPr/>
           <a:lstStyle/>
           <a:p>
+            <a:endParaRPr lang="es-MX" dirty="0"/>
+          </a:p>
+        </p:txBody>
+      </p:sp>
+      <p:sp>
+        <p:nvSpPr>
+          <p:cNvPr id="4" name="Marcador de número de diapositiva 3"/>
+          <p:cNvSpPr>
+            <a:spLocks noGrp="1"/>
+          </p:cNvSpPr>
+          <p:nvPr>
+            <p:ph type="sldNum" sz="quarter" idx="5"/>
+          </p:nvPr>
+        </p:nvSpPr>
+        <p:spPr/>
+        <p:txBody>
+          <a:bodyPr/>
+          <a:lstStyle/>
+          <a:p>
+            <a:fld id="{696058A4-74A4-4E49-9DDB-7D0AF71A622B}" type="slidenum">
+              <a:rPr lang="es-MX" smtClean="0"/>
+              <a:t>21</a:t>
+            </a:fld>
             <a:endParaRPr lang="es-MX" dirty="0"/>
           </a:p>
         </p:txBody>
@@ -1859,7 +1800,7 @@
     </p:spTree>
     <p:extLst>
       <p:ext uri="{BB962C8B-B14F-4D97-AF65-F5344CB8AC3E}">
-        <p14:creationId xmlns:p14="http://schemas.microsoft.com/office/powerpoint/2010/main" val="3656281453"/>
+        <p14:creationId xmlns:p14="http://schemas.microsoft.com/office/powerpoint/2010/main" val="621686891"/>
       </p:ext>
     </p:extLst>
   </p:cSld>
@@ -1993,7 +1934,7 @@
     </p:spTree>
     <p:extLst>
       <p:ext uri="{BB962C8B-B14F-4D97-AF65-F5344CB8AC3E}">
-        <p14:creationId xmlns:p14="http://schemas.microsoft.com/office/powerpoint/2010/main" val="4152168587"/>
+        <p14:creationId xmlns:p14="http://schemas.microsoft.com/office/powerpoint/2010/main" val="1409629170"/>
       </p:ext>
     </p:extLst>
   </p:cSld>
@@ -2141,224 +2082,6 @@
 </file>
 
 <file path=ppt/notesSlides/notesSlide20.xml><?xml version="1.0" encoding="utf-8"?>
-<p:notes xmlns:a="http://schemas.openxmlformats.org/drawingml/2006/main" xmlns:r="http://schemas.openxmlformats.org/officeDocument/2006/relationships" xmlns:p="http://schemas.openxmlformats.org/presentationml/2006/main">
-  <p:cSld>
-    <p:spTree>
-      <p:nvGrpSpPr>
-        <p:cNvPr id="1" name=""/>
-        <p:cNvGrpSpPr/>
-        <p:nvPr/>
-      </p:nvGrpSpPr>
-      <p:grpSpPr>
-        <a:xfrm>
-          <a:off x="0" y="0"/>
-          <a:ext cx="0" cy="0"/>
-          <a:chOff x="0" y="0"/>
-          <a:chExt cx="0" cy="0"/>
-        </a:xfrm>
-      </p:grpSpPr>
-      <p:sp>
-        <p:nvSpPr>
-          <p:cNvPr id="2" name="Marcador de imagen de diapositiva 1"/>
-          <p:cNvSpPr>
-            <a:spLocks noGrp="1" noRot="1" noChangeAspect="1"/>
-          </p:cNvSpPr>
-          <p:nvPr>
-            <p:ph type="sldImg"/>
-          </p:nvPr>
-        </p:nvSpPr>
-        <p:spPr/>
-      </p:sp>
-      <p:sp>
-        <p:nvSpPr>
-          <p:cNvPr id="3" name="Marcador de notas 2"/>
-          <p:cNvSpPr>
-            <a:spLocks noGrp="1"/>
-          </p:cNvSpPr>
-          <p:nvPr>
-            <p:ph type="body" idx="1"/>
-          </p:nvPr>
-        </p:nvSpPr>
-        <p:spPr/>
-        <p:txBody>
-          <a:bodyPr/>
-          <a:lstStyle/>
-          <a:p>
-            <a:endParaRPr lang="es-MX" dirty="0"/>
-          </a:p>
-        </p:txBody>
-      </p:sp>
-      <p:sp>
-        <p:nvSpPr>
-          <p:cNvPr id="4" name="Marcador de número de diapositiva 3"/>
-          <p:cNvSpPr>
-            <a:spLocks noGrp="1"/>
-          </p:cNvSpPr>
-          <p:nvPr>
-            <p:ph type="sldNum" sz="quarter" idx="5"/>
-          </p:nvPr>
-        </p:nvSpPr>
-        <p:spPr/>
-        <p:txBody>
-          <a:bodyPr/>
-          <a:lstStyle/>
-          <a:p>
-            <a:fld id="{696058A4-74A4-4E49-9DDB-7D0AF71A622B}" type="slidenum">
-              <a:rPr lang="es-MX" smtClean="0"/>
-              <a:t>24</a:t>
-            </a:fld>
-            <a:endParaRPr lang="es-MX" dirty="0"/>
-          </a:p>
-        </p:txBody>
-      </p:sp>
-    </p:spTree>
-    <p:extLst>
-      <p:ext uri="{BB962C8B-B14F-4D97-AF65-F5344CB8AC3E}">
-        <p14:creationId xmlns:p14="http://schemas.microsoft.com/office/powerpoint/2010/main" val="621686891"/>
-      </p:ext>
-    </p:extLst>
-  </p:cSld>
-  <p:clrMapOvr>
-    <a:masterClrMapping/>
-  </p:clrMapOvr>
-</p:notes>
-</file>
-
-<file path=ppt/notesSlides/notesSlide21.xml><?xml version="1.0" encoding="utf-8"?>
-<p:notes xmlns:a="http://schemas.openxmlformats.org/drawingml/2006/main" xmlns:r="http://schemas.openxmlformats.org/officeDocument/2006/relationships" xmlns:p="http://schemas.openxmlformats.org/presentationml/2006/main">
-  <p:cSld>
-    <p:spTree>
-      <p:nvGrpSpPr>
-        <p:cNvPr id="1" name=""/>
-        <p:cNvGrpSpPr/>
-        <p:nvPr/>
-      </p:nvGrpSpPr>
-      <p:grpSpPr>
-        <a:xfrm>
-          <a:off x="0" y="0"/>
-          <a:ext cx="0" cy="0"/>
-          <a:chOff x="0" y="0"/>
-          <a:chExt cx="0" cy="0"/>
-        </a:xfrm>
-      </p:grpSpPr>
-      <p:sp>
-        <p:nvSpPr>
-          <p:cNvPr id="36866" name="Rectangle 2"/>
-          <p:cNvSpPr>
-            <a:spLocks noGrp="1" noRot="1" noChangeAspect="1" noChangeArrowheads="1" noTextEdit="1"/>
-          </p:cNvSpPr>
-          <p:nvPr>
-            <p:ph type="sldImg"/>
-          </p:nvPr>
-        </p:nvSpPr>
-        <p:spPr bwMode="auto">
-          <a:xfrm>
-            <a:off x="1144588" y="685800"/>
-            <a:ext cx="4568825" cy="3427413"/>
-          </a:xfrm>
-          <a:prstGeom prst="rect">
-            <a:avLst/>
-          </a:prstGeom>
-          <a:noFill/>
-          <a:ln w="12700">
-            <a:solidFill>
-              <a:srgbClr val="000000"/>
-            </a:solidFill>
-            <a:miter lim="800000"/>
-            <a:headEnd/>
-            <a:tailEnd/>
-          </a:ln>
-          <a:extLst>
-            <a:ext uri="{909E8E84-426E-40DD-AFC4-6F175D3DCCD1}">
-              <a14:hiddenFill xmlns:a14="http://schemas.microsoft.com/office/drawing/2010/main">
-                <a:solidFill>
-                  <a:srgbClr val="FFFFFF"/>
-                </a:solidFill>
-              </a14:hiddenFill>
-            </a:ext>
-            <a:ext uri="{AF507438-7753-43E0-B8FC-AC1667EBCBE1}">
-              <a14:hiddenEffects xmlns:a14="http://schemas.microsoft.com/office/drawing/2010/main">
-                <a:effectLst>
-                  <a:outerShdw dist="35921" dir="2700000" algn="ctr" rotWithShape="0">
-                    <a:srgbClr val="808080"/>
-                  </a:outerShdw>
-                </a:effectLst>
-              </a14:hiddenEffects>
-            </a:ext>
-            <a:ext uri="{53640926-AAD7-44D8-BBD7-CCE9431645EC}">
-              <a14:shadowObscured xmlns:a14="http://schemas.microsoft.com/office/drawing/2010/main" val="1"/>
-            </a:ext>
-          </a:extLst>
-        </p:spPr>
-      </p:sp>
-      <p:sp>
-        <p:nvSpPr>
-          <p:cNvPr id="36867" name="Rectangle 3"/>
-          <p:cNvSpPr>
-            <a:spLocks noGrp="1" noChangeArrowheads="1"/>
-          </p:cNvSpPr>
-          <p:nvPr>
-            <p:ph type="body" idx="1"/>
-          </p:nvPr>
-        </p:nvSpPr>
-        <p:spPr bwMode="auto">
-          <a:xfrm>
-            <a:off x="914920" y="4346020"/>
-            <a:ext cx="5028161" cy="4111437"/>
-          </a:xfrm>
-          <a:prstGeom prst="rect">
-            <a:avLst/>
-          </a:prstGeom>
-          <a:solidFill>
-            <a:srgbClr val="FFFFFF"/>
-          </a:solidFill>
-          <a:ln w="12700">
-            <a:solidFill>
-              <a:srgbClr val="000000"/>
-            </a:solidFill>
-            <a:miter lim="800000"/>
-            <a:headEnd/>
-            <a:tailEnd/>
-          </a:ln>
-          <a:extLst>
-            <a:ext uri="{AF507438-7753-43E0-B8FC-AC1667EBCBE1}">
-              <a14:hiddenEffects xmlns:a14="http://schemas.microsoft.com/office/drawing/2010/main">
-                <a:effectLst>
-                  <a:outerShdw dist="35921" dir="2700000" algn="ctr" rotWithShape="0">
-                    <a:schemeClr val="bg2"/>
-                  </a:outerShdw>
-                </a:effectLst>
-              </a14:hiddenEffects>
-            </a:ext>
-          </a:extLst>
-        </p:spPr>
-        <p:txBody>
-          <a:bodyPr lIns="90574" tIns="45288" rIns="90574" bIns="45288"/>
-          <a:lstStyle/>
-          <a:p>
-            <a:pPr defTabSz="899495">
-              <a:spcBef>
-                <a:spcPct val="0"/>
-              </a:spcBef>
-            </a:pPr>
-            <a:endParaRPr lang="es-MX" dirty="0"/>
-          </a:p>
-        </p:txBody>
-      </p:sp>
-    </p:spTree>
-    <p:extLst>
-      <p:ext uri="{BB962C8B-B14F-4D97-AF65-F5344CB8AC3E}">
-        <p14:creationId xmlns:p14="http://schemas.microsoft.com/office/powerpoint/2010/main" val="1409629170"/>
-      </p:ext>
-    </p:extLst>
-  </p:cSld>
-  <p:clrMapOvr>
-    <a:masterClrMapping/>
-  </p:clrMapOvr>
-</p:notes>
-</file>
-
-<file path=ppt/notesSlides/notesSlide22.xml><?xml version="1.0" encoding="utf-8"?>
 <p:notes xmlns:a="http://schemas.openxmlformats.org/drawingml/2006/main" xmlns:r="http://schemas.openxmlformats.org/officeDocument/2006/relationships" xmlns:p="http://schemas.openxmlformats.org/presentationml/2006/main">
   <p:cSld>
     <p:spTree>
@@ -3629,7 +3352,7 @@
           <a:p>
             <a:fld id="{BAE3B62E-9D6B-4C41-BFE5-D19C53A0513B}" type="datetimeFigureOut">
               <a:rPr lang="es-MX" smtClean="0"/>
-              <a:t>30/07/2020</a:t>
+              <a:t>09/10/2020</a:t>
             </a:fld>
             <a:endParaRPr lang="es-MX" dirty="0"/>
           </a:p>
@@ -3799,7 +3522,7 @@
           <a:p>
             <a:fld id="{BAE3B62E-9D6B-4C41-BFE5-D19C53A0513B}" type="datetimeFigureOut">
               <a:rPr lang="es-MX" smtClean="0"/>
-              <a:t>30/07/2020</a:t>
+              <a:t>09/10/2020</a:t>
             </a:fld>
             <a:endParaRPr lang="es-MX" dirty="0"/>
           </a:p>
@@ -3979,7 +3702,7 @@
           <a:p>
             <a:fld id="{BAE3B62E-9D6B-4C41-BFE5-D19C53A0513B}" type="datetimeFigureOut">
               <a:rPr lang="es-MX" smtClean="0"/>
-              <a:t>30/07/2020</a:t>
+              <a:t>09/10/2020</a:t>
             </a:fld>
             <a:endParaRPr lang="es-MX" dirty="0"/>
           </a:p>
@@ -4132,7 +3855,7 @@
           <a:p>
             <a:fld id="{1D8BD707-D9CF-40AE-B4C6-C98DA3205C09}" type="datetimeFigureOut">
               <a:rPr lang="en-US" smtClean="0"/>
-              <a:t>7/30/2020</a:t>
+              <a:t>10/9/2020</a:t>
             </a:fld>
             <a:endParaRPr lang="en-US"/>
           </a:p>
@@ -4292,7 +4015,7 @@
           <a:p>
             <a:fld id="{BAE3B62E-9D6B-4C41-BFE5-D19C53A0513B}" type="datetimeFigureOut">
               <a:rPr lang="es-MX" smtClean="0"/>
-              <a:t>30/07/2020</a:t>
+              <a:t>09/10/2020</a:t>
             </a:fld>
             <a:endParaRPr lang="es-MX" dirty="0"/>
           </a:p>
@@ -4538,7 +4261,7 @@
           <a:p>
             <a:fld id="{BAE3B62E-9D6B-4C41-BFE5-D19C53A0513B}" type="datetimeFigureOut">
               <a:rPr lang="es-MX" smtClean="0"/>
-              <a:t>30/07/2020</a:t>
+              <a:t>09/10/2020</a:t>
             </a:fld>
             <a:endParaRPr lang="es-MX" dirty="0"/>
           </a:p>
@@ -4826,7 +4549,7 @@
           <a:p>
             <a:fld id="{BAE3B62E-9D6B-4C41-BFE5-D19C53A0513B}" type="datetimeFigureOut">
               <a:rPr lang="es-MX" smtClean="0"/>
-              <a:t>30/07/2020</a:t>
+              <a:t>09/10/2020</a:t>
             </a:fld>
             <a:endParaRPr lang="es-MX" dirty="0"/>
           </a:p>
@@ -5248,7 +4971,7 @@
           <a:p>
             <a:fld id="{BAE3B62E-9D6B-4C41-BFE5-D19C53A0513B}" type="datetimeFigureOut">
               <a:rPr lang="es-MX" smtClean="0"/>
-              <a:t>30/07/2020</a:t>
+              <a:t>09/10/2020</a:t>
             </a:fld>
             <a:endParaRPr lang="es-MX" dirty="0"/>
           </a:p>
@@ -5366,7 +5089,7 @@
           <a:p>
             <a:fld id="{BAE3B62E-9D6B-4C41-BFE5-D19C53A0513B}" type="datetimeFigureOut">
               <a:rPr lang="es-MX" smtClean="0"/>
-              <a:t>30/07/2020</a:t>
+              <a:t>09/10/2020</a:t>
             </a:fld>
             <a:endParaRPr lang="es-MX" dirty="0"/>
           </a:p>
@@ -5461,7 +5184,7 @@
           <a:p>
             <a:fld id="{BAE3B62E-9D6B-4C41-BFE5-D19C53A0513B}" type="datetimeFigureOut">
               <a:rPr lang="es-MX" smtClean="0"/>
-              <a:t>30/07/2020</a:t>
+              <a:t>09/10/2020</a:t>
             </a:fld>
             <a:endParaRPr lang="es-MX" dirty="0"/>
           </a:p>
@@ -5738,7 +5461,7 @@
           <a:p>
             <a:fld id="{BAE3B62E-9D6B-4C41-BFE5-D19C53A0513B}" type="datetimeFigureOut">
               <a:rPr lang="es-MX" smtClean="0"/>
-              <a:t>30/07/2020</a:t>
+              <a:t>09/10/2020</a:t>
             </a:fld>
             <a:endParaRPr lang="es-MX" dirty="0"/>
           </a:p>
@@ -5991,7 +5714,7 @@
           <a:p>
             <a:fld id="{BAE3B62E-9D6B-4C41-BFE5-D19C53A0513B}" type="datetimeFigureOut">
               <a:rPr lang="es-MX" smtClean="0"/>
-              <a:t>30/07/2020</a:t>
+              <a:t>09/10/2020</a:t>
             </a:fld>
             <a:endParaRPr lang="es-MX" dirty="0"/>
           </a:p>
@@ -6204,7 +5927,7 @@
           <a:p>
             <a:fld id="{BAE3B62E-9D6B-4C41-BFE5-D19C53A0513B}" type="datetimeFigureOut">
               <a:rPr lang="es-MX" smtClean="0"/>
-              <a:t>30/07/2020</a:t>
+              <a:t>09/10/2020</a:t>
             </a:fld>
             <a:endParaRPr lang="es-MX" dirty="0"/>
           </a:p>
@@ -7032,7 +6755,7 @@
         <p:spPr bwMode="auto">
           <a:xfrm>
             <a:off x="611561" y="2631922"/>
-            <a:ext cx="8100639" cy="3394648"/>
+            <a:ext cx="8100639" cy="2846358"/>
           </a:xfrm>
           <a:prstGeom prst="rect">
             <a:avLst/>
@@ -7077,7 +6800,30 @@
           </a:bodyPr>
           <a:lstStyle/>
           <a:p>
-            <a:pPr algn="just" eaLnBrk="0" hangingPunct="0">
+            <a:pPr marL="342900" indent="-342900" algn="just" eaLnBrk="0" hangingPunct="0">
+              <a:lnSpc>
+                <a:spcPct val="150000"/>
+              </a:lnSpc>
+              <a:buFont typeface="Arial" panose="020B0604020202020204" pitchFamily="34" charset="0"/>
+              <a:buChar char="•"/>
+            </a:pPr>
+            <a:r>
+              <a:rPr lang="es-ES" sz="2200" dirty="0">
+                <a:latin typeface="Arial" panose="020B0604020202020204" pitchFamily="34" charset="0"/>
+                <a:cs typeface="Arial" panose="020B0604020202020204" pitchFamily="34" charset="0"/>
+              </a:rPr>
+              <a:t>Escribe un texto en un archivo:</a:t>
+            </a:r>
+            <a:endParaRPr lang="es-ES" sz="2200" b="1" dirty="0">
+              <a:solidFill>
+                <a:srgbClr val="0070C0"/>
+              </a:solidFill>
+              <a:latin typeface="Arial" panose="020B0604020202020204" pitchFamily="34" charset="0"/>
+              <a:cs typeface="Arial" panose="020B0604020202020204" pitchFamily="34" charset="0"/>
+            </a:endParaRPr>
+          </a:p>
+          <a:p>
+            <a:pPr lvl="1" algn="just" eaLnBrk="0" hangingPunct="0">
               <a:lnSpc>
                 <a:spcPct val="150000"/>
               </a:lnSpc>
@@ -7085,30 +6831,45 @@
             <a:r>
               <a:rPr lang="es-ES" sz="2200" b="1" dirty="0" err="1">
                 <a:solidFill>
-                  <a:srgbClr val="FF0000"/>
+                  <a:srgbClr val="0070C0"/>
                 </a:solidFill>
                 <a:latin typeface="Arial" panose="020B0604020202020204" pitchFamily="34" charset="0"/>
                 <a:cs typeface="Arial" panose="020B0604020202020204" pitchFamily="34" charset="0"/>
               </a:rPr>
-              <a:t>file.write</a:t>
-            </a:r>
-            <a:r>
-              <a:rPr lang="es-ES" sz="2200" b="1" dirty="0">
+              <a:t>file.</a:t>
+            </a:r>
+            <a:r>
+              <a:rPr lang="es-ES" sz="2200" b="1" dirty="0" err="1">
                 <a:solidFill>
                   <a:srgbClr val="FF0000"/>
                 </a:solidFill>
                 <a:latin typeface="Arial" panose="020B0604020202020204" pitchFamily="34" charset="0"/>
                 <a:cs typeface="Arial" panose="020B0604020202020204" pitchFamily="34" charset="0"/>
               </a:rPr>
-              <a:t>(“Agregar contenido al archivo")  </a:t>
-            </a:r>
-            <a:r>
-              <a:rPr lang="es-ES" sz="2200" dirty="0">
+              <a:t>write</a:t>
+            </a:r>
+            <a:r>
+              <a:rPr lang="es-ES" sz="2200" b="1" dirty="0">
+                <a:solidFill>
+                  <a:schemeClr val="accent4">
+                    <a:lumMod val="75000"/>
+                  </a:schemeClr>
+                </a:solidFill>
                 <a:latin typeface="Arial" panose="020B0604020202020204" pitchFamily="34" charset="0"/>
                 <a:cs typeface="Arial" panose="020B0604020202020204" pitchFamily="34" charset="0"/>
               </a:rPr>
-              <a:t>Escribe un texto en un archivo</a:t>
-            </a:r>
+              <a:t>("Agregar contenido al archivo")</a:t>
+            </a:r>
+            <a:endParaRPr lang="es-ES" sz="2200" dirty="0">
+              <a:solidFill>
+                <a:schemeClr val="tx1">
+                  <a:lumMod val="95000"/>
+                  <a:lumOff val="5000"/>
+                </a:schemeClr>
+              </a:solidFill>
+              <a:latin typeface="Arial" panose="020B0604020202020204" pitchFamily="34" charset="0"/>
+              <a:cs typeface="Arial" panose="020B0604020202020204" pitchFamily="34" charset="0"/>
+            </a:endParaRPr>
           </a:p>
           <a:p>
             <a:pPr algn="just" eaLnBrk="0" hangingPunct="0">
@@ -7128,7 +6889,46 @@
             </a:endParaRPr>
           </a:p>
           <a:p>
-            <a:pPr algn="just" eaLnBrk="0" hangingPunct="0">
+            <a:pPr marL="342900" indent="-342900" algn="just" eaLnBrk="0" hangingPunct="0">
+              <a:lnSpc>
+                <a:spcPct val="150000"/>
+              </a:lnSpc>
+              <a:buFont typeface="Arial" panose="020B0604020202020204" pitchFamily="34" charset="0"/>
+              <a:buChar char="•"/>
+            </a:pPr>
+            <a:r>
+              <a:rPr lang="es-ES" sz="2200" dirty="0">
+                <a:solidFill>
+                  <a:schemeClr val="tx1">
+                    <a:lumMod val="95000"/>
+                    <a:lumOff val="5000"/>
+                  </a:schemeClr>
+                </a:solidFill>
+                <a:latin typeface="Arial" panose="020B0604020202020204" pitchFamily="34" charset="0"/>
+                <a:cs typeface="Arial" panose="020B0604020202020204" pitchFamily="34" charset="0"/>
+              </a:rPr>
+              <a:t>Escribe una serie de líneas leyéndolas desde una lista</a:t>
+            </a:r>
+            <a:r>
+              <a:rPr lang="es-ES" sz="2200" dirty="0">
+                <a:latin typeface="Arial" panose="020B0604020202020204" pitchFamily="34" charset="0"/>
+                <a:cs typeface="Arial" panose="020B0604020202020204" pitchFamily="34" charset="0"/>
+              </a:rPr>
+              <a:t>:</a:t>
+            </a:r>
+            <a:endParaRPr lang="es-ES" sz="2200" dirty="0">
+              <a:solidFill>
+                <a:schemeClr val="tx1">
+                  <a:lumMod val="95000"/>
+                  <a:lumOff val="5000"/>
+                </a:schemeClr>
+              </a:solidFill>
+              <a:latin typeface="Arial" panose="020B0604020202020204" pitchFamily="34" charset="0"/>
+              <a:cs typeface="Arial" panose="020B0604020202020204" pitchFamily="34" charset="0"/>
+            </a:endParaRPr>
+          </a:p>
+          <a:p>
+            <a:pPr lvl="1" algn="just" eaLnBrk="0" hangingPunct="0">
               <a:lnSpc>
                 <a:spcPct val="150000"/>
               </a:lnSpc>
@@ -7161,7 +6961,7 @@
             </a:r>
           </a:p>
           <a:p>
-            <a:pPr algn="just" eaLnBrk="0" hangingPunct="0">
+            <a:pPr lvl="1" algn="just" eaLnBrk="0" hangingPunct="0">
               <a:lnSpc>
                 <a:spcPct val="150000"/>
               </a:lnSpc>
@@ -7169,57 +6969,59 @@
             <a:r>
               <a:rPr lang="es-ES" sz="2200" b="1" dirty="0" err="1">
                 <a:solidFill>
-                  <a:srgbClr val="FF0000"/>
+                  <a:srgbClr val="0070C0"/>
                 </a:solidFill>
                 <a:latin typeface="Arial" panose="020B0604020202020204" pitchFamily="34" charset="0"/>
                 <a:cs typeface="Arial" panose="020B0604020202020204" pitchFamily="34" charset="0"/>
               </a:rPr>
-              <a:t>file.writelines</a:t>
-            </a:r>
-            <a:r>
-              <a:rPr lang="es-ES" sz="2200" b="1" dirty="0">
+              <a:t>file.</a:t>
+            </a:r>
+            <a:r>
+              <a:rPr lang="es-ES" sz="2200" b="1" dirty="0" err="1">
                 <a:solidFill>
                   <a:srgbClr val="FF0000"/>
                 </a:solidFill>
                 <a:latin typeface="Arial" panose="020B0604020202020204" pitchFamily="34" charset="0"/>
                 <a:cs typeface="Arial" panose="020B0604020202020204" pitchFamily="34" charset="0"/>
               </a:rPr>
-              <a:t>(</a:t>
-            </a:r>
-            <a:r>
-              <a:rPr lang="es-ES" sz="2200" b="1" dirty="0" err="1">
-                <a:solidFill>
-                  <a:srgbClr val="FF0000"/>
+              <a:t>writelines</a:t>
+            </a:r>
+            <a:r>
+              <a:rPr lang="es-ES" sz="2200" b="1" dirty="0">
+                <a:solidFill>
+                  <a:schemeClr val="accent4">
+                    <a:lumMod val="75000"/>
+                  </a:schemeClr>
                 </a:solidFill>
                 <a:latin typeface="Arial" panose="020B0604020202020204" pitchFamily="34" charset="0"/>
                 <a:cs typeface="Arial" panose="020B0604020202020204" pitchFamily="34" charset="0"/>
               </a:rPr>
-              <a:t>lineas</a:t>
-            </a:r>
-            <a:r>
-              <a:rPr lang="es-ES" sz="2200" b="1" dirty="0">
-                <a:solidFill>
-                  <a:srgbClr val="FF0000"/>
+              <a:t>(</a:t>
+            </a:r>
+            <a:r>
+              <a:rPr lang="es-ES" sz="2200" b="1" dirty="0" err="1">
+                <a:solidFill>
+                  <a:schemeClr val="accent4">
+                    <a:lumMod val="75000"/>
+                  </a:schemeClr>
                 </a:solidFill>
                 <a:latin typeface="Arial" panose="020B0604020202020204" pitchFamily="34" charset="0"/>
                 <a:cs typeface="Arial" panose="020B0604020202020204" pitchFamily="34" charset="0"/>
               </a:rPr>
-              <a:t>) </a:t>
-            </a:r>
-            <a:r>
-              <a:rPr lang="es-ES" sz="2200" dirty="0">
+              <a:t>lineas</a:t>
+            </a:r>
+            <a:r>
+              <a:rPr lang="es-ES" sz="2200" b="1" dirty="0">
+                <a:solidFill>
+                  <a:schemeClr val="accent4">
+                    <a:lumMod val="75000"/>
+                  </a:schemeClr>
+                </a:solidFill>
                 <a:latin typeface="Arial" panose="020B0604020202020204" pitchFamily="34" charset="0"/>
                 <a:cs typeface="Arial" panose="020B0604020202020204" pitchFamily="34" charset="0"/>
               </a:rPr>
-              <a:t>Escribe una serie de líneas leyéndolas desde una lista</a:t>
-            </a:r>
-          </a:p>
-          <a:p>
-            <a:pPr algn="just" eaLnBrk="0" hangingPunct="0">
-              <a:lnSpc>
-                <a:spcPct val="150000"/>
-              </a:lnSpc>
-            </a:pPr>
+              <a:t>)</a:t>
+            </a:r>
             <a:endParaRPr lang="es-ES" sz="2400" dirty="0">
               <a:solidFill>
                 <a:srgbClr val="FF0000"/>
@@ -7666,6 +7468,18 @@
             <a:r>
               <a:rPr lang="es-ES" sz="2400" b="1" dirty="0">
                 <a:solidFill>
+                  <a:schemeClr val="accent3">
+                    <a:lumMod val="75000"/>
+                  </a:schemeClr>
+                </a:solidFill>
+                <a:latin typeface="Arial" pitchFamily="34" charset="0"/>
+                <a:cs typeface="Arial" pitchFamily="34" charset="0"/>
+              </a:rPr>
+              <a:t>file</a:t>
+            </a:r>
+            <a:r>
+              <a:rPr lang="es-ES" sz="2400" b="1" dirty="0">
+                <a:solidFill>
                   <a:schemeClr val="accent6">
                     <a:lumMod val="75000"/>
                   </a:schemeClr>
@@ -7673,14 +7487,33 @@
                 <a:latin typeface="Arial" pitchFamily="34" charset="0"/>
                 <a:cs typeface="Arial" pitchFamily="34" charset="0"/>
               </a:rPr>
-              <a:t>file </a:t>
+              <a:t> </a:t>
             </a:r>
             <a:r>
               <a:rPr lang="es-ES" sz="2400" b="1" dirty="0">
                 <a:latin typeface="Arial" pitchFamily="34" charset="0"/>
                 <a:cs typeface="Arial" pitchFamily="34" charset="0"/>
               </a:rPr>
-              <a:t>= open("prueba.txt", "r+")</a:t>
+              <a:t>= </a:t>
+            </a:r>
+            <a:r>
+              <a:rPr lang="es-ES" sz="2400" b="1" dirty="0">
+                <a:solidFill>
+                  <a:schemeClr val="accent6">
+                    <a:lumMod val="75000"/>
+                  </a:schemeClr>
+                </a:solidFill>
+                <a:latin typeface="Arial" pitchFamily="34" charset="0"/>
+                <a:cs typeface="Arial" pitchFamily="34" charset="0"/>
+              </a:rPr>
+              <a:t>open</a:t>
+            </a:r>
+            <a:r>
+              <a:rPr lang="es-ES" sz="2400" b="1" dirty="0">
+                <a:latin typeface="Arial" pitchFamily="34" charset="0"/>
+                <a:cs typeface="Arial" pitchFamily="34" charset="0"/>
+              </a:rPr>
+              <a:t>("prueba.txt", "w+")</a:t>
             </a:r>
           </a:p>
           <a:p>
@@ -7713,6 +7546,18 @@
             <a:r>
               <a:rPr lang="es-ES" sz="2400" b="1" dirty="0" err="1">
                 <a:solidFill>
+                  <a:schemeClr val="accent3">
+                    <a:lumMod val="75000"/>
+                  </a:schemeClr>
+                </a:solidFill>
+                <a:latin typeface="Arial" pitchFamily="34" charset="0"/>
+                <a:cs typeface="Arial" pitchFamily="34" charset="0"/>
+              </a:rPr>
+              <a:t>file.</a:t>
+            </a:r>
+            <a:r>
+              <a:rPr lang="es-ES" sz="2400" b="1" dirty="0" err="1">
+                <a:solidFill>
                   <a:schemeClr val="accent6">
                     <a:lumMod val="75000"/>
                   </a:schemeClr>
@@ -7720,7 +7565,7 @@
                 <a:latin typeface="Arial" pitchFamily="34" charset="0"/>
                 <a:cs typeface="Arial" pitchFamily="34" charset="0"/>
               </a:rPr>
-              <a:t>file.writelines</a:t>
+              <a:t>writelines</a:t>
             </a:r>
             <a:r>
               <a:rPr lang="es-ES" sz="2400" b="1" dirty="0">
@@ -7753,6 +7598,18 @@
             <a:r>
               <a:rPr lang="es-ES" sz="2400" b="1" dirty="0" err="1">
                 <a:solidFill>
+                  <a:schemeClr val="accent3">
+                    <a:lumMod val="75000"/>
+                  </a:schemeClr>
+                </a:solidFill>
+                <a:latin typeface="Arial" pitchFamily="34" charset="0"/>
+                <a:cs typeface="Arial" pitchFamily="34" charset="0"/>
+              </a:rPr>
+              <a:t>file.</a:t>
+            </a:r>
+            <a:r>
+              <a:rPr lang="es-ES" sz="2400" b="1" dirty="0" err="1">
+                <a:solidFill>
                   <a:schemeClr val="accent6">
                     <a:lumMod val="75000"/>
                   </a:schemeClr>
@@ -7760,7 +7617,7 @@
                 <a:latin typeface="Arial" pitchFamily="34" charset="0"/>
                 <a:cs typeface="Arial" pitchFamily="34" charset="0"/>
               </a:rPr>
-              <a:t>file.seek</a:t>
+              <a:t>seek</a:t>
             </a:r>
             <a:r>
               <a:rPr lang="es-ES" sz="2400" b="1" dirty="0">
@@ -7791,12 +7648,24 @@
             <a:r>
               <a:rPr lang="es-ES" sz="2400" b="1" dirty="0" err="1">
                 <a:solidFill>
+                  <a:schemeClr val="accent3">
+                    <a:lumMod val="75000"/>
+                  </a:schemeClr>
+                </a:solidFill>
+                <a:latin typeface="Arial" pitchFamily="34" charset="0"/>
+                <a:cs typeface="Arial" pitchFamily="34" charset="0"/>
+              </a:rPr>
+              <a:t>file.</a:t>
+            </a:r>
+            <a:r>
+              <a:rPr lang="es-ES" sz="2400" b="1" dirty="0" err="1">
+                <a:solidFill>
                   <a:srgbClr val="FF0000"/>
                 </a:solidFill>
                 <a:latin typeface="Arial" pitchFamily="34" charset="0"/>
                 <a:cs typeface="Arial" pitchFamily="34" charset="0"/>
               </a:rPr>
-              <a:t>file.read</a:t>
+              <a:t>read</a:t>
             </a:r>
             <a:r>
               <a:rPr lang="es-ES" sz="2400" b="1" dirty="0">
@@ -7817,27 +7686,17 @@
             </a:pPr>
             <a:r>
               <a:rPr lang="es-ES" sz="2400" b="1" dirty="0" err="1">
-                <a:solidFill>
-                  <a:schemeClr val="accent6">
-                    <a:lumMod val="75000"/>
-                  </a:schemeClr>
-                </a:solidFill>
-                <a:latin typeface="Arial" pitchFamily="34" charset="0"/>
-                <a:cs typeface="Arial" pitchFamily="34" charset="0"/>
-              </a:rPr>
-              <a:t>file.close</a:t>
+                <a:latin typeface="Arial" pitchFamily="34" charset="0"/>
+                <a:cs typeface="Arial" pitchFamily="34" charset="0"/>
+              </a:rPr>
+              <a:t>print</a:t>
             </a:r>
             <a:r>
               <a:rPr lang="es-ES" sz="2400" b="1" dirty="0">
-                <a:solidFill>
-                  <a:schemeClr val="accent6">
-                    <a:lumMod val="75000"/>
-                  </a:schemeClr>
-                </a:solidFill>
-                <a:latin typeface="Arial" pitchFamily="34" charset="0"/>
-                <a:cs typeface="Arial" pitchFamily="34" charset="0"/>
-              </a:rPr>
-              <a:t>()</a:t>
+                <a:latin typeface="Arial" pitchFamily="34" charset="0"/>
+                <a:cs typeface="Arial" pitchFamily="34" charset="0"/>
+              </a:rPr>
+              <a:t>(contenido)</a:t>
             </a:r>
           </a:p>
           <a:p>
@@ -7848,17 +7707,39 @@
             </a:pPr>
             <a:r>
               <a:rPr lang="es-ES" sz="2400" b="1" dirty="0" err="1">
-                <a:latin typeface="Arial" pitchFamily="34" charset="0"/>
-                <a:cs typeface="Arial" pitchFamily="34" charset="0"/>
-              </a:rPr>
-              <a:t>print</a:t>
+                <a:solidFill>
+                  <a:schemeClr val="accent3">
+                    <a:lumMod val="75000"/>
+                  </a:schemeClr>
+                </a:solidFill>
+                <a:latin typeface="Arial" pitchFamily="34" charset="0"/>
+                <a:cs typeface="Arial" pitchFamily="34" charset="0"/>
+              </a:rPr>
+              <a:t>file.</a:t>
+            </a:r>
+            <a:r>
+              <a:rPr lang="es-ES" sz="2400" b="1" dirty="0" err="1">
+                <a:solidFill>
+                  <a:schemeClr val="accent6">
+                    <a:lumMod val="75000"/>
+                  </a:schemeClr>
+                </a:solidFill>
+                <a:latin typeface="Arial" pitchFamily="34" charset="0"/>
+                <a:cs typeface="Arial" pitchFamily="34" charset="0"/>
+              </a:rPr>
+              <a:t>close</a:t>
             </a:r>
             <a:r>
               <a:rPr lang="es-ES" sz="2400" b="1" dirty="0">
-                <a:latin typeface="Arial" pitchFamily="34" charset="0"/>
-                <a:cs typeface="Arial" pitchFamily="34" charset="0"/>
-              </a:rPr>
-              <a:t>(contenido)</a:t>
+                <a:solidFill>
+                  <a:schemeClr val="accent6">
+                    <a:lumMod val="75000"/>
+                  </a:schemeClr>
+                </a:solidFill>
+                <a:latin typeface="Arial" pitchFamily="34" charset="0"/>
+                <a:cs typeface="Arial" pitchFamily="34" charset="0"/>
+              </a:rPr>
+              <a:t>()</a:t>
             </a:r>
           </a:p>
           <a:p>
@@ -7899,7 +7780,7 @@
         </p:blipFill>
         <p:spPr>
           <a:xfrm>
-            <a:off x="4716016" y="4725144"/>
+            <a:off x="4716015" y="5071882"/>
             <a:ext cx="4145094" cy="1224136"/>
           </a:xfrm>
           <a:prstGeom prst="rect">
@@ -7914,6 +7795,93 @@
           </a:effectLst>
         </p:spPr>
       </p:pic>
+      <p:sp>
+        <p:nvSpPr>
+          <p:cNvPr id="5" name="Rectángulo 4">
+            <a:extLst>
+              <a:ext uri="{FF2B5EF4-FFF2-40B4-BE49-F238E27FC236}">
+                <a16:creationId xmlns:a16="http://schemas.microsoft.com/office/drawing/2014/main" id="{48656950-BCCE-4F0C-B32C-B75A5F57B631}"/>
+              </a:ext>
+            </a:extLst>
+          </p:cNvPr>
+          <p:cNvSpPr/>
+          <p:nvPr/>
+        </p:nvSpPr>
+        <p:spPr>
+          <a:xfrm>
+            <a:off x="5084173" y="3628181"/>
+            <a:ext cx="3376259" cy="646331"/>
+          </a:xfrm>
+          <a:prstGeom prst="rect">
+            <a:avLst/>
+          </a:prstGeom>
+        </p:spPr>
+        <p:txBody>
+          <a:bodyPr wrap="square">
+            <a:spAutoFit/>
+          </a:bodyPr>
+          <a:lstStyle/>
+          <a:p>
+            <a:pPr algn="ctr"/>
+            <a:r>
+              <a:rPr lang="es-MX" dirty="0">
+                <a:solidFill>
+                  <a:srgbClr val="0070C0"/>
+                </a:solidFill>
+                <a:latin typeface="Arial" panose="020B0604020202020204" pitchFamily="34" charset="0"/>
+                <a:cs typeface="Arial" panose="020B0604020202020204" pitchFamily="34" charset="0"/>
+              </a:rPr>
+              <a:t>Obtiene todo el contenido del archivo</a:t>
+            </a:r>
+            <a:endParaRPr lang="es-MX" dirty="0">
+              <a:solidFill>
+                <a:srgbClr val="0070C0"/>
+              </a:solidFill>
+            </a:endParaRPr>
+          </a:p>
+        </p:txBody>
+      </p:sp>
+      <p:cxnSp>
+        <p:nvCxnSpPr>
+          <p:cNvPr id="6" name="Conector recto de flecha 5">
+            <a:extLst>
+              <a:ext uri="{FF2B5EF4-FFF2-40B4-BE49-F238E27FC236}">
+                <a16:creationId xmlns:a16="http://schemas.microsoft.com/office/drawing/2014/main" id="{1B61D960-E280-477B-B43B-C57C7129AB09}"/>
+              </a:ext>
+            </a:extLst>
+          </p:cNvPr>
+          <p:cNvCxnSpPr>
+            <a:cxnSpLocks/>
+          </p:cNvCxnSpPr>
+          <p:nvPr/>
+        </p:nvCxnSpPr>
+        <p:spPr>
+          <a:xfrm>
+            <a:off x="6732240" y="4274512"/>
+            <a:ext cx="0" cy="720080"/>
+          </a:xfrm>
+          <a:prstGeom prst="straightConnector1">
+            <a:avLst/>
+          </a:prstGeom>
+          <a:ln w="38100">
+            <a:tailEnd type="triangle" w="lg" len="lg"/>
+          </a:ln>
+        </p:spPr>
+        <p:style>
+          <a:lnRef idx="1">
+            <a:schemeClr val="accent1"/>
+          </a:lnRef>
+          <a:fillRef idx="0">
+            <a:schemeClr val="accent1"/>
+          </a:fillRef>
+          <a:effectRef idx="0">
+            <a:schemeClr val="accent1"/>
+          </a:effectRef>
+          <a:fontRef idx="minor">
+            <a:schemeClr val="tx1"/>
+          </a:fontRef>
+        </p:style>
+      </p:cxnSp>
     </p:spTree>
     <p:extLst>
       <p:ext uri="{BB962C8B-B14F-4D97-AF65-F5344CB8AC3E}">
@@ -8277,6 +8245,18 @@
             <a:r>
               <a:rPr lang="es-ES" sz="2400" b="1" dirty="0">
                 <a:solidFill>
+                  <a:schemeClr val="accent3">
+                    <a:lumMod val="75000"/>
+                  </a:schemeClr>
+                </a:solidFill>
+                <a:latin typeface="Arial" pitchFamily="34" charset="0"/>
+                <a:cs typeface="Arial" pitchFamily="34" charset="0"/>
+              </a:rPr>
+              <a:t>file</a:t>
+            </a:r>
+            <a:r>
+              <a:rPr lang="es-ES" sz="2400" b="1" dirty="0">
+                <a:solidFill>
                   <a:schemeClr val="accent6">
                     <a:lumMod val="75000"/>
                   </a:schemeClr>
@@ -8284,14 +8264,33 @@
                 <a:latin typeface="Arial" pitchFamily="34" charset="0"/>
                 <a:cs typeface="Arial" pitchFamily="34" charset="0"/>
               </a:rPr>
-              <a:t>file </a:t>
+              <a:t> </a:t>
             </a:r>
             <a:r>
               <a:rPr lang="es-ES" sz="2400" b="1" dirty="0">
                 <a:latin typeface="Arial" pitchFamily="34" charset="0"/>
                 <a:cs typeface="Arial" pitchFamily="34" charset="0"/>
               </a:rPr>
-              <a:t>= open("prueba.txt", "r+")</a:t>
+              <a:t>= </a:t>
+            </a:r>
+            <a:r>
+              <a:rPr lang="es-ES" sz="2400" b="1" dirty="0">
+                <a:solidFill>
+                  <a:schemeClr val="accent6">
+                    <a:lumMod val="75000"/>
+                  </a:schemeClr>
+                </a:solidFill>
+                <a:latin typeface="Arial" pitchFamily="34" charset="0"/>
+                <a:cs typeface="Arial" pitchFamily="34" charset="0"/>
+              </a:rPr>
+              <a:t>open</a:t>
+            </a:r>
+            <a:r>
+              <a:rPr lang="es-ES" sz="2400" b="1" dirty="0">
+                <a:latin typeface="Arial" pitchFamily="34" charset="0"/>
+                <a:cs typeface="Arial" pitchFamily="34" charset="0"/>
+              </a:rPr>
+              <a:t>("prueba.txt", "w+")</a:t>
             </a:r>
           </a:p>
           <a:p>
@@ -8303,6 +8302,18 @@
             <a:r>
               <a:rPr lang="es-ES" sz="2400" b="1" dirty="0" err="1">
                 <a:solidFill>
+                  <a:schemeClr val="accent3">
+                    <a:lumMod val="75000"/>
+                  </a:schemeClr>
+                </a:solidFill>
+                <a:latin typeface="Arial" pitchFamily="34" charset="0"/>
+                <a:cs typeface="Arial" pitchFamily="34" charset="0"/>
+              </a:rPr>
+              <a:t>file.</a:t>
+            </a:r>
+            <a:r>
+              <a:rPr lang="es-ES" sz="2400" b="1" dirty="0" err="1">
+                <a:solidFill>
                   <a:schemeClr val="accent6">
                     <a:lumMod val="75000"/>
                   </a:schemeClr>
@@ -8310,7 +8321,7 @@
                 <a:latin typeface="Arial" pitchFamily="34" charset="0"/>
                 <a:cs typeface="Arial" pitchFamily="34" charset="0"/>
               </a:rPr>
-              <a:t>file.write</a:t>
+              <a:t>write</a:t>
             </a:r>
             <a:r>
               <a:rPr lang="es-ES" sz="2400" b="1" dirty="0">
@@ -8329,6 +8340,18 @@
             <a:r>
               <a:rPr lang="es-ES" sz="2400" b="1" dirty="0" err="1">
                 <a:solidFill>
+                  <a:schemeClr val="accent3">
+                    <a:lumMod val="75000"/>
+                  </a:schemeClr>
+                </a:solidFill>
+                <a:latin typeface="Arial" pitchFamily="34" charset="0"/>
+                <a:cs typeface="Arial" pitchFamily="34" charset="0"/>
+              </a:rPr>
+              <a:t>file.</a:t>
+            </a:r>
+            <a:r>
+              <a:rPr lang="es-ES" sz="2400" b="1" dirty="0" err="1">
+                <a:solidFill>
                   <a:schemeClr val="accent6">
                     <a:lumMod val="75000"/>
                   </a:schemeClr>
@@ -8336,7 +8359,7 @@
                 <a:latin typeface="Arial" pitchFamily="34" charset="0"/>
                 <a:cs typeface="Arial" pitchFamily="34" charset="0"/>
               </a:rPr>
-              <a:t>file.seek</a:t>
+              <a:t>seek</a:t>
             </a:r>
             <a:r>
               <a:rPr lang="es-ES" sz="2400" b="1" dirty="0">
@@ -8367,12 +8390,24 @@
             <a:r>
               <a:rPr lang="es-ES" sz="2400" b="1" dirty="0" err="1">
                 <a:solidFill>
+                  <a:schemeClr val="accent3">
+                    <a:lumMod val="75000"/>
+                  </a:schemeClr>
+                </a:solidFill>
+                <a:latin typeface="Arial" pitchFamily="34" charset="0"/>
+                <a:cs typeface="Arial" pitchFamily="34" charset="0"/>
+              </a:rPr>
+              <a:t>file.</a:t>
+            </a:r>
+            <a:r>
+              <a:rPr lang="es-ES" sz="2400" b="1" dirty="0" err="1">
+                <a:solidFill>
                   <a:srgbClr val="FF0000"/>
                 </a:solidFill>
                 <a:latin typeface="Arial" pitchFamily="34" charset="0"/>
                 <a:cs typeface="Arial" pitchFamily="34" charset="0"/>
               </a:rPr>
-              <a:t>file.read</a:t>
+              <a:t>read</a:t>
             </a:r>
             <a:r>
               <a:rPr lang="es-ES" sz="2400" b="1" dirty="0">
@@ -8393,27 +8428,17 @@
             </a:pPr>
             <a:r>
               <a:rPr lang="es-ES" sz="2400" b="1" dirty="0" err="1">
-                <a:solidFill>
-                  <a:schemeClr val="accent6">
-                    <a:lumMod val="75000"/>
-                  </a:schemeClr>
-                </a:solidFill>
-                <a:latin typeface="Arial" pitchFamily="34" charset="0"/>
-                <a:cs typeface="Arial" pitchFamily="34" charset="0"/>
-              </a:rPr>
-              <a:t>file.close</a:t>
+                <a:latin typeface="Arial" pitchFamily="34" charset="0"/>
+                <a:cs typeface="Arial" pitchFamily="34" charset="0"/>
+              </a:rPr>
+              <a:t>print</a:t>
             </a:r>
             <a:r>
               <a:rPr lang="es-ES" sz="2400" b="1" dirty="0">
-                <a:solidFill>
-                  <a:schemeClr val="accent6">
-                    <a:lumMod val="75000"/>
-                  </a:schemeClr>
-                </a:solidFill>
-                <a:latin typeface="Arial" pitchFamily="34" charset="0"/>
-                <a:cs typeface="Arial" pitchFamily="34" charset="0"/>
-              </a:rPr>
-              <a:t>()</a:t>
+                <a:latin typeface="Arial" pitchFamily="34" charset="0"/>
+                <a:cs typeface="Arial" pitchFamily="34" charset="0"/>
+              </a:rPr>
+              <a:t>(contenido)</a:t>
             </a:r>
           </a:p>
           <a:p>
@@ -8424,17 +8449,39 @@
             </a:pPr>
             <a:r>
               <a:rPr lang="es-ES" sz="2400" b="1" dirty="0" err="1">
-                <a:latin typeface="Arial" pitchFamily="34" charset="0"/>
-                <a:cs typeface="Arial" pitchFamily="34" charset="0"/>
-              </a:rPr>
-              <a:t>print</a:t>
+                <a:solidFill>
+                  <a:schemeClr val="accent3">
+                    <a:lumMod val="75000"/>
+                  </a:schemeClr>
+                </a:solidFill>
+                <a:latin typeface="Arial" pitchFamily="34" charset="0"/>
+                <a:cs typeface="Arial" pitchFamily="34" charset="0"/>
+              </a:rPr>
+              <a:t>file.</a:t>
+            </a:r>
+            <a:r>
+              <a:rPr lang="es-ES" sz="2400" b="1" dirty="0" err="1">
+                <a:solidFill>
+                  <a:schemeClr val="accent6">
+                    <a:lumMod val="75000"/>
+                  </a:schemeClr>
+                </a:solidFill>
+                <a:latin typeface="Arial" pitchFamily="34" charset="0"/>
+                <a:cs typeface="Arial" pitchFamily="34" charset="0"/>
+              </a:rPr>
+              <a:t>close</a:t>
             </a:r>
             <a:r>
               <a:rPr lang="es-ES" sz="2400" b="1" dirty="0">
-                <a:latin typeface="Arial" pitchFamily="34" charset="0"/>
-                <a:cs typeface="Arial" pitchFamily="34" charset="0"/>
-              </a:rPr>
-              <a:t>(contenido)</a:t>
+                <a:solidFill>
+                  <a:schemeClr val="accent6">
+                    <a:lumMod val="75000"/>
+                  </a:schemeClr>
+                </a:solidFill>
+                <a:latin typeface="Arial" pitchFamily="34" charset="0"/>
+                <a:cs typeface="Arial" pitchFamily="34" charset="0"/>
+              </a:rPr>
+              <a:t>()</a:t>
             </a:r>
             <a:endParaRPr lang="es-ES" sz="2400" dirty="0">
               <a:solidFill>
@@ -8483,6 +8530,113 @@
           </a:effectLst>
         </p:spPr>
       </p:pic>
+      <p:sp>
+        <p:nvSpPr>
+          <p:cNvPr id="5" name="Rectángulo 4">
+            <a:extLst>
+              <a:ext uri="{FF2B5EF4-FFF2-40B4-BE49-F238E27FC236}">
+                <a16:creationId xmlns:a16="http://schemas.microsoft.com/office/drawing/2014/main" id="{B39C443D-A182-4B7E-9329-ADA2EE0726F4}"/>
+              </a:ext>
+            </a:extLst>
+          </p:cNvPr>
+          <p:cNvSpPr/>
+          <p:nvPr/>
+        </p:nvSpPr>
+        <p:spPr>
+          <a:xfrm>
+            <a:off x="4979734" y="3284984"/>
+            <a:ext cx="3376259" cy="646331"/>
+          </a:xfrm>
+          <a:prstGeom prst="rect">
+            <a:avLst/>
+          </a:prstGeom>
+        </p:spPr>
+        <p:txBody>
+          <a:bodyPr wrap="square">
+            <a:spAutoFit/>
+          </a:bodyPr>
+          <a:lstStyle/>
+          <a:p>
+            <a:pPr algn="ctr"/>
+            <a:r>
+              <a:rPr lang="es-MX" dirty="0">
+                <a:solidFill>
+                  <a:srgbClr val="0070C0"/>
+                </a:solidFill>
+                <a:latin typeface="Arial" panose="020B0604020202020204" pitchFamily="34" charset="0"/>
+                <a:cs typeface="Arial" panose="020B0604020202020204" pitchFamily="34" charset="0"/>
+              </a:rPr>
+              <a:t>Obtiene el primer </a:t>
+            </a:r>
+            <a:r>
+              <a:rPr lang="es-MX" dirty="0" err="1">
+                <a:solidFill>
+                  <a:srgbClr val="0070C0"/>
+                </a:solidFill>
+                <a:latin typeface="Arial" panose="020B0604020202020204" pitchFamily="34" charset="0"/>
+                <a:cs typeface="Arial" panose="020B0604020202020204" pitchFamily="34" charset="0"/>
+              </a:rPr>
+              <a:t>caracter</a:t>
+            </a:r>
+            <a:r>
+              <a:rPr lang="es-MX" dirty="0">
+                <a:solidFill>
+                  <a:srgbClr val="0070C0"/>
+                </a:solidFill>
+                <a:latin typeface="Arial" panose="020B0604020202020204" pitchFamily="34" charset="0"/>
+                <a:cs typeface="Arial" panose="020B0604020202020204" pitchFamily="34" charset="0"/>
+              </a:rPr>
+              <a:t> del archivo</a:t>
+            </a:r>
+            <a:endParaRPr lang="es-MX" dirty="0">
+              <a:solidFill>
+                <a:srgbClr val="0070C0"/>
+              </a:solidFill>
+            </a:endParaRPr>
+          </a:p>
+        </p:txBody>
+      </p:sp>
+      <p:cxnSp>
+        <p:nvCxnSpPr>
+          <p:cNvPr id="6" name="Conector recto de flecha 5">
+            <a:extLst>
+              <a:ext uri="{FF2B5EF4-FFF2-40B4-BE49-F238E27FC236}">
+                <a16:creationId xmlns:a16="http://schemas.microsoft.com/office/drawing/2014/main" id="{75AF7F25-1997-4404-8BB0-FD0B0812F9E8}"/>
+              </a:ext>
+            </a:extLst>
+          </p:cNvPr>
+          <p:cNvCxnSpPr>
+            <a:cxnSpLocks/>
+          </p:cNvCxnSpPr>
+          <p:nvPr/>
+        </p:nvCxnSpPr>
+        <p:spPr>
+          <a:xfrm>
+            <a:off x="6627801" y="3931315"/>
+            <a:ext cx="0" cy="720080"/>
+          </a:xfrm>
+          <a:prstGeom prst="straightConnector1">
+            <a:avLst/>
+          </a:prstGeom>
+          <a:ln w="38100">
+            <a:tailEnd type="triangle" w="lg" len="lg"/>
+          </a:ln>
+        </p:spPr>
+        <p:style>
+          <a:lnRef idx="1">
+            <a:schemeClr val="accent1"/>
+          </a:lnRef>
+          <a:fillRef idx="0">
+            <a:schemeClr val="accent1"/>
+          </a:fillRef>
+          <a:effectRef idx="0">
+            <a:schemeClr val="accent1"/>
+          </a:effectRef>
+          <a:fontRef idx="minor">
+            <a:schemeClr val="tx1"/>
+          </a:fontRef>
+        </p:style>
+      </p:cxnSp>
     </p:spTree>
     <p:extLst>
       <p:ext uri="{BB962C8B-B14F-4D97-AF65-F5344CB8AC3E}">
@@ -8819,6 +8973,18 @@
             <a:r>
               <a:rPr lang="es-ES" sz="2000" b="1" dirty="0">
                 <a:solidFill>
+                  <a:schemeClr val="accent3">
+                    <a:lumMod val="75000"/>
+                  </a:schemeClr>
+                </a:solidFill>
+                <a:latin typeface="Arial" pitchFamily="34" charset="0"/>
+                <a:cs typeface="Arial" pitchFamily="34" charset="0"/>
+              </a:rPr>
+              <a:t>file</a:t>
+            </a:r>
+            <a:r>
+              <a:rPr lang="es-ES" sz="2000" b="1" dirty="0">
+                <a:solidFill>
                   <a:schemeClr val="accent6">
                     <a:lumMod val="75000"/>
                   </a:schemeClr>
@@ -8826,14 +8992,33 @@
                 <a:latin typeface="Arial" pitchFamily="34" charset="0"/>
                 <a:cs typeface="Arial" pitchFamily="34" charset="0"/>
               </a:rPr>
-              <a:t>file </a:t>
+              <a:t> </a:t>
             </a:r>
             <a:r>
               <a:rPr lang="es-ES" sz="2000" b="1" dirty="0">
                 <a:latin typeface="Arial" pitchFamily="34" charset="0"/>
                 <a:cs typeface="Arial" pitchFamily="34" charset="0"/>
               </a:rPr>
-              <a:t>= open("prueba.txt", "r+")</a:t>
+              <a:t>= </a:t>
+            </a:r>
+            <a:r>
+              <a:rPr lang="es-ES" sz="2000" b="1" dirty="0">
+                <a:solidFill>
+                  <a:schemeClr val="accent6">
+                    <a:lumMod val="75000"/>
+                  </a:schemeClr>
+                </a:solidFill>
+                <a:latin typeface="Arial" pitchFamily="34" charset="0"/>
+                <a:cs typeface="Arial" pitchFamily="34" charset="0"/>
+              </a:rPr>
+              <a:t>open</a:t>
+            </a:r>
+            <a:r>
+              <a:rPr lang="es-ES" sz="2000" b="1" dirty="0">
+                <a:latin typeface="Arial" pitchFamily="34" charset="0"/>
+                <a:cs typeface="Arial" pitchFamily="34" charset="0"/>
+              </a:rPr>
+              <a:t>("prueba.txt", "w+")</a:t>
             </a:r>
           </a:p>
           <a:p>
@@ -8866,6 +9051,18 @@
             <a:r>
               <a:rPr lang="es-ES" sz="2000" b="1" dirty="0" err="1">
                 <a:solidFill>
+                  <a:schemeClr val="accent3">
+                    <a:lumMod val="75000"/>
+                  </a:schemeClr>
+                </a:solidFill>
+                <a:latin typeface="Arial" pitchFamily="34" charset="0"/>
+                <a:cs typeface="Arial" pitchFamily="34" charset="0"/>
+              </a:rPr>
+              <a:t>file.</a:t>
+            </a:r>
+            <a:r>
+              <a:rPr lang="es-ES" sz="2000" b="1" dirty="0" err="1">
+                <a:solidFill>
                   <a:schemeClr val="accent6">
                     <a:lumMod val="75000"/>
                   </a:schemeClr>
@@ -8873,7 +9070,7 @@
                 <a:latin typeface="Arial" pitchFamily="34" charset="0"/>
                 <a:cs typeface="Arial" pitchFamily="34" charset="0"/>
               </a:rPr>
-              <a:t>file.writelines</a:t>
+              <a:t>writelines</a:t>
             </a:r>
             <a:r>
               <a:rPr lang="es-ES" sz="2000" b="1" dirty="0">
@@ -8906,6 +9103,18 @@
             <a:r>
               <a:rPr lang="es-ES" sz="2000" b="1" dirty="0" err="1">
                 <a:solidFill>
+                  <a:schemeClr val="accent3">
+                    <a:lumMod val="75000"/>
+                  </a:schemeClr>
+                </a:solidFill>
+                <a:latin typeface="Arial" pitchFamily="34" charset="0"/>
+                <a:cs typeface="Arial" pitchFamily="34" charset="0"/>
+              </a:rPr>
+              <a:t>file.</a:t>
+            </a:r>
+            <a:r>
+              <a:rPr lang="es-ES" sz="2000" b="1" dirty="0" err="1">
+                <a:solidFill>
                   <a:schemeClr val="accent6">
                     <a:lumMod val="75000"/>
                   </a:schemeClr>
@@ -8913,7 +9122,7 @@
                 <a:latin typeface="Arial" pitchFamily="34" charset="0"/>
                 <a:cs typeface="Arial" pitchFamily="34" charset="0"/>
               </a:rPr>
-              <a:t>file.seek</a:t>
+              <a:t>seek</a:t>
             </a:r>
             <a:r>
               <a:rPr lang="es-ES" sz="2000" b="1" dirty="0">
@@ -8939,17 +9148,29 @@
                 <a:latin typeface="Arial" pitchFamily="34" charset="0"/>
                 <a:cs typeface="Arial" pitchFamily="34" charset="0"/>
               </a:rPr>
-              <a:t>contenido = </a:t>
+              <a:t>linea1 = </a:t>
             </a:r>
             <a:r>
               <a:rPr lang="es-ES" sz="2000" b="1" dirty="0" err="1">
                 <a:solidFill>
+                  <a:schemeClr val="accent3">
+                    <a:lumMod val="75000"/>
+                  </a:schemeClr>
+                </a:solidFill>
+                <a:latin typeface="Arial" pitchFamily="34" charset="0"/>
+                <a:cs typeface="Arial" pitchFamily="34" charset="0"/>
+              </a:rPr>
+              <a:t>file.</a:t>
+            </a:r>
+            <a:r>
+              <a:rPr lang="es-ES" sz="2000" b="1" dirty="0" err="1">
+                <a:solidFill>
                   <a:srgbClr val="FF0000"/>
                 </a:solidFill>
                 <a:latin typeface="Arial" pitchFamily="34" charset="0"/>
                 <a:cs typeface="Arial" pitchFamily="34" charset="0"/>
               </a:rPr>
-              <a:t>file.readline</a:t>
+              <a:t>readline</a:t>
             </a:r>
             <a:r>
               <a:rPr lang="es-ES" sz="2000" b="1" dirty="0">
@@ -8969,18 +9190,43 @@
               </a:lnSpc>
             </a:pPr>
             <a:r>
+              <a:rPr lang="es-ES" sz="2000" b="1" dirty="0">
+                <a:latin typeface="Arial" pitchFamily="34" charset="0"/>
+                <a:cs typeface="Arial" pitchFamily="34" charset="0"/>
+              </a:rPr>
+              <a:t>linea2 = </a:t>
+            </a:r>
+            <a:r>
               <a:rPr lang="es-ES" sz="2000" b="1" dirty="0" err="1">
-                <a:latin typeface="Arial" pitchFamily="34" charset="0"/>
-                <a:cs typeface="Arial" pitchFamily="34" charset="0"/>
-              </a:rPr>
-              <a:t>print</a:t>
+                <a:solidFill>
+                  <a:schemeClr val="accent3">
+                    <a:lumMod val="75000"/>
+                  </a:schemeClr>
+                </a:solidFill>
+                <a:latin typeface="Arial" pitchFamily="34" charset="0"/>
+                <a:cs typeface="Arial" pitchFamily="34" charset="0"/>
+              </a:rPr>
+              <a:t>file.</a:t>
+            </a:r>
+            <a:r>
+              <a:rPr lang="es-ES" sz="2000" b="1" dirty="0" err="1">
+                <a:solidFill>
+                  <a:srgbClr val="FF0000"/>
+                </a:solidFill>
+                <a:latin typeface="Arial" pitchFamily="34" charset="0"/>
+                <a:cs typeface="Arial" pitchFamily="34" charset="0"/>
+              </a:rPr>
+              <a:t>readline</a:t>
             </a:r>
             <a:r>
               <a:rPr lang="es-ES" sz="2000" b="1" dirty="0">
-                <a:latin typeface="Arial" pitchFamily="34" charset="0"/>
-                <a:cs typeface="Arial" pitchFamily="34" charset="0"/>
-              </a:rPr>
-              <a:t>(contenido)</a:t>
+                <a:solidFill>
+                  <a:srgbClr val="FF0000"/>
+                </a:solidFill>
+                <a:latin typeface="Arial" pitchFamily="34" charset="0"/>
+                <a:cs typeface="Arial" pitchFamily="34" charset="0"/>
+              </a:rPr>
+              <a:t>()</a:t>
             </a:r>
           </a:p>
           <a:p>
@@ -8990,31 +9236,18 @@
               </a:lnSpc>
             </a:pPr>
             <a:r>
+              <a:rPr lang="es-ES" sz="2000" b="1" dirty="0" err="1">
+                <a:latin typeface="Arial" pitchFamily="34" charset="0"/>
+                <a:cs typeface="Arial" pitchFamily="34" charset="0"/>
+              </a:rPr>
+              <a:t>print</a:t>
+            </a:r>
+            <a:r>
               <a:rPr lang="es-ES" sz="2000" b="1" dirty="0">
                 <a:latin typeface="Arial" pitchFamily="34" charset="0"/>
                 <a:cs typeface="Arial" pitchFamily="34" charset="0"/>
               </a:rPr>
-              <a:t>contenido = </a:t>
-            </a:r>
-            <a:r>
-              <a:rPr lang="es-ES" sz="2000" b="1" dirty="0" err="1">
-                <a:solidFill>
-                  <a:srgbClr val="FF0000"/>
-                </a:solidFill>
-                <a:latin typeface="Arial" pitchFamily="34" charset="0"/>
-                <a:cs typeface="Arial" pitchFamily="34" charset="0"/>
-              </a:rPr>
-              <a:t>file.readline</a:t>
-            </a:r>
-            <a:r>
-              <a:rPr lang="es-ES" sz="2000" b="1" dirty="0">
-                <a:solidFill>
-                  <a:srgbClr val="FF0000"/>
-                </a:solidFill>
-                <a:latin typeface="Arial" pitchFamily="34" charset="0"/>
-                <a:cs typeface="Arial" pitchFamily="34" charset="0"/>
-              </a:rPr>
-              <a:t>()</a:t>
+              <a:t>(linea1)</a:t>
             </a:r>
           </a:p>
           <a:p>
@@ -9035,7 +9268,7 @@
                 <a:latin typeface="Arial" pitchFamily="34" charset="0"/>
                 <a:cs typeface="Arial" pitchFamily="34" charset="0"/>
               </a:rPr>
-              <a:t>(contenido)</a:t>
+              <a:t>(linea2)</a:t>
             </a:r>
           </a:p>
           <a:p>
@@ -9047,6 +9280,18 @@
             <a:r>
               <a:rPr lang="es-ES" sz="2000" b="1" dirty="0" err="1">
                 <a:solidFill>
+                  <a:schemeClr val="accent3">
+                    <a:lumMod val="75000"/>
+                  </a:schemeClr>
+                </a:solidFill>
+                <a:latin typeface="Arial" pitchFamily="34" charset="0"/>
+                <a:cs typeface="Arial" pitchFamily="34" charset="0"/>
+              </a:rPr>
+              <a:t>file.</a:t>
+            </a:r>
+            <a:r>
+              <a:rPr lang="es-ES" sz="2000" b="1" dirty="0" err="1">
+                <a:solidFill>
                   <a:schemeClr val="accent6">
                     <a:lumMod val="75000"/>
                   </a:schemeClr>
@@ -9054,7 +9299,7 @@
                 <a:latin typeface="Arial" pitchFamily="34" charset="0"/>
                 <a:cs typeface="Arial" pitchFamily="34" charset="0"/>
               </a:rPr>
-              <a:t>file.close</a:t>
+              <a:t>close</a:t>
             </a:r>
             <a:r>
               <a:rPr lang="es-ES" sz="2000" b="1" dirty="0">
@@ -9115,6 +9360,93 @@
           </a:effectLst>
         </p:spPr>
       </p:pic>
+      <p:sp>
+        <p:nvSpPr>
+          <p:cNvPr id="5" name="Rectángulo 4">
+            <a:extLst>
+              <a:ext uri="{FF2B5EF4-FFF2-40B4-BE49-F238E27FC236}">
+                <a16:creationId xmlns:a16="http://schemas.microsoft.com/office/drawing/2014/main" id="{CC81F9B5-BAA0-439A-8527-5BD86E5B9576}"/>
+              </a:ext>
+            </a:extLst>
+          </p:cNvPr>
+          <p:cNvSpPr/>
+          <p:nvPr/>
+        </p:nvSpPr>
+        <p:spPr>
+          <a:xfrm>
+            <a:off x="5084173" y="3140968"/>
+            <a:ext cx="3376259" cy="646331"/>
+          </a:xfrm>
+          <a:prstGeom prst="rect">
+            <a:avLst/>
+          </a:prstGeom>
+        </p:spPr>
+        <p:txBody>
+          <a:bodyPr wrap="square">
+            <a:spAutoFit/>
+          </a:bodyPr>
+          <a:lstStyle/>
+          <a:p>
+            <a:pPr algn="ctr"/>
+            <a:r>
+              <a:rPr lang="es-MX" dirty="0">
+                <a:solidFill>
+                  <a:srgbClr val="0070C0"/>
+                </a:solidFill>
+                <a:latin typeface="Arial" panose="020B0604020202020204" pitchFamily="34" charset="0"/>
+                <a:cs typeface="Arial" panose="020B0604020202020204" pitchFamily="34" charset="0"/>
+              </a:rPr>
+              <a:t>Obtiene cada renglón del archivo</a:t>
+            </a:r>
+            <a:endParaRPr lang="es-MX" dirty="0">
+              <a:solidFill>
+                <a:srgbClr val="0070C0"/>
+              </a:solidFill>
+            </a:endParaRPr>
+          </a:p>
+        </p:txBody>
+      </p:sp>
+      <p:cxnSp>
+        <p:nvCxnSpPr>
+          <p:cNvPr id="6" name="Conector recto de flecha 5">
+            <a:extLst>
+              <a:ext uri="{FF2B5EF4-FFF2-40B4-BE49-F238E27FC236}">
+                <a16:creationId xmlns:a16="http://schemas.microsoft.com/office/drawing/2014/main" id="{AE3E81D4-2B9D-4C61-80F3-4D4C9C334101}"/>
+              </a:ext>
+            </a:extLst>
+          </p:cNvPr>
+          <p:cNvCxnSpPr>
+            <a:cxnSpLocks/>
+          </p:cNvCxnSpPr>
+          <p:nvPr/>
+        </p:nvCxnSpPr>
+        <p:spPr>
+          <a:xfrm>
+            <a:off x="6732240" y="3787299"/>
+            <a:ext cx="0" cy="720080"/>
+          </a:xfrm>
+          <a:prstGeom prst="straightConnector1">
+            <a:avLst/>
+          </a:prstGeom>
+          <a:ln w="38100">
+            <a:tailEnd type="triangle" w="lg" len="lg"/>
+          </a:ln>
+        </p:spPr>
+        <p:style>
+          <a:lnRef idx="1">
+            <a:schemeClr val="accent1"/>
+          </a:lnRef>
+          <a:fillRef idx="0">
+            <a:schemeClr val="accent1"/>
+          </a:fillRef>
+          <a:effectRef idx="0">
+            <a:schemeClr val="accent1"/>
+          </a:effectRef>
+          <a:fontRef idx="minor">
+            <a:schemeClr val="tx1"/>
+          </a:fontRef>
+        </p:style>
+      </p:cxnSp>
     </p:spTree>
     <p:extLst>
       <p:ext uri="{BB962C8B-B14F-4D97-AF65-F5344CB8AC3E}">
@@ -9451,6 +9783,18 @@
             <a:r>
               <a:rPr lang="es-ES" sz="2400" b="1" dirty="0">
                 <a:solidFill>
+                  <a:schemeClr val="accent3">
+                    <a:lumMod val="75000"/>
+                  </a:schemeClr>
+                </a:solidFill>
+                <a:latin typeface="Arial" pitchFamily="34" charset="0"/>
+                <a:cs typeface="Arial" pitchFamily="34" charset="0"/>
+              </a:rPr>
+              <a:t>file</a:t>
+            </a:r>
+            <a:r>
+              <a:rPr lang="es-ES" sz="2400" b="1" dirty="0">
+                <a:solidFill>
                   <a:schemeClr val="accent6">
                     <a:lumMod val="75000"/>
                   </a:schemeClr>
@@ -9458,14 +9802,33 @@
                 <a:latin typeface="Arial" pitchFamily="34" charset="0"/>
                 <a:cs typeface="Arial" pitchFamily="34" charset="0"/>
               </a:rPr>
-              <a:t>file </a:t>
+              <a:t> </a:t>
             </a:r>
             <a:r>
               <a:rPr lang="es-ES" sz="2400" b="1" dirty="0">
                 <a:latin typeface="Arial" pitchFamily="34" charset="0"/>
                 <a:cs typeface="Arial" pitchFamily="34" charset="0"/>
               </a:rPr>
-              <a:t>= open("prueba.txt", "r+")</a:t>
+              <a:t>= </a:t>
+            </a:r>
+            <a:r>
+              <a:rPr lang="es-ES" sz="2400" b="1" dirty="0">
+                <a:solidFill>
+                  <a:schemeClr val="accent6">
+                    <a:lumMod val="75000"/>
+                  </a:schemeClr>
+                </a:solidFill>
+                <a:latin typeface="Arial" pitchFamily="34" charset="0"/>
+                <a:cs typeface="Arial" pitchFamily="34" charset="0"/>
+              </a:rPr>
+              <a:t>open</a:t>
+            </a:r>
+            <a:r>
+              <a:rPr lang="es-ES" sz="2400" b="1" dirty="0">
+                <a:latin typeface="Arial" pitchFamily="34" charset="0"/>
+                <a:cs typeface="Arial" pitchFamily="34" charset="0"/>
+              </a:rPr>
+              <a:t>("prueba.txt", "w+")</a:t>
             </a:r>
           </a:p>
           <a:p>
@@ -9498,6 +9861,18 @@
             <a:r>
               <a:rPr lang="es-ES" sz="2400" b="1" dirty="0" err="1">
                 <a:solidFill>
+                  <a:schemeClr val="accent3">
+                    <a:lumMod val="75000"/>
+                  </a:schemeClr>
+                </a:solidFill>
+                <a:latin typeface="Arial" pitchFamily="34" charset="0"/>
+                <a:cs typeface="Arial" pitchFamily="34" charset="0"/>
+              </a:rPr>
+              <a:t>file.</a:t>
+            </a:r>
+            <a:r>
+              <a:rPr lang="es-ES" sz="2400" b="1" dirty="0" err="1">
+                <a:solidFill>
                   <a:schemeClr val="accent6">
                     <a:lumMod val="75000"/>
                   </a:schemeClr>
@@ -9505,7 +9880,7 @@
                 <a:latin typeface="Arial" pitchFamily="34" charset="0"/>
                 <a:cs typeface="Arial" pitchFamily="34" charset="0"/>
               </a:rPr>
-              <a:t>file.writelines</a:t>
+              <a:t>writelines</a:t>
             </a:r>
             <a:r>
               <a:rPr lang="es-ES" sz="2400" b="1" dirty="0">
@@ -9538,6 +9913,18 @@
             <a:r>
               <a:rPr lang="es-ES" sz="2400" b="1" dirty="0" err="1">
                 <a:solidFill>
+                  <a:schemeClr val="accent3">
+                    <a:lumMod val="75000"/>
+                  </a:schemeClr>
+                </a:solidFill>
+                <a:latin typeface="Arial" pitchFamily="34" charset="0"/>
+                <a:cs typeface="Arial" pitchFamily="34" charset="0"/>
+              </a:rPr>
+              <a:t>file.</a:t>
+            </a:r>
+            <a:r>
+              <a:rPr lang="es-ES" sz="2400" b="1" dirty="0" err="1">
+                <a:solidFill>
                   <a:schemeClr val="accent6">
                     <a:lumMod val="75000"/>
                   </a:schemeClr>
@@ -9545,7 +9932,7 @@
                 <a:latin typeface="Arial" pitchFamily="34" charset="0"/>
                 <a:cs typeface="Arial" pitchFamily="34" charset="0"/>
               </a:rPr>
-              <a:t>file.seek</a:t>
+              <a:t>seek</a:t>
             </a:r>
             <a:r>
               <a:rPr lang="es-ES" sz="2400" b="1" dirty="0">
@@ -9571,17 +9958,29 @@
                 <a:latin typeface="Arial" pitchFamily="34" charset="0"/>
                 <a:cs typeface="Arial" pitchFamily="34" charset="0"/>
               </a:rPr>
-              <a:t>contenido = </a:t>
+              <a:t>lista = </a:t>
             </a:r>
             <a:r>
               <a:rPr lang="es-ES" sz="2400" b="1" dirty="0" err="1">
                 <a:solidFill>
+                  <a:schemeClr val="accent3">
+                    <a:lumMod val="75000"/>
+                  </a:schemeClr>
+                </a:solidFill>
+                <a:latin typeface="Arial" pitchFamily="34" charset="0"/>
+                <a:cs typeface="Arial" pitchFamily="34" charset="0"/>
+              </a:rPr>
+              <a:t>file.</a:t>
+            </a:r>
+            <a:r>
+              <a:rPr lang="es-ES" sz="2400" b="1" dirty="0" err="1">
+                <a:solidFill>
                   <a:srgbClr val="FF0000"/>
                 </a:solidFill>
                 <a:latin typeface="Arial" pitchFamily="34" charset="0"/>
                 <a:cs typeface="Arial" pitchFamily="34" charset="0"/>
               </a:rPr>
-              <a:t>file.readlines</a:t>
+              <a:t>readlines</a:t>
             </a:r>
             <a:r>
               <a:rPr lang="es-ES" sz="2400" b="1" dirty="0">
@@ -9612,7 +10011,7 @@
                 <a:latin typeface="Arial" pitchFamily="34" charset="0"/>
                 <a:cs typeface="Arial" pitchFamily="34" charset="0"/>
               </a:rPr>
-              <a:t>(contenido)</a:t>
+              <a:t>(lista)</a:t>
             </a:r>
           </a:p>
           <a:p>
@@ -9624,6 +10023,18 @@
             <a:r>
               <a:rPr lang="es-ES" sz="2400" b="1" dirty="0" err="1">
                 <a:solidFill>
+                  <a:schemeClr val="accent3">
+                    <a:lumMod val="75000"/>
+                  </a:schemeClr>
+                </a:solidFill>
+                <a:latin typeface="Arial" pitchFamily="34" charset="0"/>
+                <a:cs typeface="Arial" pitchFamily="34" charset="0"/>
+              </a:rPr>
+              <a:t>file.</a:t>
+            </a:r>
+            <a:r>
+              <a:rPr lang="es-ES" sz="2400" b="1" dirty="0" err="1">
+                <a:solidFill>
                   <a:schemeClr val="accent6">
                     <a:lumMod val="75000"/>
                   </a:schemeClr>
@@ -9631,7 +10042,7 @@
                 <a:latin typeface="Arial" pitchFamily="34" charset="0"/>
                 <a:cs typeface="Arial" pitchFamily="34" charset="0"/>
               </a:rPr>
-              <a:t>file.close</a:t>
+              <a:t>close</a:t>
             </a:r>
             <a:r>
               <a:rPr lang="es-ES" sz="2400" b="1" dirty="0">
@@ -9691,7 +10102,7 @@
                 <a:latin typeface="Arial" panose="020B0604020202020204" pitchFamily="34" charset="0"/>
                 <a:cs typeface="Arial" panose="020B0604020202020204" pitchFamily="34" charset="0"/>
               </a:rPr>
-              <a:t>Obtiene una lista con todas las líneas del archivo</a:t>
+              <a:t>Obtiene una lista con todas las líneas o renglones del archivo</a:t>
             </a:r>
             <a:endParaRPr lang="es-MX" dirty="0">
               <a:solidFill>
@@ -10107,7 +10518,7 @@
                   <a:srgbClr val="FF0000"/>
                 </a:solidFill>
               </a:rPr>
-              <a:t>leerCaracteres</a:t>
+              <a:t>leer_caracteres</a:t>
             </a:r>
             <a:r>
               <a:rPr lang="es-ES_tradnl" sz="2200" b="1" dirty="0">
@@ -10436,8 +10847,8 @@
         </p:nvSpPr>
         <p:spPr bwMode="auto">
           <a:xfrm>
-            <a:off x="1187624" y="1102861"/>
-            <a:ext cx="6408712" cy="5431040"/>
+            <a:off x="1259632" y="1268760"/>
+            <a:ext cx="6408712" cy="4527587"/>
           </a:xfrm>
           <a:prstGeom prst="rect">
             <a:avLst/>
@@ -10516,14 +10927,22 @@
             <a:r>
               <a:rPr lang="es-ES" sz="2000" b="1" dirty="0" err="1">
                 <a:solidFill>
-                  <a:schemeClr val="accent6">
-                    <a:lumMod val="75000"/>
-                  </a:schemeClr>
-                </a:solidFill>
-                <a:latin typeface="Arial" pitchFamily="34" charset="0"/>
-                <a:cs typeface="Arial" pitchFamily="34" charset="0"/>
-              </a:rPr>
-              <a:t>leerCaracteres</a:t>
+                  <a:srgbClr val="FF0000"/>
+                </a:solidFill>
+                <a:latin typeface="Arial" pitchFamily="34" charset="0"/>
+                <a:cs typeface="Arial" pitchFamily="34" charset="0"/>
+              </a:rPr>
+              <a:t>leer_caracteres</a:t>
+            </a:r>
+            <a:r>
+              <a:rPr lang="es-ES" sz="2000" b="1" dirty="0">
+                <a:solidFill>
+                  <a:srgbClr val="FF0000"/>
+                </a:solidFill>
+                <a:latin typeface="Arial" pitchFamily="34" charset="0"/>
+                <a:cs typeface="Arial" pitchFamily="34" charset="0"/>
+              </a:rPr>
+              <a:t> </a:t>
             </a:r>
             <a:r>
               <a:rPr lang="es-ES" sz="2000" b="1" dirty="0">
@@ -10894,7 +11313,7 @@
               <a:t>        </a:t>
             </a:r>
             <a:r>
-              <a:rPr lang="es-ES" sz="2000" b="1" dirty="0">
+              <a:rPr lang="es-ES" sz="2000" dirty="0" err="1">
                 <a:solidFill>
                   <a:schemeClr val="tx1">
                     <a:lumMod val="95000"/>
@@ -10904,49 +11323,9 @@
                 <a:latin typeface="Arial" pitchFamily="34" charset="0"/>
                 <a:cs typeface="Arial" pitchFamily="34" charset="0"/>
               </a:rPr>
-              <a:t>Escribir(letra) </a:t>
-            </a:r>
-            <a:r>
-              <a:rPr lang="es-ES" sz="2000" dirty="0">
-                <a:solidFill>
-                  <a:schemeClr val="tx1">
-                    <a:lumMod val="95000"/>
-                    <a:lumOff val="5000"/>
-                  </a:schemeClr>
-                </a:solidFill>
-                <a:latin typeface="Arial" pitchFamily="34" charset="0"/>
-                <a:cs typeface="Arial" pitchFamily="34" charset="0"/>
-              </a:rPr>
-              <a:t>en pantalla</a:t>
-            </a:r>
-          </a:p>
-          <a:p>
-            <a:pPr>
-              <a:lnSpc>
-                <a:spcPts val="3500"/>
-              </a:lnSpc>
-            </a:pPr>
-            <a:r>
-              <a:rPr lang="es-ES" sz="2000" dirty="0">
-                <a:solidFill>
-                  <a:schemeClr val="tx1">
-                    <a:lumMod val="95000"/>
-                    <a:lumOff val="5000"/>
-                  </a:schemeClr>
-                </a:solidFill>
-                <a:latin typeface="Arial" pitchFamily="34" charset="0"/>
-                <a:cs typeface="Arial" pitchFamily="34" charset="0"/>
-              </a:rPr>
-              <a:t>    Cerrar el archivo</a:t>
-            </a:r>
-          </a:p>
-          <a:p>
-            <a:pPr>
-              <a:lnSpc>
-                <a:spcPts val="3500"/>
-              </a:lnSpc>
-            </a:pPr>
-            <a:endParaRPr lang="es-ES" sz="2000" b="1" dirty="0">
+              <a:t>SiNo</a:t>
+            </a:r>
+            <a:endParaRPr lang="es-ES" sz="2000" dirty="0">
               <a:solidFill>
                 <a:schemeClr val="tx1">
                   <a:lumMod val="95000"/>
@@ -10974,7 +11353,33 @@
                 <a:latin typeface="Arial" pitchFamily="34" charset="0"/>
                 <a:cs typeface="Arial" pitchFamily="34" charset="0"/>
               </a:rPr>
-              <a:t>Pedir el nombre del archivo</a:t>
+              <a:t>        	</a:t>
+            </a:r>
+            <a:r>
+              <a:rPr lang="es-ES" sz="2000" b="1" dirty="0">
+                <a:solidFill>
+                  <a:schemeClr val="tx1">
+                    <a:lumMod val="95000"/>
+                    <a:lumOff val="5000"/>
+                  </a:schemeClr>
+                </a:solidFill>
+                <a:latin typeface="Arial" pitchFamily="34" charset="0"/>
+                <a:cs typeface="Arial" pitchFamily="34" charset="0"/>
+              </a:rPr>
+              <a:t>Escribir(letra) </a:t>
+            </a:r>
+            <a:r>
+              <a:rPr lang="es-ES" sz="2000" dirty="0">
+                <a:solidFill>
+                  <a:schemeClr val="tx1">
+                    <a:lumMod val="95000"/>
+                    <a:lumOff val="5000"/>
+                  </a:schemeClr>
+                </a:solidFill>
+                <a:latin typeface="Arial" pitchFamily="34" charset="0"/>
+                <a:cs typeface="Arial" pitchFamily="34" charset="0"/>
+              </a:rPr>
+              <a:t>en pantalla</a:t>
             </a:r>
           </a:p>
           <a:p>
@@ -10984,19 +11389,7 @@
               </a:lnSpc>
             </a:pPr>
             <a:r>
-              <a:rPr lang="es-ES" sz="2000" b="1" dirty="0" err="1">
-                <a:solidFill>
-                  <a:schemeClr val="accent6">
-                    <a:lumMod val="75000"/>
-                  </a:schemeClr>
-                </a:solidFill>
-                <a:latin typeface="Arial" pitchFamily="34" charset="0"/>
-                <a:cs typeface="Arial" pitchFamily="34" charset="0"/>
-              </a:rPr>
-              <a:t>leerCaracteres</a:t>
-            </a:r>
-            <a:r>
-              <a:rPr lang="es-ES" sz="2000" b="1" dirty="0">
+              <a:rPr lang="es-ES" sz="2000" dirty="0">
                 <a:solidFill>
                   <a:schemeClr val="tx1">
                     <a:lumMod val="95000"/>
@@ -11006,7 +11399,7 @@
                 <a:latin typeface="Arial" pitchFamily="34" charset="0"/>
                 <a:cs typeface="Arial" pitchFamily="34" charset="0"/>
               </a:rPr>
-              <a:t>(nombre)</a:t>
+              <a:t>    Cerrar el archivo</a:t>
             </a:r>
           </a:p>
         </p:txBody>
@@ -11021,7 +11414,7 @@
         </p:nvSpPr>
         <p:spPr bwMode="auto">
           <a:xfrm>
-            <a:off x="395535" y="-40139"/>
+            <a:off x="431800" y="0"/>
             <a:ext cx="8280400" cy="1143000"/>
           </a:xfrm>
           <a:prstGeom prst="rect">
@@ -11343,8 +11736,8 @@
         </p:nvSpPr>
         <p:spPr bwMode="auto">
           <a:xfrm>
-            <a:off x="899592" y="1193428"/>
-            <a:ext cx="7957392" cy="5425269"/>
+            <a:off x="287784" y="1196752"/>
+            <a:ext cx="8640960" cy="5017400"/>
           </a:xfrm>
           <a:prstGeom prst="rect">
             <a:avLst/>
@@ -11389,11 +11782,6 @@
           </a:bodyPr>
           <a:lstStyle/>
           <a:p>
-            <a:pPr>
-              <a:lnSpc>
-                <a:spcPts val="3500"/>
-              </a:lnSpc>
-            </a:pPr>
             <a:r>
               <a:rPr lang="es-ES" sz="2000" b="1" dirty="0" err="1">
                 <a:solidFill>
@@ -11421,12 +11809,12 @@
             <a:r>
               <a:rPr lang="es-ES" sz="2000" b="1" dirty="0" err="1">
                 <a:solidFill>
-                  <a:srgbClr val="0070C0"/>
-                </a:solidFill>
-                <a:latin typeface="Arial" pitchFamily="34" charset="0"/>
-                <a:cs typeface="Arial" pitchFamily="34" charset="0"/>
-              </a:rPr>
-              <a:t>leerCaracteres</a:t>
+                  <a:srgbClr val="FF0000"/>
+                </a:solidFill>
+                <a:latin typeface="Arial" pitchFamily="34" charset="0"/>
+                <a:cs typeface="Arial" pitchFamily="34" charset="0"/>
+              </a:rPr>
+              <a:t>leer_caracteres</a:t>
             </a:r>
             <a:r>
               <a:rPr lang="es-ES" sz="2000" b="1" dirty="0">
@@ -11442,11 +11830,6 @@
             </a:r>
           </a:p>
           <a:p>
-            <a:pPr>
-              <a:lnSpc>
-                <a:spcPts val="3500"/>
-              </a:lnSpc>
-            </a:pPr>
             <a:r>
               <a:rPr lang="es-ES" sz="2000" b="1" dirty="0">
                 <a:solidFill>
@@ -11457,7 +11840,31 @@
                 <a:latin typeface="Arial" pitchFamily="34" charset="0"/>
                 <a:cs typeface="Arial" pitchFamily="34" charset="0"/>
               </a:rPr>
-              <a:t>    </a:t>
+              <a:t>	</a:t>
+            </a:r>
+            <a:r>
+              <a:rPr lang="es-ES" sz="2000" b="1" dirty="0">
+                <a:solidFill>
+                  <a:schemeClr val="accent3">
+                    <a:lumMod val="75000"/>
+                  </a:schemeClr>
+                </a:solidFill>
+                <a:latin typeface="Arial" pitchFamily="34" charset="0"/>
+                <a:cs typeface="Arial" pitchFamily="34" charset="0"/>
+              </a:rPr>
+              <a:t>file </a:t>
+            </a:r>
+            <a:r>
+              <a:rPr lang="es-ES" sz="2000" b="1" dirty="0">
+                <a:solidFill>
+                  <a:schemeClr val="bg2">
+                    <a:lumMod val="25000"/>
+                  </a:schemeClr>
+                </a:solidFill>
+                <a:latin typeface="Arial" pitchFamily="34" charset="0"/>
+                <a:cs typeface="Arial" pitchFamily="34" charset="0"/>
+              </a:rPr>
+              <a:t>= </a:t>
             </a:r>
             <a:r>
               <a:rPr lang="es-ES" sz="2000" b="1" dirty="0">
@@ -11469,7 +11876,7 @@
                 <a:latin typeface="Arial" pitchFamily="34" charset="0"/>
                 <a:cs typeface="Arial" pitchFamily="34" charset="0"/>
               </a:rPr>
-              <a:t>file </a:t>
+              <a:t>open</a:t>
             </a:r>
             <a:r>
               <a:rPr lang="es-ES" sz="2000" b="1" dirty="0">
@@ -11481,15 +11888,10 @@
                 <a:latin typeface="Arial" pitchFamily="34" charset="0"/>
                 <a:cs typeface="Arial" pitchFamily="34" charset="0"/>
               </a:rPr>
-              <a:t>= open(nombre, "r")</a:t>
-            </a:r>
-          </a:p>
-          <a:p>
-            <a:pPr>
-              <a:lnSpc>
-                <a:spcPts val="3500"/>
-              </a:lnSpc>
-            </a:pPr>
+              <a:t>(nombre, "r")</a:t>
+            </a:r>
+          </a:p>
+          <a:p>
             <a:r>
               <a:rPr lang="es-ES" sz="2000" b="1" dirty="0">
                 <a:solidFill>
@@ -11500,15 +11902,10 @@
                 <a:latin typeface="Arial" pitchFamily="34" charset="0"/>
                 <a:cs typeface="Arial" pitchFamily="34" charset="0"/>
               </a:rPr>
-              <a:t>    continua = True</a:t>
-            </a:r>
-          </a:p>
-          <a:p>
-            <a:pPr>
-              <a:lnSpc>
-                <a:spcPts val="3500"/>
-              </a:lnSpc>
-            </a:pPr>
+              <a:t>      	continua = True</a:t>
+            </a:r>
+          </a:p>
+          <a:p>
             <a:r>
               <a:rPr lang="es-ES" sz="2000" b="1" dirty="0">
                 <a:solidFill>
@@ -11519,7 +11916,7 @@
                 <a:latin typeface="Arial" pitchFamily="34" charset="0"/>
                 <a:cs typeface="Arial" pitchFamily="34" charset="0"/>
               </a:rPr>
-              <a:t>    </a:t>
+              <a:t>      	</a:t>
             </a:r>
             <a:r>
               <a:rPr lang="es-ES" sz="2000" b="1" dirty="0" err="1">
@@ -11547,11 +11944,6 @@
             </a:r>
           </a:p>
           <a:p>
-            <a:pPr>
-              <a:lnSpc>
-                <a:spcPts val="3500"/>
-              </a:lnSpc>
-            </a:pPr>
             <a:r>
               <a:rPr lang="es-ES" sz="2000" b="1" dirty="0">
                 <a:solidFill>
@@ -11560,7 +11952,27 @@
                 <a:latin typeface="Arial" pitchFamily="34" charset="0"/>
                 <a:cs typeface="Arial" pitchFamily="34" charset="0"/>
               </a:rPr>
-              <a:t>        letra </a:t>
+              <a:t>       </a:t>
+            </a:r>
+            <a:r>
+              <a:rPr lang="es-ES" sz="2000" b="1" dirty="0">
+                <a:solidFill>
+                  <a:srgbClr val="FF0000"/>
+                </a:solidFill>
+                <a:latin typeface="Arial" pitchFamily="34" charset="0"/>
+                <a:cs typeface="Arial" pitchFamily="34" charset="0"/>
+              </a:rPr>
+              <a:t>      		</a:t>
+            </a:r>
+            <a:r>
+              <a:rPr lang="es-ES" sz="2000" b="1" dirty="0">
+                <a:solidFill>
+                  <a:srgbClr val="0070C0"/>
+                </a:solidFill>
+                <a:latin typeface="Arial" pitchFamily="34" charset="0"/>
+                <a:cs typeface="Arial" pitchFamily="34" charset="0"/>
+              </a:rPr>
+              <a:t>letra </a:t>
             </a:r>
             <a:r>
               <a:rPr lang="es-ES" sz="2000" b="1" dirty="0">
@@ -11577,6 +11989,18 @@
             <a:r>
               <a:rPr lang="es-ES" sz="2000" b="1" dirty="0" err="1">
                 <a:solidFill>
+                  <a:schemeClr val="accent3">
+                    <a:lumMod val="75000"/>
+                  </a:schemeClr>
+                </a:solidFill>
+                <a:latin typeface="Arial" pitchFamily="34" charset="0"/>
+                <a:cs typeface="Arial" pitchFamily="34" charset="0"/>
+              </a:rPr>
+              <a:t>file.</a:t>
+            </a:r>
+            <a:r>
+              <a:rPr lang="es-ES" sz="2000" b="1" dirty="0" err="1">
+                <a:solidFill>
                   <a:schemeClr val="accent6">
                     <a:lumMod val="75000"/>
                   </a:schemeClr>
@@ -11584,7 +12008,7 @@
                 <a:latin typeface="Arial" pitchFamily="34" charset="0"/>
                 <a:cs typeface="Arial" pitchFamily="34" charset="0"/>
               </a:rPr>
-              <a:t>file.read</a:t>
+              <a:t>read</a:t>
             </a:r>
             <a:r>
               <a:rPr lang="es-ES" sz="2000" b="1" dirty="0">
@@ -11661,11 +12085,6 @@
             </a:endParaRPr>
           </a:p>
           <a:p>
-            <a:pPr>
-              <a:lnSpc>
-                <a:spcPts val="3500"/>
-              </a:lnSpc>
-            </a:pPr>
             <a:r>
               <a:rPr lang="es-ES" sz="2000" b="1" dirty="0">
                 <a:solidFill>
@@ -11676,7 +12095,7 @@
                 <a:latin typeface="Arial" pitchFamily="34" charset="0"/>
                 <a:cs typeface="Arial" pitchFamily="34" charset="0"/>
               </a:rPr>
-              <a:t>        </a:t>
+              <a:t>             		</a:t>
             </a:r>
             <a:r>
               <a:rPr lang="es-ES" sz="2000" b="1" dirty="0" err="1">
@@ -11729,7 +12148,7 @@
             <a:r>
               <a:rPr lang="es-ES" sz="2000" b="1" dirty="0">
                 <a:solidFill>
-                  <a:srgbClr val="00B050"/>
+                  <a:srgbClr val="0070C0"/>
                 </a:solidFill>
                 <a:latin typeface="Arial" pitchFamily="34" charset="0"/>
                 <a:cs typeface="Arial" pitchFamily="34" charset="0"/>
@@ -11785,7 +12204,7 @@
                 <a:latin typeface="Arial" pitchFamily="34" charset="0"/>
                 <a:cs typeface="Arial" pitchFamily="34" charset="0"/>
               </a:rPr>
-              <a:t>, es fin de </a:t>
+              <a:t> (Si es fin de </a:t>
             </a:r>
             <a:r>
               <a:rPr lang="en-US" sz="2000" b="1" dirty="0" err="1">
@@ -11799,6 +12218,19 @@
                 <a:cs typeface="Arial" pitchFamily="34" charset="0"/>
               </a:rPr>
               <a:t>archivo</a:t>
+            </a:r>
+            <a:r>
+              <a:rPr lang="en-US" sz="2000" b="1" dirty="0">
+                <a:solidFill>
+                  <a:schemeClr val="tx1">
+                    <a:lumMod val="50000"/>
+                    <a:lumOff val="50000"/>
+                  </a:schemeClr>
+                </a:solidFill>
+                <a:latin typeface="Arial" pitchFamily="34" charset="0"/>
+                <a:cs typeface="Arial" pitchFamily="34" charset="0"/>
+              </a:rPr>
+              <a:t>)</a:t>
             </a:r>
             <a:endParaRPr lang="es-ES" sz="2000" b="1" dirty="0">
               <a:solidFill>
@@ -11811,11 +12243,6 @@
             </a:endParaRPr>
           </a:p>
           <a:p>
-            <a:pPr>
-              <a:lnSpc>
-                <a:spcPts val="3500"/>
-              </a:lnSpc>
-            </a:pPr>
             <a:r>
               <a:rPr lang="es-ES" sz="2000" b="1" dirty="0">
                 <a:solidFill>
@@ -11826,7 +12253,7 @@
                 <a:latin typeface="Arial" pitchFamily="34" charset="0"/>
                 <a:cs typeface="Arial" pitchFamily="34" charset="0"/>
               </a:rPr>
-              <a:t>             continua = False    </a:t>
+              <a:t>                  		continua = False    </a:t>
             </a:r>
             <a:r>
               <a:rPr lang="es-ES" sz="2000" b="1" dirty="0">
@@ -11839,15 +12266,10 @@
                 <a:latin typeface="Arial" pitchFamily="34" charset="0"/>
                 <a:cs typeface="Arial" pitchFamily="34" charset="0"/>
               </a:rPr>
-              <a:t># o break - Salir del ciclo</a:t>
-            </a:r>
-          </a:p>
-          <a:p>
-            <a:pPr>
-              <a:lnSpc>
-                <a:spcPts val="3500"/>
-              </a:lnSpc>
-            </a:pPr>
+              <a:t># Salir del ciclo</a:t>
+            </a:r>
+          </a:p>
+          <a:p>
             <a:r>
               <a:rPr lang="es-ES" sz="2000" b="1" dirty="0">
                 <a:solidFill>
@@ -11858,7 +12280,7 @@
                 <a:latin typeface="Arial" pitchFamily="34" charset="0"/>
                 <a:cs typeface="Arial" pitchFamily="34" charset="0"/>
               </a:rPr>
-              <a:t>        </a:t>
+              <a:t>             		</a:t>
             </a:r>
             <a:r>
               <a:rPr lang="es-ES" sz="2000" b="1" dirty="0" err="1">
@@ -11870,7 +12292,7 @@
                 <a:latin typeface="Arial" pitchFamily="34" charset="0"/>
                 <a:cs typeface="Arial" pitchFamily="34" charset="0"/>
               </a:rPr>
-              <a:t>print</a:t>
+              <a:t>else</a:t>
             </a:r>
             <a:r>
               <a:rPr lang="es-ES" sz="2000" b="1" dirty="0">
@@ -11882,18 +12304,10 @@
                 <a:latin typeface="Arial" pitchFamily="34" charset="0"/>
                 <a:cs typeface="Arial" pitchFamily="34" charset="0"/>
               </a:rPr>
-              <a:t>(</a:t>
-            </a:r>
-            <a:r>
-              <a:rPr lang="es-ES" sz="2000" b="1" dirty="0">
-                <a:solidFill>
-                  <a:srgbClr val="00B050"/>
-                </a:solidFill>
-                <a:latin typeface="Arial" pitchFamily="34" charset="0"/>
-                <a:cs typeface="Arial" pitchFamily="34" charset="0"/>
-              </a:rPr>
-              <a:t>letra</a:t>
-            </a:r>
+              <a:t>:</a:t>
+            </a:r>
+          </a:p>
+          <a:p>
             <a:r>
               <a:rPr lang="es-ES" sz="2000" b="1" dirty="0">
                 <a:solidFill>
@@ -11904,7 +12318,7 @@
                 <a:latin typeface="Arial" pitchFamily="34" charset="0"/>
                 <a:cs typeface="Arial" pitchFamily="34" charset="0"/>
               </a:rPr>
-              <a:t>, </a:t>
+              <a:t>	     		</a:t>
             </a:r>
             <a:r>
               <a:rPr lang="es-ES" sz="2000" b="1" dirty="0" err="1">
@@ -11916,7 +12330,7 @@
                 <a:latin typeface="Arial" pitchFamily="34" charset="0"/>
                 <a:cs typeface="Arial" pitchFamily="34" charset="0"/>
               </a:rPr>
-              <a:t>end</a:t>
+              <a:t>print</a:t>
             </a:r>
             <a:r>
               <a:rPr lang="es-ES" sz="2000" b="1" dirty="0">
@@ -11928,7 +12342,53 @@
                 <a:latin typeface="Arial" pitchFamily="34" charset="0"/>
                 <a:cs typeface="Arial" pitchFamily="34" charset="0"/>
               </a:rPr>
-              <a:t>=‘’)     </a:t>
+              <a:t>(</a:t>
+            </a:r>
+            <a:r>
+              <a:rPr lang="es-ES" sz="2000" b="1" dirty="0">
+                <a:solidFill>
+                  <a:srgbClr val="0070C0"/>
+                </a:solidFill>
+                <a:latin typeface="Arial" pitchFamily="34" charset="0"/>
+                <a:cs typeface="Arial" pitchFamily="34" charset="0"/>
+              </a:rPr>
+              <a:t>letra</a:t>
+            </a:r>
+            <a:r>
+              <a:rPr lang="es-ES" sz="2000" b="1" dirty="0">
+                <a:solidFill>
+                  <a:schemeClr val="bg2">
+                    <a:lumMod val="25000"/>
+                  </a:schemeClr>
+                </a:solidFill>
+                <a:latin typeface="Arial" pitchFamily="34" charset="0"/>
+                <a:cs typeface="Arial" pitchFamily="34" charset="0"/>
+              </a:rPr>
+              <a:t>, </a:t>
+            </a:r>
+            <a:r>
+              <a:rPr lang="es-ES" sz="2000" b="1" dirty="0" err="1">
+                <a:solidFill>
+                  <a:schemeClr val="bg2">
+                    <a:lumMod val="25000"/>
+                  </a:schemeClr>
+                </a:solidFill>
+                <a:latin typeface="Arial" pitchFamily="34" charset="0"/>
+                <a:cs typeface="Arial" pitchFamily="34" charset="0"/>
+              </a:rPr>
+              <a:t>end</a:t>
+            </a:r>
+            <a:r>
+              <a:rPr lang="es-ES" sz="2000" b="1" dirty="0">
+                <a:solidFill>
+                  <a:schemeClr val="bg2">
+                    <a:lumMod val="25000"/>
+                  </a:schemeClr>
+                </a:solidFill>
+                <a:latin typeface="Arial" pitchFamily="34" charset="0"/>
+                <a:cs typeface="Arial" pitchFamily="34" charset="0"/>
+              </a:rPr>
+              <a:t>='') </a:t>
             </a:r>
             <a:r>
               <a:rPr lang="es-ES" sz="2000" b="1" dirty="0">
@@ -11954,11 +12414,6 @@
             </a:endParaRPr>
           </a:p>
           <a:p>
-            <a:pPr>
-              <a:lnSpc>
-                <a:spcPts val="3500"/>
-              </a:lnSpc>
-            </a:pPr>
             <a:r>
               <a:rPr lang="es-ES" sz="2000" b="1" dirty="0">
                 <a:solidFill>
@@ -11969,7 +12424,19 @@
                 <a:latin typeface="Arial" pitchFamily="34" charset="0"/>
                 <a:cs typeface="Arial" pitchFamily="34" charset="0"/>
               </a:rPr>
-              <a:t>    </a:t>
+              <a:t>      	</a:t>
+            </a:r>
+            <a:r>
+              <a:rPr lang="es-ES" sz="2000" b="1" dirty="0" err="1">
+                <a:solidFill>
+                  <a:schemeClr val="accent3">
+                    <a:lumMod val="75000"/>
+                  </a:schemeClr>
+                </a:solidFill>
+                <a:latin typeface="Arial" pitchFamily="34" charset="0"/>
+                <a:cs typeface="Arial" pitchFamily="34" charset="0"/>
+              </a:rPr>
+              <a:t>file.</a:t>
             </a:r>
             <a:r>
               <a:rPr lang="es-ES" sz="2000" b="1" dirty="0" err="1">
@@ -11981,7 +12448,7 @@
                 <a:latin typeface="Arial" pitchFamily="34" charset="0"/>
                 <a:cs typeface="Arial" pitchFamily="34" charset="0"/>
               </a:rPr>
-              <a:t>file.close</a:t>
+              <a:t>close</a:t>
             </a:r>
             <a:r>
               <a:rPr lang="es-ES" sz="2000" b="1" dirty="0">
@@ -11997,11 +12464,6 @@
             </a:r>
           </a:p>
           <a:p>
-            <a:pPr>
-              <a:lnSpc>
-                <a:spcPts val="3500"/>
-              </a:lnSpc>
-            </a:pPr>
             <a:endParaRPr lang="es-ES" sz="2000" b="1" dirty="0">
               <a:solidFill>
                 <a:schemeClr val="bg2">
@@ -12013,13 +12475,8 @@
             </a:endParaRPr>
           </a:p>
           <a:p>
-            <a:pPr>
-              <a:lnSpc>
-                <a:spcPts val="3500"/>
-              </a:lnSpc>
-            </a:pPr>
-            <a:r>
-              <a:rPr lang="es-ES" sz="2000" b="1" dirty="0">
+            <a:r>
+              <a:rPr lang="es-ES" sz="2000" b="1" dirty="0" err="1">
                 <a:solidFill>
                   <a:schemeClr val="bg2">
                     <a:lumMod val="25000"/>
@@ -12028,10 +12485,10 @@
                 <a:latin typeface="Arial" pitchFamily="34" charset="0"/>
                 <a:cs typeface="Arial" pitchFamily="34" charset="0"/>
               </a:rPr>
-              <a:t>nombre = </a:t>
-            </a:r>
-            <a:r>
-              <a:rPr lang="es-ES" sz="2000" b="1" dirty="0" err="1">
+              <a:t>def</a:t>
+            </a:r>
+            <a:r>
+              <a:rPr lang="es-ES" sz="2000" b="1" dirty="0">
                 <a:solidFill>
                   <a:schemeClr val="bg2">
                     <a:lumMod val="25000"/>
@@ -12040,7 +12497,17 @@
                 <a:latin typeface="Arial" pitchFamily="34" charset="0"/>
                 <a:cs typeface="Arial" pitchFamily="34" charset="0"/>
               </a:rPr>
-              <a:t>str</a:t>
+              <a:t> </a:t>
+            </a:r>
+            <a:r>
+              <a:rPr lang="es-ES" sz="2000" b="1" dirty="0" err="1">
+                <a:solidFill>
+                  <a:srgbClr val="FF0000"/>
+                </a:solidFill>
+                <a:latin typeface="Arial" pitchFamily="34" charset="0"/>
+                <a:cs typeface="Arial" pitchFamily="34" charset="0"/>
+              </a:rPr>
+              <a:t>main</a:t>
             </a:r>
             <a:r>
               <a:rPr lang="es-ES" sz="2000" b="1" dirty="0">
@@ -12052,25 +12519,10 @@
                 <a:latin typeface="Arial" pitchFamily="34" charset="0"/>
                 <a:cs typeface="Arial" pitchFamily="34" charset="0"/>
               </a:rPr>
-              <a:t>(input("Introduce el nombre del archivo: "))</a:t>
-            </a:r>
-          </a:p>
-          <a:p>
-            <a:pPr>
-              <a:lnSpc>
-                <a:spcPts val="3500"/>
-              </a:lnSpc>
-            </a:pPr>
-            <a:r>
-              <a:rPr lang="es-ES" sz="2000" b="1" dirty="0" err="1">
-                <a:solidFill>
-                  <a:srgbClr val="0070C0"/>
-                </a:solidFill>
-                <a:latin typeface="Arial" pitchFamily="34" charset="0"/>
-                <a:cs typeface="Arial" pitchFamily="34" charset="0"/>
-              </a:rPr>
-              <a:t>leerCaracteres</a:t>
-            </a:r>
+              <a:t>():</a:t>
+            </a:r>
+          </a:p>
+          <a:p>
             <a:r>
               <a:rPr lang="es-ES" sz="2000" b="1" dirty="0">
                 <a:solidFill>
@@ -12081,7 +12533,102 @@
                 <a:latin typeface="Arial" pitchFamily="34" charset="0"/>
                 <a:cs typeface="Arial" pitchFamily="34" charset="0"/>
               </a:rPr>
+              <a:t>       	nombre = </a:t>
+            </a:r>
+            <a:r>
+              <a:rPr lang="es-ES" sz="2000" b="1" dirty="0" err="1">
+                <a:solidFill>
+                  <a:schemeClr val="bg2">
+                    <a:lumMod val="25000"/>
+                  </a:schemeClr>
+                </a:solidFill>
+                <a:latin typeface="Arial" pitchFamily="34" charset="0"/>
+                <a:cs typeface="Arial" pitchFamily="34" charset="0"/>
+              </a:rPr>
+              <a:t>str</a:t>
+            </a:r>
+            <a:r>
+              <a:rPr lang="es-ES" sz="2000" b="1" dirty="0">
+                <a:solidFill>
+                  <a:schemeClr val="bg2">
+                    <a:lumMod val="25000"/>
+                  </a:schemeClr>
+                </a:solidFill>
+                <a:latin typeface="Arial" pitchFamily="34" charset="0"/>
+                <a:cs typeface="Arial" pitchFamily="34" charset="0"/>
+              </a:rPr>
+              <a:t>(input("Introduce el nombre del archivo: "))</a:t>
+            </a:r>
+          </a:p>
+          <a:p>
+            <a:r>
+              <a:rPr lang="es-ES" sz="2000" b="1" dirty="0">
+                <a:solidFill>
+                  <a:srgbClr val="0070C0"/>
+                </a:solidFill>
+                <a:latin typeface="Arial" pitchFamily="34" charset="0"/>
+                <a:cs typeface="Arial" pitchFamily="34" charset="0"/>
+              </a:rPr>
+              <a:t>       	</a:t>
+            </a:r>
+            <a:r>
+              <a:rPr lang="es-ES" sz="2000" b="1" dirty="0" err="1">
+                <a:solidFill>
+                  <a:srgbClr val="FF0000"/>
+                </a:solidFill>
+                <a:latin typeface="Arial" pitchFamily="34" charset="0"/>
+                <a:cs typeface="Arial" pitchFamily="34" charset="0"/>
+              </a:rPr>
+              <a:t>leer_caracteres</a:t>
+            </a:r>
+            <a:r>
+              <a:rPr lang="es-ES" sz="2000" b="1" dirty="0">
+                <a:solidFill>
+                  <a:schemeClr val="bg2">
+                    <a:lumMod val="25000"/>
+                  </a:schemeClr>
+                </a:solidFill>
+                <a:latin typeface="Arial" pitchFamily="34" charset="0"/>
+                <a:cs typeface="Arial" pitchFamily="34" charset="0"/>
+              </a:rPr>
               <a:t>(nombre)</a:t>
+            </a:r>
+          </a:p>
+          <a:p>
+            <a:endParaRPr lang="es-ES" sz="2000" b="1" dirty="0">
+              <a:solidFill>
+                <a:schemeClr val="bg2">
+                  <a:lumMod val="25000"/>
+                </a:schemeClr>
+              </a:solidFill>
+              <a:latin typeface="Arial" pitchFamily="34" charset="0"/>
+              <a:cs typeface="Arial" pitchFamily="34" charset="0"/>
+            </a:endParaRPr>
+          </a:p>
+          <a:p>
+            <a:r>
+              <a:rPr lang="es-ES" sz="2000" b="1" dirty="0" err="1">
+                <a:solidFill>
+                  <a:schemeClr val="bg2">
+                    <a:lumMod val="25000"/>
+                  </a:schemeClr>
+                </a:solidFill>
+                <a:latin typeface="Arial" pitchFamily="34" charset="0"/>
+                <a:cs typeface="Arial" pitchFamily="34" charset="0"/>
+              </a:rPr>
+              <a:t>main</a:t>
+            </a:r>
+            <a:r>
+              <a:rPr lang="es-ES" sz="2000" b="1" dirty="0">
+                <a:solidFill>
+                  <a:schemeClr val="bg2">
+                    <a:lumMod val="25000"/>
+                  </a:schemeClr>
+                </a:solidFill>
+                <a:latin typeface="Arial" pitchFamily="34" charset="0"/>
+                <a:cs typeface="Arial" pitchFamily="34" charset="0"/>
+              </a:rPr>
+              <a:t>()</a:t>
             </a:r>
           </a:p>
         </p:txBody>
@@ -12097,7 +12644,7 @@
         <p:spPr bwMode="auto">
           <a:xfrm>
             <a:off x="468064" y="50428"/>
-            <a:ext cx="8280400" cy="1143000"/>
+            <a:ext cx="8280400" cy="930300"/>
           </a:xfrm>
           <a:prstGeom prst="rect">
             <a:avLst/>
@@ -12246,8 +12793,8 @@
         </p:blipFill>
         <p:spPr>
           <a:xfrm>
-            <a:off x="6894129" y="1193428"/>
-            <a:ext cx="1781807" cy="1653619"/>
+            <a:off x="7596336" y="5517232"/>
+            <a:ext cx="1062247" cy="985826"/>
           </a:xfrm>
           <a:prstGeom prst="rect">
             <a:avLst/>
@@ -12418,8 +12965,8 @@
         </p:nvSpPr>
         <p:spPr bwMode="auto">
           <a:xfrm>
-            <a:off x="1115616" y="1515526"/>
-            <a:ext cx="7086600" cy="1881990"/>
+            <a:off x="1136712" y="1340768"/>
+            <a:ext cx="7086600" cy="2239844"/>
           </a:xfrm>
           <a:prstGeom prst="rect">
             <a:avLst/>
@@ -12567,7 +13114,7 @@
               </a:lnSpc>
             </a:pPr>
             <a:r>
-              <a:rPr lang="es-ES_tradnl" sz="2000" dirty="0">
+              <a:rPr lang="es-ES_tradnl" sz="2400" dirty="0">
                 <a:solidFill>
                   <a:schemeClr val="bg2">
                     <a:lumMod val="25000"/>
@@ -12577,72 +13124,48 @@
               <a:t>Escribir el algoritmo y la función </a:t>
             </a:r>
             <a:r>
-              <a:rPr lang="es-ES_tradnl" sz="2000" b="1" dirty="0" err="1">
+              <a:rPr lang="es-ES_tradnl" sz="2400" b="1" dirty="0">
                 <a:solidFill>
                   <a:srgbClr val="FF0000"/>
                 </a:solidFill>
               </a:rPr>
-              <a:t>escribirCadena</a:t>
-            </a:r>
-            <a:r>
-              <a:rPr lang="es-ES_tradnl" sz="2000" b="1" dirty="0">
+              <a:t>escribe_5_frases</a:t>
+            </a:r>
+            <a:r>
+              <a:rPr lang="es-ES_tradnl" sz="2400" dirty="0">
                 <a:solidFill>
                   <a:srgbClr val="FF0000"/>
                 </a:solidFill>
               </a:rPr>
-              <a:t>(nombre, cadena)</a:t>
-            </a:r>
-            <a:r>
-              <a:rPr lang="es-ES_tradnl" sz="2000" dirty="0">
+              <a:t> </a:t>
+            </a:r>
+            <a:r>
+              <a:rPr lang="es-ES_tradnl" sz="2400" dirty="0">
                 <a:solidFill>
                   <a:schemeClr val="bg2">
                     <a:lumMod val="25000"/>
                   </a:schemeClr>
                 </a:solidFill>
               </a:rPr>
-              <a:t> que recibe el nombre del archivo de texto y una cadena de caracteres. La función deberá escribir la cadena en un archivo de texto </a:t>
-            </a:r>
-            <a:r>
-              <a:rPr lang="es-ES_tradnl" sz="2000" dirty="0" err="1">
+              <a:t>que recibe el nombre del archivo de texto y </a:t>
+            </a:r>
+            <a:r>
+              <a:rPr lang="es-MX" sz="2400" dirty="0">
                 <a:solidFill>
                   <a:schemeClr val="bg2">
                     <a:lumMod val="25000"/>
                   </a:schemeClr>
                 </a:solidFill>
               </a:rPr>
-              <a:t>caracter</a:t>
-            </a:r>
-            <a:r>
-              <a:rPr lang="es-ES_tradnl" sz="2000" dirty="0">
-                <a:solidFill>
-                  <a:schemeClr val="bg2">
-                    <a:lumMod val="25000"/>
-                  </a:schemeClr>
-                </a:solidFill>
-              </a:rPr>
-              <a:t> por </a:t>
-            </a:r>
-            <a:r>
-              <a:rPr lang="es-ES_tradnl" sz="2000" dirty="0" err="1">
-                <a:solidFill>
-                  <a:schemeClr val="bg2">
-                    <a:lumMod val="25000"/>
-                  </a:schemeClr>
-                </a:solidFill>
-              </a:rPr>
-              <a:t>caracter</a:t>
-            </a:r>
-            <a:r>
-              <a:rPr lang="es-ES_tradnl" sz="2000" dirty="0">
-                <a:solidFill>
-                  <a:schemeClr val="bg2">
-                    <a:lumMod val="25000"/>
-                  </a:schemeClr>
-                </a:solidFill>
-              </a:rPr>
-              <a:t>.</a:t>
-            </a:r>
-            <a:endParaRPr lang="es-ES_tradnl" sz="2000" dirty="0"/>
+              <a:t>escribe cinco frases dadas por el usuario dentro de un archivo de texto.</a:t>
+            </a:r>
+            <a:endParaRPr lang="es-ES_tradnl" sz="2800" dirty="0">
+              <a:solidFill>
+                <a:schemeClr val="bg2">
+                  <a:lumMod val="25000"/>
+                </a:schemeClr>
+              </a:solidFill>
+            </a:endParaRPr>
           </a:p>
         </p:txBody>
       </p:sp>
@@ -12656,7 +13179,7 @@
         </p:nvSpPr>
         <p:spPr bwMode="auto">
           <a:xfrm>
-            <a:off x="686427" y="85148"/>
+            <a:off x="685800" y="35886"/>
             <a:ext cx="7772400" cy="1544638"/>
           </a:xfrm>
           <a:prstGeom prst="rect">
@@ -12725,7 +13248,7 @@
           <p:cNvPr id="7" name="Picture 2">
             <a:extLst>
               <a:ext uri="{FF2B5EF4-FFF2-40B4-BE49-F238E27FC236}">
-                <a16:creationId xmlns:a16="http://schemas.microsoft.com/office/drawing/2014/main" id="{BA1A9217-25CC-4163-A59C-4F09C78EA34C}"/>
+                <a16:creationId xmlns:a16="http://schemas.microsoft.com/office/drawing/2014/main" id="{41423BB4-B9BD-4980-B868-87AE2DD43B6E}"/>
               </a:ext>
             </a:extLst>
           </p:cNvPr>
@@ -12749,7 +13272,7 @@
         </p:blipFill>
         <p:spPr bwMode="auto">
           <a:xfrm>
-            <a:off x="2750704" y="3757556"/>
+            <a:off x="2771800" y="3789040"/>
             <a:ext cx="3816424" cy="2695780"/>
           </a:xfrm>
           <a:prstGeom prst="rect">
@@ -12783,7 +13306,7 @@
     </p:spTree>
     <p:extLst>
       <p:ext uri="{BB962C8B-B14F-4D97-AF65-F5344CB8AC3E}">
-        <p14:creationId xmlns:p14="http://schemas.microsoft.com/office/powerpoint/2010/main" val="1719148001"/>
+        <p14:creationId xmlns:p14="http://schemas.microsoft.com/office/powerpoint/2010/main" val="248646803"/>
       </p:ext>
     </p:extLst>
   </p:cSld>
@@ -12944,8 +13467,8 @@
         </p:nvSpPr>
         <p:spPr bwMode="auto">
           <a:xfrm>
-            <a:off x="1331640" y="1853949"/>
-            <a:ext cx="6151131" cy="4084517"/>
+            <a:off x="1331640" y="1700808"/>
+            <a:ext cx="6822367" cy="3181065"/>
           </a:xfrm>
           <a:prstGeom prst="rect">
             <a:avLst/>
@@ -12996,10 +13519,11 @@
               </a:lnSpc>
             </a:pPr>
             <a:r>
-              <a:rPr lang="es-ES" sz="2200" b="1" dirty="0" err="1">
-                <a:solidFill>
-                  <a:schemeClr val="bg2">
-                    <a:lumMod val="25000"/>
+              <a:rPr lang="es-ES" sz="2000" b="1" dirty="0" err="1">
+                <a:solidFill>
+                  <a:schemeClr val="tx1">
+                    <a:lumMod val="95000"/>
+                    <a:lumOff val="5000"/>
                   </a:schemeClr>
                 </a:solidFill>
                 <a:latin typeface="Arial" pitchFamily="34" charset="0"/>
@@ -13008,10 +13532,11 @@
               <a:t>def</a:t>
             </a:r>
             <a:r>
-              <a:rPr lang="es-ES" sz="2200" b="1" dirty="0">
-                <a:solidFill>
-                  <a:schemeClr val="bg2">
-                    <a:lumMod val="25000"/>
+              <a:rPr lang="es-ES" sz="2000" b="1" dirty="0">
+                <a:solidFill>
+                  <a:schemeClr val="tx1">
+                    <a:lumMod val="95000"/>
+                    <a:lumOff val="5000"/>
                   </a:schemeClr>
                 </a:solidFill>
                 <a:latin typeface="Arial" pitchFamily="34" charset="0"/>
@@ -13020,50 +13545,27 @@
               <a:t> </a:t>
             </a:r>
             <a:r>
-              <a:rPr lang="es-ES" sz="2200" b="1" dirty="0" err="1">
-                <a:solidFill>
-                  <a:srgbClr val="0070C0"/>
-                </a:solidFill>
-                <a:latin typeface="Arial" pitchFamily="34" charset="0"/>
-                <a:cs typeface="Arial" pitchFamily="34" charset="0"/>
-              </a:rPr>
-              <a:t>escribirCadena</a:t>
-            </a:r>
-            <a:r>
-              <a:rPr lang="es-ES" sz="2200" b="1" dirty="0">
-                <a:solidFill>
-                  <a:schemeClr val="bg2">
-                    <a:lumMod val="25000"/>
-                  </a:schemeClr>
-                </a:solidFill>
-                <a:latin typeface="Arial" pitchFamily="34" charset="0"/>
-                <a:cs typeface="Arial" pitchFamily="34" charset="0"/>
-              </a:rPr>
-              <a:t>(</a:t>
-            </a:r>
-            <a:r>
-              <a:rPr lang="es-ES" sz="2200" b="1" dirty="0">
-                <a:solidFill>
-                  <a:schemeClr val="accent6">
-                    <a:lumMod val="75000"/>
-                  </a:schemeClr>
-                </a:solidFill>
-                <a:latin typeface="Arial" pitchFamily="34" charset="0"/>
-                <a:cs typeface="Arial" pitchFamily="34" charset="0"/>
-              </a:rPr>
-              <a:t>nombre, cadena</a:t>
-            </a:r>
-            <a:r>
-              <a:rPr lang="es-ES" sz="2200" b="1" dirty="0">
-                <a:solidFill>
-                  <a:schemeClr val="bg2">
-                    <a:lumMod val="25000"/>
-                  </a:schemeClr>
-                </a:solidFill>
-                <a:latin typeface="Arial" pitchFamily="34" charset="0"/>
-                <a:cs typeface="Arial" pitchFamily="34" charset="0"/>
-              </a:rPr>
-              <a:t>):</a:t>
+              <a:rPr lang="es-ES" sz="2000" b="1" dirty="0">
+                <a:solidFill>
+                  <a:srgbClr val="FF0000"/>
+                </a:solidFill>
+                <a:latin typeface="Arial" pitchFamily="34" charset="0"/>
+                <a:cs typeface="Arial" pitchFamily="34" charset="0"/>
+              </a:rPr>
+              <a:t>escribe_5_frases </a:t>
+            </a:r>
+            <a:r>
+              <a:rPr lang="es-ES" sz="2000" b="1" dirty="0">
+                <a:solidFill>
+                  <a:schemeClr val="tx1">
+                    <a:lumMod val="95000"/>
+                    <a:lumOff val="5000"/>
+                  </a:schemeClr>
+                </a:solidFill>
+                <a:latin typeface="Arial" pitchFamily="34" charset="0"/>
+                <a:cs typeface="Arial" pitchFamily="34" charset="0"/>
+              </a:rPr>
+              <a:t>(nombre):</a:t>
             </a:r>
           </a:p>
           <a:p>
@@ -13073,16 +13575,30 @@
               </a:lnSpc>
             </a:pPr>
             <a:r>
-              <a:rPr lang="es-ES" sz="2200" dirty="0">
-                <a:solidFill>
-                  <a:schemeClr val="bg2">
-                    <a:lumMod val="25000"/>
-                  </a:schemeClr>
-                </a:solidFill>
-                <a:latin typeface="Arial" pitchFamily="34" charset="0"/>
-                <a:cs typeface="Arial" pitchFamily="34" charset="0"/>
-              </a:rPr>
-              <a:t>    Abrir el archivo de texto en modo de escritura</a:t>
+              <a:rPr lang="es-ES" sz="2000" b="1" dirty="0">
+                <a:solidFill>
+                  <a:schemeClr val="tx1">
+                    <a:lumMod val="95000"/>
+                    <a:lumOff val="5000"/>
+                  </a:schemeClr>
+                </a:solidFill>
+                <a:latin typeface="Arial" pitchFamily="34" charset="0"/>
+                <a:cs typeface="Arial" pitchFamily="34" charset="0"/>
+              </a:rPr>
+              <a:t>    </a:t>
+            </a:r>
+            <a:r>
+              <a:rPr lang="es-ES" sz="2000" dirty="0">
+                <a:solidFill>
+                  <a:schemeClr val="tx1">
+                    <a:lumMod val="95000"/>
+                    <a:lumOff val="5000"/>
+                  </a:schemeClr>
+                </a:solidFill>
+                <a:latin typeface="Arial" pitchFamily="34" charset="0"/>
+                <a:cs typeface="Arial" pitchFamily="34" charset="0"/>
+              </a:rPr>
+              <a:t>Abrir el archivo de texto en modo de escritura</a:t>
             </a:r>
           </a:p>
           <a:p>
@@ -13092,7 +13608,7 @@
               </a:lnSpc>
             </a:pPr>
             <a:r>
-              <a:rPr lang="es-ES" sz="2200" dirty="0">
+              <a:rPr lang="es-ES" sz="2000" dirty="0">
                 <a:solidFill>
                   <a:schemeClr val="tx1">
                     <a:lumMod val="95000"/>
@@ -13105,7 +13621,7 @@
               <a:t>    </a:t>
             </a:r>
             <a:r>
-              <a:rPr lang="es-ES" sz="2200" dirty="0" err="1">
+              <a:rPr lang="es-ES" sz="2000" dirty="0" err="1">
                 <a:solidFill>
                   <a:schemeClr val="tx1">
                     <a:lumMod val="95000"/>
@@ -13118,7 +13634,7 @@
               <a:t>for</a:t>
             </a:r>
             <a:r>
-              <a:rPr lang="es-ES" sz="2200" dirty="0">
+              <a:rPr lang="es-ES" sz="2000" dirty="0">
                 <a:solidFill>
                   <a:schemeClr val="tx1">
                     <a:lumMod val="95000"/>
@@ -13128,7 +13644,33 @@
                 <a:latin typeface="Arial" pitchFamily="34" charset="0"/>
                 <a:cs typeface="Arial" pitchFamily="34" charset="0"/>
               </a:rPr>
-              <a:t> i=0 hasta la longitud(cadena)-1</a:t>
+              <a:t> i in </a:t>
+            </a:r>
+            <a:r>
+              <a:rPr lang="es-ES" sz="2000" dirty="0" err="1">
+                <a:solidFill>
+                  <a:schemeClr val="tx1">
+                    <a:lumMod val="95000"/>
+                    <a:lumOff val="5000"/>
+                  </a:schemeClr>
+                </a:solidFill>
+                <a:latin typeface="Arial" pitchFamily="34" charset="0"/>
+                <a:cs typeface="Arial" pitchFamily="34" charset="0"/>
+              </a:rPr>
+              <a:t>range</a:t>
+            </a:r>
+            <a:r>
+              <a:rPr lang="es-ES" sz="2000" dirty="0">
+                <a:solidFill>
+                  <a:schemeClr val="tx1">
+                    <a:lumMod val="95000"/>
+                    <a:lumOff val="5000"/>
+                  </a:schemeClr>
+                </a:solidFill>
+                <a:latin typeface="Arial" pitchFamily="34" charset="0"/>
+                <a:cs typeface="Arial" pitchFamily="34" charset="0"/>
+              </a:rPr>
+              <a:t>(5):</a:t>
             </a:r>
           </a:p>
           <a:p>
@@ -13138,7 +13680,7 @@
               </a:lnSpc>
             </a:pPr>
             <a:r>
-              <a:rPr lang="es-ES" sz="2200" dirty="0">
+              <a:rPr lang="es-ES" sz="2000" dirty="0">
                 <a:solidFill>
                   <a:schemeClr val="tx1">
                     <a:lumMod val="95000"/>
@@ -13148,8 +13690,31 @@
                 <a:latin typeface="Arial" pitchFamily="34" charset="0"/>
                 <a:cs typeface="Arial" pitchFamily="34" charset="0"/>
               </a:rPr>
-              <a:t>        escribir cadena[i] en el archivo de texto</a:t>
-            </a:r>
+              <a:t>         Pedir una </a:t>
+            </a:r>
+            <a:r>
+              <a:rPr lang="en-US" sz="2000" dirty="0" err="1">
+                <a:solidFill>
+                  <a:schemeClr val="tx1">
+                    <a:lumMod val="95000"/>
+                    <a:lumOff val="5000"/>
+                  </a:schemeClr>
+                </a:solidFill>
+                <a:latin typeface="Arial" pitchFamily="34" charset="0"/>
+                <a:cs typeface="Arial" pitchFamily="34" charset="0"/>
+              </a:rPr>
+              <a:t>frase</a:t>
+            </a:r>
+            <a:endParaRPr lang="en-US" sz="2000" dirty="0">
+              <a:solidFill>
+                <a:schemeClr val="tx1">
+                  <a:lumMod val="95000"/>
+                  <a:lumOff val="5000"/>
+                </a:schemeClr>
+              </a:solidFill>
+              <a:latin typeface="Arial" pitchFamily="34" charset="0"/>
+              <a:cs typeface="Arial" pitchFamily="34" charset="0"/>
+            </a:endParaRPr>
           </a:p>
           <a:p>
             <a:pPr>
@@ -13158,7 +13723,7 @@
               </a:lnSpc>
             </a:pPr>
             <a:r>
-              <a:rPr lang="es-ES" sz="2200" dirty="0">
+              <a:rPr lang="en-US" sz="2000" dirty="0">
                 <a:solidFill>
                   <a:schemeClr val="tx1">
                     <a:lumMod val="95000"/>
@@ -13168,8 +13733,135 @@
                 <a:latin typeface="Arial" pitchFamily="34" charset="0"/>
                 <a:cs typeface="Arial" pitchFamily="34" charset="0"/>
               </a:rPr>
-              <a:t>    cerrar(archivo)</a:t>
-            </a:r>
+              <a:t>         </a:t>
+            </a:r>
+            <a:r>
+              <a:rPr lang="en-US" sz="2000" dirty="0" err="1">
+                <a:solidFill>
+                  <a:schemeClr val="tx1">
+                    <a:lumMod val="95000"/>
+                    <a:lumOff val="5000"/>
+                  </a:schemeClr>
+                </a:solidFill>
+                <a:latin typeface="Arial" pitchFamily="34" charset="0"/>
+                <a:cs typeface="Arial" pitchFamily="34" charset="0"/>
+              </a:rPr>
+              <a:t>Escribir</a:t>
+            </a:r>
+            <a:r>
+              <a:rPr lang="en-US" sz="2000" dirty="0">
+                <a:solidFill>
+                  <a:schemeClr val="tx1">
+                    <a:lumMod val="95000"/>
+                    <a:lumOff val="5000"/>
+                  </a:schemeClr>
+                </a:solidFill>
+                <a:latin typeface="Arial" pitchFamily="34" charset="0"/>
+                <a:cs typeface="Arial" pitchFamily="34" charset="0"/>
+              </a:rPr>
+              <a:t> la </a:t>
+            </a:r>
+            <a:r>
+              <a:rPr lang="en-US" sz="2000" dirty="0" err="1">
+                <a:solidFill>
+                  <a:schemeClr val="tx1">
+                    <a:lumMod val="95000"/>
+                    <a:lumOff val="5000"/>
+                  </a:schemeClr>
+                </a:solidFill>
+                <a:latin typeface="Arial" pitchFamily="34" charset="0"/>
+                <a:cs typeface="Arial" pitchFamily="34" charset="0"/>
+              </a:rPr>
+              <a:t>frase</a:t>
+            </a:r>
+            <a:r>
+              <a:rPr lang="en-US" sz="2000" dirty="0">
+                <a:solidFill>
+                  <a:schemeClr val="tx1">
+                    <a:lumMod val="95000"/>
+                    <a:lumOff val="5000"/>
+                  </a:schemeClr>
+                </a:solidFill>
+                <a:latin typeface="Arial" pitchFamily="34" charset="0"/>
+                <a:cs typeface="Arial" pitchFamily="34" charset="0"/>
+              </a:rPr>
+              <a:t> </a:t>
+            </a:r>
+            <a:r>
+              <a:rPr lang="en-US" sz="2000" dirty="0" err="1">
+                <a:solidFill>
+                  <a:schemeClr val="tx1">
+                    <a:lumMod val="95000"/>
+                    <a:lumOff val="5000"/>
+                  </a:schemeClr>
+                </a:solidFill>
+                <a:latin typeface="Arial" pitchFamily="34" charset="0"/>
+                <a:cs typeface="Arial" pitchFamily="34" charset="0"/>
+              </a:rPr>
+              <a:t>en</a:t>
+            </a:r>
+            <a:r>
+              <a:rPr lang="en-US" sz="2000" dirty="0">
+                <a:solidFill>
+                  <a:schemeClr val="tx1">
+                    <a:lumMod val="95000"/>
+                    <a:lumOff val="5000"/>
+                  </a:schemeClr>
+                </a:solidFill>
+                <a:latin typeface="Arial" pitchFamily="34" charset="0"/>
+                <a:cs typeface="Arial" pitchFamily="34" charset="0"/>
+              </a:rPr>
+              <a:t> el </a:t>
+            </a:r>
+            <a:r>
+              <a:rPr lang="en-US" sz="2000" dirty="0" err="1">
+                <a:solidFill>
+                  <a:schemeClr val="tx1">
+                    <a:lumMod val="95000"/>
+                    <a:lumOff val="5000"/>
+                  </a:schemeClr>
+                </a:solidFill>
+                <a:latin typeface="Arial" pitchFamily="34" charset="0"/>
+                <a:cs typeface="Arial" pitchFamily="34" charset="0"/>
+              </a:rPr>
+              <a:t>archivo</a:t>
+            </a:r>
+            <a:r>
+              <a:rPr lang="en-US" sz="2000" dirty="0">
+                <a:solidFill>
+                  <a:schemeClr val="tx1">
+                    <a:lumMod val="95000"/>
+                    <a:lumOff val="5000"/>
+                  </a:schemeClr>
+                </a:solidFill>
+                <a:latin typeface="Arial" pitchFamily="34" charset="0"/>
+                <a:cs typeface="Arial" pitchFamily="34" charset="0"/>
+              </a:rPr>
+              <a:t> de </a:t>
+            </a:r>
+            <a:r>
+              <a:rPr lang="en-US" sz="2000" dirty="0" err="1">
+                <a:solidFill>
+                  <a:schemeClr val="tx1">
+                    <a:lumMod val="95000"/>
+                    <a:lumOff val="5000"/>
+                  </a:schemeClr>
+                </a:solidFill>
+                <a:latin typeface="Arial" pitchFamily="34" charset="0"/>
+                <a:cs typeface="Arial" pitchFamily="34" charset="0"/>
+              </a:rPr>
+              <a:t>texto</a:t>
+            </a:r>
+            <a:endParaRPr lang="en-US" sz="2000" dirty="0">
+              <a:solidFill>
+                <a:schemeClr val="tx1">
+                  <a:lumMod val="95000"/>
+                  <a:lumOff val="5000"/>
+                </a:schemeClr>
+              </a:solidFill>
+              <a:latin typeface="Arial" pitchFamily="34" charset="0"/>
+              <a:cs typeface="Arial" pitchFamily="34" charset="0"/>
+            </a:endParaRPr>
           </a:p>
           <a:p>
             <a:pPr>
@@ -13177,142 +13869,36 @@
                 <a:spcPts val="3500"/>
               </a:lnSpc>
             </a:pPr>
-            <a:endParaRPr lang="es-ES" sz="2200" b="1" dirty="0">
+            <a:r>
+              <a:rPr lang="es-ES" sz="2000" dirty="0">
+                <a:solidFill>
+                  <a:schemeClr val="tx1">
+                    <a:lumMod val="95000"/>
+                    <a:lumOff val="5000"/>
+                  </a:schemeClr>
+                </a:solidFill>
+                <a:latin typeface="Arial" pitchFamily="34" charset="0"/>
+                <a:cs typeface="Arial" pitchFamily="34" charset="0"/>
+              </a:rPr>
+              <a:t>    cerrar(archivo)</a:t>
+            </a:r>
+          </a:p>
+          <a:p>
+            <a:pPr>
+              <a:lnSpc>
+                <a:spcPts val="3500"/>
+              </a:lnSpc>
+            </a:pPr>
+            <a:endParaRPr lang="es-ES" sz="2000" b="1" dirty="0">
               <a:solidFill>
-                <a:schemeClr val="bg2">
-                  <a:lumMod val="25000"/>
+                <a:schemeClr val="tx1">
+                  <a:lumMod val="95000"/>
+                  <a:lumOff val="5000"/>
                 </a:schemeClr>
               </a:solidFill>
               <a:latin typeface="Arial" pitchFamily="34" charset="0"/>
               <a:cs typeface="Arial" pitchFamily="34" charset="0"/>
             </a:endParaRPr>
-          </a:p>
-          <a:p>
-            <a:pPr>
-              <a:lnSpc>
-                <a:spcPts val="3500"/>
-              </a:lnSpc>
-            </a:pPr>
-            <a:r>
-              <a:rPr lang="es-ES" sz="2200" b="1" dirty="0">
-                <a:solidFill>
-                  <a:schemeClr val="bg2">
-                    <a:lumMod val="25000"/>
-                  </a:schemeClr>
-                </a:solidFill>
-                <a:latin typeface="Arial" pitchFamily="34" charset="0"/>
-                <a:cs typeface="Arial" pitchFamily="34" charset="0"/>
-              </a:rPr>
-              <a:t>Pedir el </a:t>
-            </a:r>
-            <a:r>
-              <a:rPr lang="es-ES" sz="2200" b="1" dirty="0">
-                <a:solidFill>
-                  <a:schemeClr val="accent6">
-                    <a:lumMod val="75000"/>
-                  </a:schemeClr>
-                </a:solidFill>
-                <a:latin typeface="Arial" pitchFamily="34" charset="0"/>
-                <a:cs typeface="Arial" pitchFamily="34" charset="0"/>
-              </a:rPr>
-              <a:t>nombre</a:t>
-            </a:r>
-            <a:r>
-              <a:rPr lang="es-ES" sz="2200" b="1" dirty="0">
-                <a:solidFill>
-                  <a:schemeClr val="bg2">
-                    <a:lumMod val="25000"/>
-                  </a:schemeClr>
-                </a:solidFill>
-                <a:latin typeface="Arial" pitchFamily="34" charset="0"/>
-                <a:cs typeface="Arial" pitchFamily="34" charset="0"/>
-              </a:rPr>
-              <a:t> del archivo</a:t>
-            </a:r>
-          </a:p>
-          <a:p>
-            <a:pPr>
-              <a:lnSpc>
-                <a:spcPts val="3500"/>
-              </a:lnSpc>
-            </a:pPr>
-            <a:r>
-              <a:rPr lang="es-ES" sz="2200" b="1" dirty="0">
-                <a:solidFill>
-                  <a:schemeClr val="bg2">
-                    <a:lumMod val="25000"/>
-                  </a:schemeClr>
-                </a:solidFill>
-                <a:latin typeface="Arial" pitchFamily="34" charset="0"/>
-                <a:cs typeface="Arial" pitchFamily="34" charset="0"/>
-              </a:rPr>
-              <a:t>Pedir una </a:t>
-            </a:r>
-            <a:r>
-              <a:rPr lang="es-ES" sz="2200" b="1" dirty="0">
-                <a:solidFill>
-                  <a:schemeClr val="accent6">
-                    <a:lumMod val="75000"/>
-                  </a:schemeClr>
-                </a:solidFill>
-                <a:latin typeface="Arial" pitchFamily="34" charset="0"/>
-                <a:cs typeface="Arial" pitchFamily="34" charset="0"/>
-              </a:rPr>
-              <a:t>cadena</a:t>
-            </a:r>
-          </a:p>
-          <a:p>
-            <a:pPr>
-              <a:lnSpc>
-                <a:spcPts val="3500"/>
-              </a:lnSpc>
-            </a:pPr>
-            <a:r>
-              <a:rPr lang="es-ES" sz="2200" b="1" dirty="0" err="1">
-                <a:solidFill>
-                  <a:srgbClr val="0070C0"/>
-                </a:solidFill>
-                <a:latin typeface="Arial" pitchFamily="34" charset="0"/>
-                <a:cs typeface="Arial" pitchFamily="34" charset="0"/>
-              </a:rPr>
-              <a:t>escribirCadena</a:t>
-            </a:r>
-            <a:r>
-              <a:rPr lang="es-ES" sz="2200" b="1" dirty="0">
-                <a:solidFill>
-                  <a:schemeClr val="bg2">
-                    <a:lumMod val="25000"/>
-                  </a:schemeClr>
-                </a:solidFill>
-                <a:latin typeface="Arial" pitchFamily="34" charset="0"/>
-                <a:cs typeface="Arial" pitchFamily="34" charset="0"/>
-              </a:rPr>
-              <a:t>(</a:t>
-            </a:r>
-            <a:r>
-              <a:rPr lang="es-ES" sz="2200" b="1" dirty="0">
-                <a:solidFill>
-                  <a:schemeClr val="accent6">
-                    <a:lumMod val="75000"/>
-                  </a:schemeClr>
-                </a:solidFill>
-                <a:latin typeface="Arial" pitchFamily="34" charset="0"/>
-                <a:cs typeface="Arial" pitchFamily="34" charset="0"/>
-              </a:rPr>
-              <a:t>nombre, cadena</a:t>
-            </a:r>
-            <a:r>
-              <a:rPr lang="es-ES" sz="2200" b="1" dirty="0">
-                <a:solidFill>
-                  <a:schemeClr val="bg2">
-                    <a:lumMod val="25000"/>
-                  </a:schemeClr>
-                </a:solidFill>
-                <a:latin typeface="Arial" pitchFamily="34" charset="0"/>
-                <a:cs typeface="Arial" pitchFamily="34" charset="0"/>
-              </a:rPr>
-              <a:t>)</a:t>
-            </a:r>
           </a:p>
         </p:txBody>
       </p:sp>
@@ -13326,8 +13912,8 @@
         </p:nvSpPr>
         <p:spPr bwMode="auto">
           <a:xfrm>
-            <a:off x="395536" y="260648"/>
-            <a:ext cx="8280400" cy="1143000"/>
+            <a:off x="0" y="50428"/>
+            <a:ext cx="9144000" cy="1143000"/>
           </a:xfrm>
           <a:prstGeom prst="rect">
             <a:avLst/>
@@ -13374,7 +13960,7 @@
               <a:defRPr/>
             </a:pPr>
             <a:r>
-              <a:rPr lang="es-ES_tradnl" sz="4000" b="1" dirty="0">
+              <a:rPr lang="es-ES_tradnl" sz="4400" b="1" dirty="0">
                 <a:solidFill>
                   <a:schemeClr val="accent4">
                     <a:lumMod val="50000"/>
@@ -13386,65 +13972,8 @@
                   </a:outerShdw>
                 </a:effectLst>
               </a:rPr>
-              <a:t>Algoritmo: Escribir cadena </a:t>
-            </a:r>
-            <a:r>
-              <a:rPr lang="es-ES_tradnl" sz="4000" b="1" dirty="0" err="1">
-                <a:solidFill>
-                  <a:schemeClr val="accent4">
-                    <a:lumMod val="50000"/>
-                  </a:schemeClr>
-                </a:solidFill>
-                <a:effectLst>
-                  <a:outerShdw blurRad="38100" dist="38100" dir="2700000" algn="tl">
-                    <a:srgbClr val="C0C0C0"/>
-                  </a:outerShdw>
-                </a:effectLst>
-              </a:rPr>
-              <a:t>caracter</a:t>
-            </a:r>
-            <a:r>
-              <a:rPr lang="es-ES_tradnl" sz="4000" b="1" dirty="0">
-                <a:solidFill>
-                  <a:schemeClr val="accent4">
-                    <a:lumMod val="50000"/>
-                  </a:schemeClr>
-                </a:solidFill>
-                <a:effectLst>
-                  <a:outerShdw blurRad="38100" dist="38100" dir="2700000" algn="tl">
-                    <a:srgbClr val="C0C0C0"/>
-                  </a:outerShdw>
-                </a:effectLst>
-              </a:rPr>
-              <a:t> por </a:t>
-            </a:r>
-            <a:r>
-              <a:rPr lang="es-ES_tradnl" sz="4000" b="1" dirty="0" err="1">
-                <a:solidFill>
-                  <a:schemeClr val="accent4">
-                    <a:lumMod val="50000"/>
-                  </a:schemeClr>
-                </a:solidFill>
-                <a:effectLst>
-                  <a:outerShdw blurRad="38100" dist="38100" dir="2700000" algn="tl">
-                    <a:srgbClr val="C0C0C0"/>
-                  </a:outerShdw>
-                </a:effectLst>
-              </a:rPr>
-              <a:t>caracter</a:t>
-            </a:r>
-            <a:endParaRPr lang="es-ES_tradnl" sz="4000" b="1" dirty="0">
-              <a:solidFill>
-                <a:schemeClr val="accent4">
-                  <a:lumMod val="50000"/>
-                </a:schemeClr>
-              </a:solidFill>
-              <a:effectLst>
-                <a:outerShdw blurRad="38100" dist="38100" dir="2700000" algn="tl">
-                  <a:srgbClr val="C0C0C0"/>
-                </a:outerShdw>
-              </a:effectLst>
-            </a:endParaRPr>
+              <a:t>Algoritmo: Escribir cinco frases</a:t>
+            </a:r>
           </a:p>
         </p:txBody>
       </p:sp>
@@ -13453,7 +13982,7 @@
           <p:cNvPr id="7" name="1 Imagen">
             <a:extLst>
               <a:ext uri="{FF2B5EF4-FFF2-40B4-BE49-F238E27FC236}">
-                <a16:creationId xmlns:a16="http://schemas.microsoft.com/office/drawing/2014/main" id="{8880922C-6D74-4904-A4EC-7D1BA5F6C5AD}"/>
+                <a16:creationId xmlns:a16="http://schemas.microsoft.com/office/drawing/2014/main" id="{97887190-547B-4F12-BBEE-31A5731A7080}"/>
               </a:ext>
             </a:extLst>
           </p:cNvPr>
@@ -13476,7 +14005,7 @@
         </p:blipFill>
         <p:spPr>
           <a:xfrm>
-            <a:off x="6372200" y="4293096"/>
+            <a:off x="6372200" y="4663577"/>
             <a:ext cx="1781807" cy="1653619"/>
           </a:xfrm>
           <a:prstGeom prst="rect">
@@ -13487,7 +14016,7 @@
     </p:spTree>
     <p:extLst>
       <p:ext uri="{BB962C8B-B14F-4D97-AF65-F5344CB8AC3E}">
-        <p14:creationId xmlns:p14="http://schemas.microsoft.com/office/powerpoint/2010/main" val="752574003"/>
+        <p14:creationId xmlns:p14="http://schemas.microsoft.com/office/powerpoint/2010/main" val="2846678764"/>
       </p:ext>
     </p:extLst>
   </p:cSld>
@@ -14338,2110 +14867,6 @@
       </p:grpSpPr>
       <p:sp>
         <p:nvSpPr>
-          <p:cNvPr id="267267" name="Rectangle 3"/>
-          <p:cNvSpPr>
-            <a:spLocks noChangeArrowheads="1"/>
-          </p:cNvSpPr>
-          <p:nvPr/>
-        </p:nvSpPr>
-        <p:spPr bwMode="auto">
-          <a:xfrm>
-            <a:off x="863328" y="1792755"/>
-            <a:ext cx="7741120" cy="4084517"/>
-          </a:xfrm>
-          <a:prstGeom prst="rect">
-            <a:avLst/>
-          </a:prstGeom>
-          <a:noFill/>
-          <a:ln>
-            <a:noFill/>
-          </a:ln>
-          <a:effectLst/>
-          <a:extLst>
-            <a:ext uri="{909E8E84-426E-40DD-AFC4-6F175D3DCCD1}">
-              <a14:hiddenFill xmlns:a14="http://schemas.microsoft.com/office/drawing/2010/main">
-                <a:solidFill>
-                  <a:schemeClr val="accent1"/>
-                </a:solidFill>
-              </a14:hiddenFill>
-            </a:ext>
-            <a:ext uri="{91240B29-F687-4F45-9708-019B960494DF}">
-              <a14:hiddenLine xmlns:a14="http://schemas.microsoft.com/office/drawing/2010/main" w="9525">
-                <a:solidFill>
-                  <a:schemeClr val="tx1"/>
-                </a:solidFill>
-                <a:miter lim="800000"/>
-                <a:headEnd/>
-                <a:tailEnd/>
-              </a14:hiddenLine>
-            </a:ext>
-            <a:ext uri="{AF507438-7753-43E0-B8FC-AC1667EBCBE1}">
-              <a14:hiddenEffects xmlns:a14="http://schemas.microsoft.com/office/drawing/2010/main">
-                <a:effectLst>
-                  <a:outerShdw dist="35921" dir="2700000" algn="ctr" rotWithShape="0">
-                    <a:schemeClr val="bg2"/>
-                  </a:outerShdw>
-                </a:effectLst>
-              </a14:hiddenEffects>
-            </a:ext>
-          </a:extLst>
-        </p:spPr>
-        <p:txBody>
-          <a:bodyPr wrap="square" lIns="92075" tIns="46038" rIns="92075" bIns="46038">
-            <a:spAutoFit/>
-          </a:bodyPr>
-          <a:lstStyle/>
-          <a:p>
-            <a:pPr>
-              <a:lnSpc>
-                <a:spcPts val="3500"/>
-              </a:lnSpc>
-            </a:pPr>
-            <a:r>
-              <a:rPr lang="es-ES" sz="2200" b="1" dirty="0" err="1">
-                <a:solidFill>
-                  <a:schemeClr val="bg2">
-                    <a:lumMod val="25000"/>
-                  </a:schemeClr>
-                </a:solidFill>
-                <a:latin typeface="Arial" pitchFamily="34" charset="0"/>
-                <a:cs typeface="Arial" pitchFamily="34" charset="0"/>
-              </a:rPr>
-              <a:t>def</a:t>
-            </a:r>
-            <a:r>
-              <a:rPr lang="es-ES" sz="2200" b="1" dirty="0">
-                <a:solidFill>
-                  <a:schemeClr val="bg2">
-                    <a:lumMod val="25000"/>
-                  </a:schemeClr>
-                </a:solidFill>
-                <a:latin typeface="Arial" pitchFamily="34" charset="0"/>
-                <a:cs typeface="Arial" pitchFamily="34" charset="0"/>
-              </a:rPr>
-              <a:t> </a:t>
-            </a:r>
-            <a:r>
-              <a:rPr lang="es-ES" sz="2200" b="1" dirty="0" err="1">
-                <a:solidFill>
-                  <a:srgbClr val="0070C0"/>
-                </a:solidFill>
-                <a:latin typeface="Arial" pitchFamily="34" charset="0"/>
-                <a:cs typeface="Arial" pitchFamily="34" charset="0"/>
-              </a:rPr>
-              <a:t>escribirCadena</a:t>
-            </a:r>
-            <a:r>
-              <a:rPr lang="es-ES" sz="2200" b="1" dirty="0">
-                <a:solidFill>
-                  <a:schemeClr val="bg2">
-                    <a:lumMod val="25000"/>
-                  </a:schemeClr>
-                </a:solidFill>
-                <a:latin typeface="Arial" pitchFamily="34" charset="0"/>
-                <a:cs typeface="Arial" pitchFamily="34" charset="0"/>
-              </a:rPr>
-              <a:t>(nombre, cadena):</a:t>
-            </a:r>
-          </a:p>
-          <a:p>
-            <a:pPr>
-              <a:lnSpc>
-                <a:spcPts val="3500"/>
-              </a:lnSpc>
-            </a:pPr>
-            <a:r>
-              <a:rPr lang="es-ES" sz="2200" b="1" dirty="0">
-                <a:solidFill>
-                  <a:schemeClr val="bg2">
-                    <a:lumMod val="25000"/>
-                  </a:schemeClr>
-                </a:solidFill>
-                <a:latin typeface="Arial" pitchFamily="34" charset="0"/>
-                <a:cs typeface="Arial" pitchFamily="34" charset="0"/>
-              </a:rPr>
-              <a:t>    </a:t>
-            </a:r>
-            <a:r>
-              <a:rPr lang="es-ES" sz="2200" b="1" dirty="0">
-                <a:solidFill>
-                  <a:schemeClr val="accent6">
-                    <a:lumMod val="75000"/>
-                  </a:schemeClr>
-                </a:solidFill>
-                <a:latin typeface="Arial" pitchFamily="34" charset="0"/>
-                <a:cs typeface="Arial" pitchFamily="34" charset="0"/>
-              </a:rPr>
-              <a:t>file</a:t>
-            </a:r>
-            <a:r>
-              <a:rPr lang="es-ES" sz="2200" b="1" dirty="0">
-                <a:solidFill>
-                  <a:schemeClr val="bg2">
-                    <a:lumMod val="25000"/>
-                  </a:schemeClr>
-                </a:solidFill>
-                <a:latin typeface="Arial" pitchFamily="34" charset="0"/>
-                <a:cs typeface="Arial" pitchFamily="34" charset="0"/>
-              </a:rPr>
-              <a:t> = open(nombre, "w")</a:t>
-            </a:r>
-          </a:p>
-          <a:p>
-            <a:pPr>
-              <a:lnSpc>
-                <a:spcPts val="3500"/>
-              </a:lnSpc>
-            </a:pPr>
-            <a:r>
-              <a:rPr lang="es-ES" sz="2200" b="1" dirty="0">
-                <a:solidFill>
-                  <a:schemeClr val="bg2">
-                    <a:lumMod val="25000"/>
-                  </a:schemeClr>
-                </a:solidFill>
-                <a:latin typeface="Arial" pitchFamily="34" charset="0"/>
-                <a:cs typeface="Arial" pitchFamily="34" charset="0"/>
-              </a:rPr>
-              <a:t>    </a:t>
-            </a:r>
-            <a:r>
-              <a:rPr lang="es-ES" sz="2200" b="1" dirty="0" err="1">
-                <a:solidFill>
-                  <a:schemeClr val="bg2">
-                    <a:lumMod val="25000"/>
-                  </a:schemeClr>
-                </a:solidFill>
-                <a:latin typeface="Arial" pitchFamily="34" charset="0"/>
-                <a:cs typeface="Arial" pitchFamily="34" charset="0"/>
-              </a:rPr>
-              <a:t>for</a:t>
-            </a:r>
-            <a:r>
-              <a:rPr lang="es-ES" sz="2200" b="1" dirty="0">
-                <a:solidFill>
-                  <a:schemeClr val="bg2">
-                    <a:lumMod val="25000"/>
-                  </a:schemeClr>
-                </a:solidFill>
-                <a:latin typeface="Arial" pitchFamily="34" charset="0"/>
-                <a:cs typeface="Arial" pitchFamily="34" charset="0"/>
-              </a:rPr>
-              <a:t> i in </a:t>
-            </a:r>
-            <a:r>
-              <a:rPr lang="es-ES" sz="2200" b="1" dirty="0" err="1">
-                <a:solidFill>
-                  <a:schemeClr val="bg2">
-                    <a:lumMod val="25000"/>
-                  </a:schemeClr>
-                </a:solidFill>
-                <a:latin typeface="Arial" pitchFamily="34" charset="0"/>
-                <a:cs typeface="Arial" pitchFamily="34" charset="0"/>
-              </a:rPr>
-              <a:t>range</a:t>
-            </a:r>
-            <a:r>
-              <a:rPr lang="es-ES" sz="2200" b="1" dirty="0">
-                <a:solidFill>
-                  <a:schemeClr val="bg2">
-                    <a:lumMod val="25000"/>
-                  </a:schemeClr>
-                </a:solidFill>
-                <a:latin typeface="Arial" pitchFamily="34" charset="0"/>
-                <a:cs typeface="Arial" pitchFamily="34" charset="0"/>
-              </a:rPr>
-              <a:t>(0, </a:t>
-            </a:r>
-            <a:r>
-              <a:rPr lang="es-ES" sz="2200" b="1" dirty="0" err="1">
-                <a:solidFill>
-                  <a:schemeClr val="bg2">
-                    <a:lumMod val="25000"/>
-                  </a:schemeClr>
-                </a:solidFill>
-                <a:latin typeface="Arial" pitchFamily="34" charset="0"/>
-                <a:cs typeface="Arial" pitchFamily="34" charset="0"/>
-              </a:rPr>
-              <a:t>len</a:t>
-            </a:r>
-            <a:r>
-              <a:rPr lang="es-ES" sz="2200" b="1" dirty="0">
-                <a:solidFill>
-                  <a:schemeClr val="bg2">
-                    <a:lumMod val="25000"/>
-                  </a:schemeClr>
-                </a:solidFill>
-                <a:latin typeface="Arial" pitchFamily="34" charset="0"/>
-                <a:cs typeface="Arial" pitchFamily="34" charset="0"/>
-              </a:rPr>
-              <a:t>(cadena)):</a:t>
-            </a:r>
-          </a:p>
-          <a:p>
-            <a:pPr>
-              <a:lnSpc>
-                <a:spcPts val="3500"/>
-              </a:lnSpc>
-            </a:pPr>
-            <a:r>
-              <a:rPr lang="es-ES" sz="2200" b="1" dirty="0">
-                <a:solidFill>
-                  <a:schemeClr val="bg2">
-                    <a:lumMod val="25000"/>
-                  </a:schemeClr>
-                </a:solidFill>
-                <a:latin typeface="Arial" pitchFamily="34" charset="0"/>
-                <a:cs typeface="Arial" pitchFamily="34" charset="0"/>
-              </a:rPr>
-              <a:t>        </a:t>
-            </a:r>
-            <a:r>
-              <a:rPr lang="es-ES" sz="2200" b="1" dirty="0" err="1">
-                <a:solidFill>
-                  <a:schemeClr val="accent6">
-                    <a:lumMod val="75000"/>
-                  </a:schemeClr>
-                </a:solidFill>
-                <a:latin typeface="Arial" pitchFamily="34" charset="0"/>
-                <a:cs typeface="Arial" pitchFamily="34" charset="0"/>
-              </a:rPr>
-              <a:t>file.write</a:t>
-            </a:r>
-            <a:r>
-              <a:rPr lang="es-ES" sz="2200" b="1" dirty="0">
-                <a:solidFill>
-                  <a:schemeClr val="bg2">
-                    <a:lumMod val="25000"/>
-                  </a:schemeClr>
-                </a:solidFill>
-                <a:latin typeface="Arial" pitchFamily="34" charset="0"/>
-                <a:cs typeface="Arial" pitchFamily="34" charset="0"/>
-              </a:rPr>
-              <a:t>(cadena[i])</a:t>
-            </a:r>
-          </a:p>
-          <a:p>
-            <a:pPr>
-              <a:lnSpc>
-                <a:spcPts val="3500"/>
-              </a:lnSpc>
-            </a:pPr>
-            <a:r>
-              <a:rPr lang="es-ES" sz="2200" b="1" dirty="0">
-                <a:solidFill>
-                  <a:schemeClr val="bg2">
-                    <a:lumMod val="25000"/>
-                  </a:schemeClr>
-                </a:solidFill>
-                <a:latin typeface="Arial" pitchFamily="34" charset="0"/>
-                <a:cs typeface="Arial" pitchFamily="34" charset="0"/>
-              </a:rPr>
-              <a:t>    </a:t>
-            </a:r>
-            <a:r>
-              <a:rPr lang="es-ES" sz="2200" b="1" dirty="0" err="1">
-                <a:solidFill>
-                  <a:schemeClr val="accent6">
-                    <a:lumMod val="75000"/>
-                  </a:schemeClr>
-                </a:solidFill>
-                <a:latin typeface="Arial" pitchFamily="34" charset="0"/>
-                <a:cs typeface="Arial" pitchFamily="34" charset="0"/>
-              </a:rPr>
-              <a:t>file.close</a:t>
-            </a:r>
-            <a:r>
-              <a:rPr lang="es-ES" sz="2200" b="1" dirty="0">
-                <a:solidFill>
-                  <a:schemeClr val="accent6">
-                    <a:lumMod val="75000"/>
-                  </a:schemeClr>
-                </a:solidFill>
-                <a:latin typeface="Arial" pitchFamily="34" charset="0"/>
-                <a:cs typeface="Arial" pitchFamily="34" charset="0"/>
-              </a:rPr>
-              <a:t>()</a:t>
-            </a:r>
-          </a:p>
-          <a:p>
-            <a:pPr>
-              <a:lnSpc>
-                <a:spcPts val="3500"/>
-              </a:lnSpc>
-            </a:pPr>
-            <a:endParaRPr lang="es-ES" sz="2200" b="1" dirty="0">
-              <a:solidFill>
-                <a:schemeClr val="bg2">
-                  <a:lumMod val="25000"/>
-                </a:schemeClr>
-              </a:solidFill>
-              <a:latin typeface="Arial" pitchFamily="34" charset="0"/>
-              <a:cs typeface="Arial" pitchFamily="34" charset="0"/>
-            </a:endParaRPr>
-          </a:p>
-          <a:p>
-            <a:pPr>
-              <a:lnSpc>
-                <a:spcPts val="3500"/>
-              </a:lnSpc>
-            </a:pPr>
-            <a:r>
-              <a:rPr lang="es-ES" sz="2200" dirty="0">
-                <a:solidFill>
-                  <a:schemeClr val="bg2">
-                    <a:lumMod val="25000"/>
-                  </a:schemeClr>
-                </a:solidFill>
-                <a:latin typeface="Arial" pitchFamily="34" charset="0"/>
-                <a:cs typeface="Arial" pitchFamily="34" charset="0"/>
-              </a:rPr>
-              <a:t>nombre = </a:t>
-            </a:r>
-            <a:r>
-              <a:rPr lang="es-ES" sz="2200" dirty="0" err="1">
-                <a:solidFill>
-                  <a:schemeClr val="bg2">
-                    <a:lumMod val="25000"/>
-                  </a:schemeClr>
-                </a:solidFill>
-                <a:latin typeface="Arial" pitchFamily="34" charset="0"/>
-                <a:cs typeface="Arial" pitchFamily="34" charset="0"/>
-              </a:rPr>
-              <a:t>str</a:t>
-            </a:r>
-            <a:r>
-              <a:rPr lang="es-ES" sz="2200" dirty="0">
-                <a:solidFill>
-                  <a:schemeClr val="bg2">
-                    <a:lumMod val="25000"/>
-                  </a:schemeClr>
-                </a:solidFill>
-                <a:latin typeface="Arial" pitchFamily="34" charset="0"/>
-                <a:cs typeface="Arial" pitchFamily="34" charset="0"/>
-              </a:rPr>
-              <a:t>(input("Introduce el nombre del archivo: "))</a:t>
-            </a:r>
-          </a:p>
-          <a:p>
-            <a:pPr>
-              <a:lnSpc>
-                <a:spcPts val="3500"/>
-              </a:lnSpc>
-            </a:pPr>
-            <a:r>
-              <a:rPr lang="es-ES" sz="2200" dirty="0">
-                <a:solidFill>
-                  <a:schemeClr val="bg2">
-                    <a:lumMod val="25000"/>
-                  </a:schemeClr>
-                </a:solidFill>
-                <a:latin typeface="Arial" pitchFamily="34" charset="0"/>
-                <a:cs typeface="Arial" pitchFamily="34" charset="0"/>
-              </a:rPr>
-              <a:t>cadena = </a:t>
-            </a:r>
-            <a:r>
-              <a:rPr lang="es-ES" sz="2200" dirty="0" err="1">
-                <a:solidFill>
-                  <a:schemeClr val="bg2">
-                    <a:lumMod val="25000"/>
-                  </a:schemeClr>
-                </a:solidFill>
-                <a:latin typeface="Arial" pitchFamily="34" charset="0"/>
-                <a:cs typeface="Arial" pitchFamily="34" charset="0"/>
-              </a:rPr>
-              <a:t>str</a:t>
-            </a:r>
-            <a:r>
-              <a:rPr lang="es-ES" sz="2200" dirty="0">
-                <a:solidFill>
-                  <a:schemeClr val="bg2">
-                    <a:lumMod val="25000"/>
-                  </a:schemeClr>
-                </a:solidFill>
-                <a:latin typeface="Arial" pitchFamily="34" charset="0"/>
-                <a:cs typeface="Arial" pitchFamily="34" charset="0"/>
-              </a:rPr>
-              <a:t>(input("Introduce una frase: "))</a:t>
-            </a:r>
-          </a:p>
-          <a:p>
-            <a:pPr>
-              <a:lnSpc>
-                <a:spcPts val="3500"/>
-              </a:lnSpc>
-            </a:pPr>
-            <a:r>
-              <a:rPr lang="es-ES" sz="2200" b="1" dirty="0" err="1">
-                <a:solidFill>
-                  <a:srgbClr val="0070C0"/>
-                </a:solidFill>
-                <a:latin typeface="Arial" pitchFamily="34" charset="0"/>
-                <a:cs typeface="Arial" pitchFamily="34" charset="0"/>
-              </a:rPr>
-              <a:t>escribirCadena</a:t>
-            </a:r>
-            <a:r>
-              <a:rPr lang="es-ES" sz="2200" b="1" dirty="0">
-                <a:solidFill>
-                  <a:schemeClr val="bg2">
-                    <a:lumMod val="25000"/>
-                  </a:schemeClr>
-                </a:solidFill>
-                <a:latin typeface="Arial" pitchFamily="34" charset="0"/>
-                <a:cs typeface="Arial" pitchFamily="34" charset="0"/>
-              </a:rPr>
-              <a:t>(nombre, cadena)</a:t>
-            </a:r>
-          </a:p>
-        </p:txBody>
-      </p:sp>
-      <p:sp>
-        <p:nvSpPr>
-          <p:cNvPr id="5" name="Rectangle 2"/>
-          <p:cNvSpPr>
-            <a:spLocks noChangeArrowheads="1"/>
-          </p:cNvSpPr>
-          <p:nvPr/>
-        </p:nvSpPr>
-        <p:spPr bwMode="auto">
-          <a:xfrm>
-            <a:off x="395536" y="260648"/>
-            <a:ext cx="8280400" cy="1143000"/>
-          </a:xfrm>
-          <a:prstGeom prst="rect">
-            <a:avLst/>
-          </a:prstGeom>
-          <a:noFill/>
-          <a:ln>
-            <a:noFill/>
-          </a:ln>
-          <a:effectLst/>
-          <a:extLst>
-            <a:ext uri="{909E8E84-426E-40DD-AFC4-6F175D3DCCD1}">
-              <a14:hiddenFill xmlns:a14="http://schemas.microsoft.com/office/drawing/2010/main">
-                <a:solidFill>
-                  <a:schemeClr val="accent1"/>
-                </a:solidFill>
-              </a14:hiddenFill>
-            </a:ext>
-            <a:ext uri="{91240B29-F687-4F45-9708-019B960494DF}">
-              <a14:hiddenLine xmlns:a14="http://schemas.microsoft.com/office/drawing/2010/main" w="9525">
-                <a:solidFill>
-                  <a:schemeClr val="tx1"/>
-                </a:solidFill>
-                <a:miter lim="800000"/>
-                <a:headEnd/>
-                <a:tailEnd/>
-              </a14:hiddenLine>
-            </a:ext>
-            <a:ext uri="{AF507438-7753-43E0-B8FC-AC1667EBCBE1}">
-              <a14:hiddenEffects xmlns:a14="http://schemas.microsoft.com/office/drawing/2010/main">
-                <a:effectLst>
-                  <a:outerShdw dist="35921" dir="2700000" algn="ctr" rotWithShape="0">
-                    <a:schemeClr val="bg2"/>
-                  </a:outerShdw>
-                </a:effectLst>
-              </a14:hiddenEffects>
-            </a:ext>
-          </a:extLst>
-        </p:spPr>
-        <p:txBody>
-          <a:bodyPr lIns="92075" tIns="46038" rIns="92075" bIns="46038" anchor="ctr"/>
-          <a:lstStyle/>
-          <a:p>
-            <a:pPr algn="ctr" eaLnBrk="0" hangingPunct="0">
-              <a:defRPr/>
-            </a:pPr>
-            <a:r>
-              <a:rPr lang="es-ES_tradnl" sz="4000" b="1" dirty="0">
-                <a:solidFill>
-                  <a:schemeClr val="accent4">
-                    <a:lumMod val="50000"/>
-                  </a:schemeClr>
-                </a:solidFill>
-                <a:effectLst>
-                  <a:outerShdw blurRad="38100" dist="38100" dir="2700000" algn="tl">
-                    <a:srgbClr val="C0C0C0"/>
-                  </a:outerShdw>
-                </a:effectLst>
-              </a:rPr>
-              <a:t>Función: Escribir cadena </a:t>
-            </a:r>
-            <a:r>
-              <a:rPr lang="es-ES_tradnl" sz="4000" b="1" dirty="0" err="1">
-                <a:solidFill>
-                  <a:schemeClr val="accent4">
-                    <a:lumMod val="50000"/>
-                  </a:schemeClr>
-                </a:solidFill>
-                <a:effectLst>
-                  <a:outerShdw blurRad="38100" dist="38100" dir="2700000" algn="tl">
-                    <a:srgbClr val="C0C0C0"/>
-                  </a:outerShdw>
-                </a:effectLst>
-              </a:rPr>
-              <a:t>caracter</a:t>
-            </a:r>
-            <a:r>
-              <a:rPr lang="es-ES_tradnl" sz="4000" b="1" dirty="0">
-                <a:solidFill>
-                  <a:schemeClr val="accent4">
-                    <a:lumMod val="50000"/>
-                  </a:schemeClr>
-                </a:solidFill>
-                <a:effectLst>
-                  <a:outerShdw blurRad="38100" dist="38100" dir="2700000" algn="tl">
-                    <a:srgbClr val="C0C0C0"/>
-                  </a:outerShdw>
-                </a:effectLst>
-              </a:rPr>
-              <a:t> por </a:t>
-            </a:r>
-            <a:r>
-              <a:rPr lang="es-ES_tradnl" sz="4000" b="1" dirty="0" err="1">
-                <a:solidFill>
-                  <a:schemeClr val="accent4">
-                    <a:lumMod val="50000"/>
-                  </a:schemeClr>
-                </a:solidFill>
-                <a:effectLst>
-                  <a:outerShdw blurRad="38100" dist="38100" dir="2700000" algn="tl">
-                    <a:srgbClr val="C0C0C0"/>
-                  </a:outerShdw>
-                </a:effectLst>
-              </a:rPr>
-              <a:t>caracter</a:t>
-            </a:r>
-            <a:endParaRPr lang="es-ES_tradnl" sz="4000" b="1" dirty="0">
-              <a:solidFill>
-                <a:schemeClr val="accent4">
-                  <a:lumMod val="50000"/>
-                </a:schemeClr>
-              </a:solidFill>
-              <a:effectLst>
-                <a:outerShdw blurRad="38100" dist="38100" dir="2700000" algn="tl">
-                  <a:srgbClr val="C0C0C0"/>
-                </a:outerShdw>
-              </a:effectLst>
-            </a:endParaRPr>
-          </a:p>
-        </p:txBody>
-      </p:sp>
-      <p:pic>
-        <p:nvPicPr>
-          <p:cNvPr id="7" name="1 Imagen">
-            <a:extLst>
-              <a:ext uri="{FF2B5EF4-FFF2-40B4-BE49-F238E27FC236}">
-                <a16:creationId xmlns:a16="http://schemas.microsoft.com/office/drawing/2014/main" id="{8880922C-6D74-4904-A4EC-7D1BA5F6C5AD}"/>
-              </a:ext>
-            </a:extLst>
-          </p:cNvPr>
-          <p:cNvPicPr>
-            <a:picLocks noChangeAspect="1"/>
-          </p:cNvPicPr>
-          <p:nvPr/>
-        </p:nvPicPr>
-        <p:blipFill>
-          <a:blip r:embed="rId3">
-            <a:extLst>
-              <a:ext uri="{28A0092B-C50C-407E-A947-70E740481C1C}">
-                <a14:useLocalDpi xmlns:a14="http://schemas.microsoft.com/office/drawing/2010/main" val="0"/>
-              </a:ext>
-            </a:extLst>
-          </a:blip>
-          <a:stretch>
-            <a:fillRect/>
-          </a:stretch>
-        </p:blipFill>
-        <p:spPr>
-          <a:xfrm>
-            <a:off x="6498865" y="2185586"/>
-            <a:ext cx="1781807" cy="1653619"/>
-          </a:xfrm>
-          <a:prstGeom prst="rect">
-            <a:avLst/>
-          </a:prstGeom>
-        </p:spPr>
-      </p:pic>
-    </p:spTree>
-    <p:extLst>
-      <p:ext uri="{BB962C8B-B14F-4D97-AF65-F5344CB8AC3E}">
-        <p14:creationId xmlns:p14="http://schemas.microsoft.com/office/powerpoint/2010/main" val="3256206397"/>
-      </p:ext>
-    </p:extLst>
-  </p:cSld>
-  <p:clrMapOvr>
-    <a:masterClrMapping/>
-  </p:clrMapOvr>
-  <p:timing>
-    <p:tnLst>
-      <p:par>
-        <p:cTn id="1" dur="indefinite" restart="never" nodeType="tmRoot">
-          <p:childTnLst>
-            <p:seq concurrent="1" nextAc="seek">
-              <p:cTn id="2" dur="indefinite" nodeType="mainSeq">
-                <p:childTnLst>
-                  <p:par>
-                    <p:cTn id="3" fill="hold" nodeType="clickPar">
-                      <p:stCondLst>
-                        <p:cond delay="indefinite"/>
-                      </p:stCondLst>
-                      <p:childTnLst>
-                        <p:par>
-                          <p:cTn id="4" fill="hold" nodeType="withGroup">
-                            <p:stCondLst>
-                              <p:cond delay="0"/>
-                            </p:stCondLst>
-                            <p:childTnLst>
-                              <p:par>
-                                <p:cTn id="5" presetID="2" presetClass="entr" presetSubtype="6" fill="hold" grpId="0" nodeType="clickEffect">
-                                  <p:stCondLst>
-                                    <p:cond delay="0"/>
-                                  </p:stCondLst>
-                                  <p:childTnLst>
-                                    <p:set>
-                                      <p:cBhvr>
-                                        <p:cTn id="6" dur="1" fill="hold">
-                                          <p:stCondLst>
-                                            <p:cond delay="0"/>
-                                          </p:stCondLst>
-                                        </p:cTn>
-                                        <p:tgtEl>
-                                          <p:spTgt spid="267267"/>
-                                        </p:tgtEl>
-                                        <p:attrNameLst>
-                                          <p:attrName>style.visibility</p:attrName>
-                                        </p:attrNameLst>
-                                      </p:cBhvr>
-                                      <p:to>
-                                        <p:strVal val="visible"/>
-                                      </p:to>
-                                    </p:set>
-                                    <p:anim calcmode="lin" valueType="num">
-                                      <p:cBhvr additive="base">
-                                        <p:cTn id="7" dur="500" fill="hold"/>
-                                        <p:tgtEl>
-                                          <p:spTgt spid="267267"/>
-                                        </p:tgtEl>
-                                        <p:attrNameLst>
-                                          <p:attrName>ppt_x</p:attrName>
-                                        </p:attrNameLst>
-                                      </p:cBhvr>
-                                      <p:tavLst>
-                                        <p:tav tm="0">
-                                          <p:val>
-                                            <p:strVal val="1+#ppt_w/2"/>
-                                          </p:val>
-                                        </p:tav>
-                                        <p:tav tm="100000">
-                                          <p:val>
-                                            <p:strVal val="#ppt_x"/>
-                                          </p:val>
-                                        </p:tav>
-                                      </p:tavLst>
-                                    </p:anim>
-                                    <p:anim calcmode="lin" valueType="num">
-                                      <p:cBhvr additive="base">
-                                        <p:cTn id="8" dur="500" fill="hold"/>
-                                        <p:tgtEl>
-                                          <p:spTgt spid="267267"/>
-                                        </p:tgtEl>
-                                        <p:attrNameLst>
-                                          <p:attrName>ppt_y</p:attrName>
-                                        </p:attrNameLst>
-                                      </p:cBhvr>
-                                      <p:tavLst>
-                                        <p:tav tm="0">
-                                          <p:val>
-                                            <p:strVal val="1+#ppt_h/2"/>
-                                          </p:val>
-                                        </p:tav>
-                                        <p:tav tm="100000">
-                                          <p:val>
-                                            <p:strVal val="#ppt_y"/>
-                                          </p:val>
-                                        </p:tav>
-                                      </p:tavLst>
-                                    </p:anim>
-                                  </p:childTnLst>
-                                </p:cTn>
-                              </p:par>
-                            </p:childTnLst>
-                          </p:cTn>
-                        </p:par>
-                      </p:childTnLst>
-                    </p:cTn>
-                  </p:par>
-                </p:childTnLst>
-              </p:cTn>
-              <p:prevCondLst>
-                <p:cond evt="onPrev" delay="0">
-                  <p:tgtEl>
-                    <p:sldTgt/>
-                  </p:tgtEl>
-                </p:cond>
-              </p:prevCondLst>
-              <p:nextCondLst>
-                <p:cond evt="onNext" delay="0">
-                  <p:tgtEl>
-                    <p:sldTgt/>
-                  </p:tgtEl>
-                </p:cond>
-              </p:nextCondLst>
-            </p:seq>
-          </p:childTnLst>
-        </p:cTn>
-      </p:par>
-    </p:tnLst>
-    <p:bldLst>
-      <p:bldP spid="267267" grpId="0" autoUpdateAnimBg="0"/>
-    </p:bldLst>
-  </p:timing>
-</p:sld>
-</file>
-
-<file path=ppt/slides/slide21.xml><?xml version="1.0" encoding="utf-8"?>
-<p:sld xmlns:a="http://schemas.openxmlformats.org/drawingml/2006/main" xmlns:r="http://schemas.openxmlformats.org/officeDocument/2006/relationships" xmlns:p="http://schemas.openxmlformats.org/presentationml/2006/main">
-  <p:cSld>
-    <p:spTree>
-      <p:nvGrpSpPr>
-        <p:cNvPr id="1" name=""/>
-        <p:cNvGrpSpPr/>
-        <p:nvPr/>
-      </p:nvGrpSpPr>
-      <p:grpSpPr>
-        <a:xfrm>
-          <a:off x="0" y="0"/>
-          <a:ext cx="0" cy="0"/>
-          <a:chOff x="0" y="0"/>
-          <a:chExt cx="0" cy="0"/>
-        </a:xfrm>
-      </p:grpSpPr>
-      <p:sp>
-        <p:nvSpPr>
-          <p:cNvPr id="273412" name="Text Box 4"/>
-          <p:cNvSpPr txBox="1">
-            <a:spLocks noChangeArrowheads="1"/>
-          </p:cNvSpPr>
-          <p:nvPr/>
-        </p:nvSpPr>
-        <p:spPr bwMode="auto">
-          <a:xfrm>
-            <a:off x="1028700" y="1340768"/>
-            <a:ext cx="7086600" cy="2239844"/>
-          </a:xfrm>
-          <a:prstGeom prst="rect">
-            <a:avLst/>
-          </a:prstGeom>
-          <a:noFill/>
-          <a:ln>
-            <a:noFill/>
-          </a:ln>
-          <a:effectLst/>
-          <a:extLst>
-            <a:ext uri="{909E8E84-426E-40DD-AFC4-6F175D3DCCD1}">
-              <a14:hiddenFill xmlns:a14="http://schemas.microsoft.com/office/drawing/2010/main">
-                <a:solidFill>
-                  <a:schemeClr val="accent1"/>
-                </a:solidFill>
-              </a14:hiddenFill>
-            </a:ext>
-            <a:ext uri="{91240B29-F687-4F45-9708-019B960494DF}">
-              <a14:hiddenLine xmlns:a14="http://schemas.microsoft.com/office/drawing/2010/main" w="12700">
-                <a:solidFill>
-                  <a:schemeClr val="tx1"/>
-                </a:solidFill>
-                <a:miter lim="800000"/>
-                <a:headEnd type="none" w="sm" len="sm"/>
-                <a:tailEnd type="none" w="sm" len="sm"/>
-              </a14:hiddenLine>
-            </a:ext>
-            <a:ext uri="{AF507438-7753-43E0-B8FC-AC1667EBCBE1}">
-              <a14:hiddenEffects xmlns:a14="http://schemas.microsoft.com/office/drawing/2010/main">
-                <a:effectLst>
-                  <a:outerShdw dist="35921" dir="2700000" algn="ctr" rotWithShape="0">
-                    <a:schemeClr val="bg2"/>
-                  </a:outerShdw>
-                </a:effectLst>
-              </a14:hiddenEffects>
-            </a:ext>
-          </a:extLst>
-        </p:spPr>
-        <p:txBody>
-          <a:bodyPr>
-            <a:spAutoFit/>
-          </a:bodyPr>
-          <a:lstStyle>
-            <a:lvl1pPr defTabSz="762000" eaLnBrk="0" hangingPunct="0">
-              <a:defRPr sz="1600">
-                <a:solidFill>
-                  <a:schemeClr val="tx1"/>
-                </a:solidFill>
-                <a:latin typeface="Arial" pitchFamily="34" charset="0"/>
-              </a:defRPr>
-            </a:lvl1pPr>
-            <a:lvl2pPr marL="742950" indent="-285750" defTabSz="762000" eaLnBrk="0" hangingPunct="0">
-              <a:defRPr sz="1600">
-                <a:solidFill>
-                  <a:schemeClr val="tx1"/>
-                </a:solidFill>
-                <a:latin typeface="Arial" pitchFamily="34" charset="0"/>
-              </a:defRPr>
-            </a:lvl2pPr>
-            <a:lvl3pPr marL="1143000" indent="-228600" defTabSz="762000" eaLnBrk="0" hangingPunct="0">
-              <a:defRPr sz="1600">
-                <a:solidFill>
-                  <a:schemeClr val="tx1"/>
-                </a:solidFill>
-                <a:latin typeface="Arial" pitchFamily="34" charset="0"/>
-              </a:defRPr>
-            </a:lvl3pPr>
-            <a:lvl4pPr marL="1600200" indent="-228600" defTabSz="762000" eaLnBrk="0" hangingPunct="0">
-              <a:defRPr sz="1600">
-                <a:solidFill>
-                  <a:schemeClr val="tx1"/>
-                </a:solidFill>
-                <a:latin typeface="Arial" pitchFamily="34" charset="0"/>
-              </a:defRPr>
-            </a:lvl4pPr>
-            <a:lvl5pPr marL="2057400" indent="-228600" defTabSz="762000" eaLnBrk="0" hangingPunct="0">
-              <a:defRPr sz="1600">
-                <a:solidFill>
-                  <a:schemeClr val="tx1"/>
-                </a:solidFill>
-                <a:latin typeface="Arial" pitchFamily="34" charset="0"/>
-              </a:defRPr>
-            </a:lvl5pPr>
-            <a:lvl6pPr marL="2514600" indent="-228600" defTabSz="762000" eaLnBrk="0" fontAlgn="base" hangingPunct="0">
-              <a:spcBef>
-                <a:spcPct val="0"/>
-              </a:spcBef>
-              <a:spcAft>
-                <a:spcPct val="0"/>
-              </a:spcAft>
-              <a:defRPr sz="1600">
-                <a:solidFill>
-                  <a:schemeClr val="tx1"/>
-                </a:solidFill>
-                <a:latin typeface="Arial" pitchFamily="34" charset="0"/>
-              </a:defRPr>
-            </a:lvl6pPr>
-            <a:lvl7pPr marL="2971800" indent="-228600" defTabSz="762000" eaLnBrk="0" fontAlgn="base" hangingPunct="0">
-              <a:spcBef>
-                <a:spcPct val="0"/>
-              </a:spcBef>
-              <a:spcAft>
-                <a:spcPct val="0"/>
-              </a:spcAft>
-              <a:defRPr sz="1600">
-                <a:solidFill>
-                  <a:schemeClr val="tx1"/>
-                </a:solidFill>
-                <a:latin typeface="Arial" pitchFamily="34" charset="0"/>
-              </a:defRPr>
-            </a:lvl7pPr>
-            <a:lvl8pPr marL="3429000" indent="-228600" defTabSz="762000" eaLnBrk="0" fontAlgn="base" hangingPunct="0">
-              <a:spcBef>
-                <a:spcPct val="0"/>
-              </a:spcBef>
-              <a:spcAft>
-                <a:spcPct val="0"/>
-              </a:spcAft>
-              <a:defRPr sz="1600">
-                <a:solidFill>
-                  <a:schemeClr val="tx1"/>
-                </a:solidFill>
-                <a:latin typeface="Arial" pitchFamily="34" charset="0"/>
-              </a:defRPr>
-            </a:lvl8pPr>
-            <a:lvl9pPr marL="3886200" indent="-228600" defTabSz="762000" eaLnBrk="0" fontAlgn="base" hangingPunct="0">
-              <a:spcBef>
-                <a:spcPct val="0"/>
-              </a:spcBef>
-              <a:spcAft>
-                <a:spcPct val="0"/>
-              </a:spcAft>
-              <a:defRPr sz="1600">
-                <a:solidFill>
-                  <a:schemeClr val="tx1"/>
-                </a:solidFill>
-                <a:latin typeface="Arial" pitchFamily="34" charset="0"/>
-              </a:defRPr>
-            </a:lvl9pPr>
-          </a:lstStyle>
-          <a:p>
-            <a:pPr algn="ctr">
-              <a:lnSpc>
-                <a:spcPct val="150000"/>
-              </a:lnSpc>
-            </a:pPr>
-            <a:r>
-              <a:rPr lang="es-ES_tradnl" sz="2400" dirty="0">
-                <a:solidFill>
-                  <a:schemeClr val="bg2">
-                    <a:lumMod val="25000"/>
-                  </a:schemeClr>
-                </a:solidFill>
-              </a:rPr>
-              <a:t>Escribir el algoritmo y la función </a:t>
-            </a:r>
-            <a:r>
-              <a:rPr lang="es-ES_tradnl" sz="2400" b="1" dirty="0">
-                <a:solidFill>
-                  <a:srgbClr val="FF0000"/>
-                </a:solidFill>
-              </a:rPr>
-              <a:t>escribe5frase</a:t>
-            </a:r>
-            <a:r>
-              <a:rPr lang="es-ES_tradnl" sz="2400" dirty="0">
-                <a:solidFill>
-                  <a:srgbClr val="FF0000"/>
-                </a:solidFill>
-              </a:rPr>
-              <a:t>s </a:t>
-            </a:r>
-            <a:r>
-              <a:rPr lang="es-ES_tradnl" sz="2400" dirty="0">
-                <a:solidFill>
-                  <a:schemeClr val="bg2">
-                    <a:lumMod val="25000"/>
-                  </a:schemeClr>
-                </a:solidFill>
-              </a:rPr>
-              <a:t>que recibe el nombre del archivo de texto </a:t>
-            </a:r>
-            <a:r>
-              <a:rPr lang="es-ES_tradnl" sz="2400" dirty="0">
-                <a:solidFill>
-                  <a:schemeClr val="tx1">
-                    <a:lumMod val="95000"/>
-                    <a:lumOff val="5000"/>
-                  </a:schemeClr>
-                </a:solidFill>
-              </a:rPr>
-              <a:t>y </a:t>
-            </a:r>
-            <a:r>
-              <a:rPr lang="es-MX" sz="2400" dirty="0">
-                <a:solidFill>
-                  <a:schemeClr val="tx1">
-                    <a:lumMod val="95000"/>
-                    <a:lumOff val="5000"/>
-                  </a:schemeClr>
-                </a:solidFill>
-              </a:rPr>
-              <a:t>escribe cinco frases dadas por el usuario dentro de un archivo de texto.</a:t>
-            </a:r>
-            <a:endParaRPr lang="es-ES_tradnl" sz="2800" dirty="0">
-              <a:solidFill>
-                <a:schemeClr val="tx1">
-                  <a:lumMod val="95000"/>
-                  <a:lumOff val="5000"/>
-                </a:schemeClr>
-              </a:solidFill>
-            </a:endParaRPr>
-          </a:p>
-        </p:txBody>
-      </p:sp>
-      <p:sp>
-        <p:nvSpPr>
-          <p:cNvPr id="5" name="Rectangle 2"/>
-          <p:cNvSpPr>
-            <a:spLocks noChangeArrowheads="1"/>
-          </p:cNvSpPr>
-          <p:nvPr/>
-        </p:nvSpPr>
-        <p:spPr bwMode="auto">
-          <a:xfrm>
-            <a:off x="685800" y="35886"/>
-            <a:ext cx="7772400" cy="1544638"/>
-          </a:xfrm>
-          <a:prstGeom prst="rect">
-            <a:avLst/>
-          </a:prstGeom>
-          <a:noFill/>
-          <a:ln>
-            <a:noFill/>
-          </a:ln>
-          <a:effectLst/>
-          <a:extLst>
-            <a:ext uri="{909E8E84-426E-40DD-AFC4-6F175D3DCCD1}">
-              <a14:hiddenFill xmlns:a14="http://schemas.microsoft.com/office/drawing/2010/main">
-                <a:solidFill>
-                  <a:schemeClr val="accent1"/>
-                </a:solidFill>
-              </a14:hiddenFill>
-            </a:ext>
-            <a:ext uri="{91240B29-F687-4F45-9708-019B960494DF}">
-              <a14:hiddenLine xmlns:a14="http://schemas.microsoft.com/office/drawing/2010/main" w="9525">
-                <a:solidFill>
-                  <a:schemeClr val="tx1"/>
-                </a:solidFill>
-                <a:miter lim="800000"/>
-                <a:headEnd/>
-                <a:tailEnd/>
-              </a14:hiddenLine>
-            </a:ext>
-            <a:ext uri="{AF507438-7753-43E0-B8FC-AC1667EBCBE1}">
-              <a14:hiddenEffects xmlns:a14="http://schemas.microsoft.com/office/drawing/2010/main">
-                <a:effectLst>
-                  <a:outerShdw dist="35921" dir="2700000" algn="ctr" rotWithShape="0">
-                    <a:schemeClr val="bg2"/>
-                  </a:outerShdw>
-                </a:effectLst>
-              </a14:hiddenEffects>
-            </a:ext>
-          </a:extLst>
-        </p:spPr>
-        <p:txBody>
-          <a:bodyPr lIns="92075" tIns="46038" rIns="92075" bIns="46038" anchor="ctr"/>
-          <a:lstStyle/>
-          <a:p>
-            <a:pPr algn="ctr" eaLnBrk="0" hangingPunct="0">
-              <a:defRPr/>
-            </a:pPr>
-            <a:r>
-              <a:rPr lang="es-ES_tradnl" sz="4400" b="1" dirty="0">
-                <a:solidFill>
-                  <a:srgbClr val="0070C0"/>
-                </a:solidFill>
-                <a:effectLst>
-                  <a:outerShdw blurRad="38100" dist="38100" dir="2700000" algn="tl">
-                    <a:srgbClr val="C0C0C0"/>
-                  </a:outerShdw>
-                </a:effectLst>
-                <a:latin typeface="Dom Casual" charset="0"/>
-              </a:rPr>
-              <a:t>Actividad grupal</a:t>
-            </a:r>
-          </a:p>
-        </p:txBody>
-      </p:sp>
-      <p:pic>
-        <p:nvPicPr>
-          <p:cNvPr id="7" name="Picture 2">
-            <a:extLst>
-              <a:ext uri="{FF2B5EF4-FFF2-40B4-BE49-F238E27FC236}">
-                <a16:creationId xmlns:a16="http://schemas.microsoft.com/office/drawing/2014/main" id="{41423BB4-B9BD-4980-B868-87AE2DD43B6E}"/>
-              </a:ext>
-            </a:extLst>
-          </p:cNvPr>
-          <p:cNvPicPr>
-            <a:picLocks noChangeAspect="1" noChangeArrowheads="1"/>
-          </p:cNvPicPr>
-          <p:nvPr/>
-        </p:nvPicPr>
-        <p:blipFill>
-          <a:blip r:embed="rId2">
-            <a:extLst>
-              <a:ext uri="{28A0092B-C50C-407E-A947-70E740481C1C}">
-                <a14:useLocalDpi xmlns:a14="http://schemas.microsoft.com/office/drawing/2010/main" val="0"/>
-              </a:ext>
-            </a:extLst>
-          </a:blip>
-          <a:srcRect/>
-          <a:stretch>
-            <a:fillRect/>
-          </a:stretch>
-        </p:blipFill>
-        <p:spPr bwMode="auto">
-          <a:xfrm>
-            <a:off x="2771800" y="3789040"/>
-            <a:ext cx="3816424" cy="2695780"/>
-          </a:xfrm>
-          <a:prstGeom prst="rect">
-            <a:avLst/>
-          </a:prstGeom>
-          <a:noFill/>
-          <a:ln>
-            <a:noFill/>
-          </a:ln>
-          <a:extLst>
-            <a:ext uri="{909E8E84-426E-40DD-AFC4-6F175D3DCCD1}">
-              <a14:hiddenFill xmlns:a14="http://schemas.microsoft.com/office/drawing/2010/main">
-                <a:solidFill>
-                  <a:schemeClr val="accent1"/>
-                </a:solidFill>
-              </a14:hiddenFill>
-            </a:ext>
-            <a:ext uri="{91240B29-F687-4F45-9708-019B960494DF}">
-              <a14:hiddenLine xmlns:a14="http://schemas.microsoft.com/office/drawing/2010/main" w="9525">
-                <a:solidFill>
-                  <a:schemeClr val="tx1"/>
-                </a:solidFill>
-                <a:miter lim="800000"/>
-                <a:headEnd/>
-                <a:tailEnd/>
-              </a14:hiddenLine>
-            </a:ext>
-          </a:extLst>
-        </p:spPr>
-      </p:pic>
-    </p:spTree>
-    <p:extLst>
-      <p:ext uri="{BB962C8B-B14F-4D97-AF65-F5344CB8AC3E}">
-        <p14:creationId xmlns:p14="http://schemas.microsoft.com/office/powerpoint/2010/main" val="248646803"/>
-      </p:ext>
-    </p:extLst>
-  </p:cSld>
-  <p:clrMapOvr>
-    <a:masterClrMapping/>
-  </p:clrMapOvr>
-  <p:timing>
-    <p:tnLst>
-      <p:par>
-        <p:cTn id="1" dur="indefinite" restart="never" nodeType="tmRoot">
-          <p:childTnLst>
-            <p:seq concurrent="1" nextAc="seek">
-              <p:cTn id="2" dur="indefinite" nodeType="mainSeq">
-                <p:childTnLst>
-                  <p:par>
-                    <p:cTn id="3" fill="hold" nodeType="clickPar">
-                      <p:stCondLst>
-                        <p:cond delay="indefinite"/>
-                      </p:stCondLst>
-                      <p:childTnLst>
-                        <p:par>
-                          <p:cTn id="4" fill="hold" nodeType="withGroup">
-                            <p:stCondLst>
-                              <p:cond delay="0"/>
-                            </p:stCondLst>
-                            <p:childTnLst>
-                              <p:par>
-                                <p:cTn id="5" presetID="2" presetClass="entr" presetSubtype="8" fill="hold" grpId="0" nodeType="clickEffect">
-                                  <p:stCondLst>
-                                    <p:cond delay="0"/>
-                                  </p:stCondLst>
-                                  <p:childTnLst>
-                                    <p:set>
-                                      <p:cBhvr>
-                                        <p:cTn id="6" dur="1" fill="hold">
-                                          <p:stCondLst>
-                                            <p:cond delay="0"/>
-                                          </p:stCondLst>
-                                        </p:cTn>
-                                        <p:tgtEl>
-                                          <p:spTgt spid="273412"/>
-                                        </p:tgtEl>
-                                        <p:attrNameLst>
-                                          <p:attrName>style.visibility</p:attrName>
-                                        </p:attrNameLst>
-                                      </p:cBhvr>
-                                      <p:to>
-                                        <p:strVal val="visible"/>
-                                      </p:to>
-                                    </p:set>
-                                    <p:anim calcmode="lin" valueType="num">
-                                      <p:cBhvr additive="base">
-                                        <p:cTn id="7" dur="500" fill="hold"/>
-                                        <p:tgtEl>
-                                          <p:spTgt spid="273412"/>
-                                        </p:tgtEl>
-                                        <p:attrNameLst>
-                                          <p:attrName>ppt_x</p:attrName>
-                                        </p:attrNameLst>
-                                      </p:cBhvr>
-                                      <p:tavLst>
-                                        <p:tav tm="0">
-                                          <p:val>
-                                            <p:strVal val="0-#ppt_w/2"/>
-                                          </p:val>
-                                        </p:tav>
-                                        <p:tav tm="100000">
-                                          <p:val>
-                                            <p:strVal val="#ppt_x"/>
-                                          </p:val>
-                                        </p:tav>
-                                      </p:tavLst>
-                                    </p:anim>
-                                    <p:anim calcmode="lin" valueType="num">
-                                      <p:cBhvr additive="base">
-                                        <p:cTn id="8" dur="500" fill="hold"/>
-                                        <p:tgtEl>
-                                          <p:spTgt spid="273412"/>
-                                        </p:tgtEl>
-                                        <p:attrNameLst>
-                                          <p:attrName>ppt_y</p:attrName>
-                                        </p:attrNameLst>
-                                      </p:cBhvr>
-                                      <p:tavLst>
-                                        <p:tav tm="0">
-                                          <p:val>
-                                            <p:strVal val="#ppt_y"/>
-                                          </p:val>
-                                        </p:tav>
-                                        <p:tav tm="100000">
-                                          <p:val>
-                                            <p:strVal val="#ppt_y"/>
-                                          </p:val>
-                                        </p:tav>
-                                      </p:tavLst>
-                                    </p:anim>
-                                  </p:childTnLst>
-                                </p:cTn>
-                              </p:par>
-                            </p:childTnLst>
-                          </p:cTn>
-                        </p:par>
-                      </p:childTnLst>
-                    </p:cTn>
-                  </p:par>
-                </p:childTnLst>
-              </p:cTn>
-              <p:prevCondLst>
-                <p:cond evt="onPrev" delay="0">
-                  <p:tgtEl>
-                    <p:sldTgt/>
-                  </p:tgtEl>
-                </p:cond>
-              </p:prevCondLst>
-              <p:nextCondLst>
-                <p:cond evt="onNext" delay="0">
-                  <p:tgtEl>
-                    <p:sldTgt/>
-                  </p:tgtEl>
-                </p:cond>
-              </p:nextCondLst>
-            </p:seq>
-          </p:childTnLst>
-        </p:cTn>
-      </p:par>
-    </p:tnLst>
-    <p:bldLst>
-      <p:bldP spid="273412" grpId="0" autoUpdateAnimBg="0"/>
-    </p:bldLst>
-  </p:timing>
-</p:sld>
-</file>
-
-<file path=ppt/slides/slide22.xml><?xml version="1.0" encoding="utf-8"?>
-<p:sld xmlns:a="http://schemas.openxmlformats.org/drawingml/2006/main" xmlns:r="http://schemas.openxmlformats.org/officeDocument/2006/relationships" xmlns:p="http://schemas.openxmlformats.org/presentationml/2006/main">
-  <p:cSld>
-    <p:spTree>
-      <p:nvGrpSpPr>
-        <p:cNvPr id="1" name=""/>
-        <p:cNvGrpSpPr/>
-        <p:nvPr/>
-      </p:nvGrpSpPr>
-      <p:grpSpPr>
-        <a:xfrm>
-          <a:off x="0" y="0"/>
-          <a:ext cx="0" cy="0"/>
-          <a:chOff x="0" y="0"/>
-          <a:chExt cx="0" cy="0"/>
-        </a:xfrm>
-      </p:grpSpPr>
-      <p:sp>
-        <p:nvSpPr>
-          <p:cNvPr id="267267" name="Rectangle 3"/>
-          <p:cNvSpPr>
-            <a:spLocks noChangeArrowheads="1"/>
-          </p:cNvSpPr>
-          <p:nvPr/>
-        </p:nvSpPr>
-        <p:spPr bwMode="auto">
-          <a:xfrm>
-            <a:off x="1403648" y="1340768"/>
-            <a:ext cx="6822367" cy="4976428"/>
-          </a:xfrm>
-          <a:prstGeom prst="rect">
-            <a:avLst/>
-          </a:prstGeom>
-          <a:noFill/>
-          <a:ln>
-            <a:noFill/>
-          </a:ln>
-          <a:effectLst/>
-          <a:extLst>
-            <a:ext uri="{909E8E84-426E-40DD-AFC4-6F175D3DCCD1}">
-              <a14:hiddenFill xmlns:a14="http://schemas.microsoft.com/office/drawing/2010/main">
-                <a:solidFill>
-                  <a:schemeClr val="accent1"/>
-                </a:solidFill>
-              </a14:hiddenFill>
-            </a:ext>
-            <a:ext uri="{91240B29-F687-4F45-9708-019B960494DF}">
-              <a14:hiddenLine xmlns:a14="http://schemas.microsoft.com/office/drawing/2010/main" w="9525">
-                <a:solidFill>
-                  <a:schemeClr val="tx1"/>
-                </a:solidFill>
-                <a:miter lim="800000"/>
-                <a:headEnd/>
-                <a:tailEnd/>
-              </a14:hiddenLine>
-            </a:ext>
-            <a:ext uri="{AF507438-7753-43E0-B8FC-AC1667EBCBE1}">
-              <a14:hiddenEffects xmlns:a14="http://schemas.microsoft.com/office/drawing/2010/main">
-                <a:effectLst>
-                  <a:outerShdw dist="35921" dir="2700000" algn="ctr" rotWithShape="0">
-                    <a:schemeClr val="bg2"/>
-                  </a:outerShdw>
-                </a:effectLst>
-              </a14:hiddenEffects>
-            </a:ext>
-          </a:extLst>
-        </p:spPr>
-        <p:txBody>
-          <a:bodyPr wrap="square" lIns="92075" tIns="46038" rIns="92075" bIns="46038">
-            <a:spAutoFit/>
-          </a:bodyPr>
-          <a:lstStyle/>
-          <a:p>
-            <a:pPr>
-              <a:lnSpc>
-                <a:spcPts val="3500"/>
-              </a:lnSpc>
-            </a:pPr>
-            <a:r>
-              <a:rPr lang="es-ES" sz="2000" b="1" dirty="0" err="1">
-                <a:solidFill>
-                  <a:schemeClr val="tx1">
-                    <a:lumMod val="95000"/>
-                    <a:lumOff val="5000"/>
-                  </a:schemeClr>
-                </a:solidFill>
-                <a:latin typeface="Arial" pitchFamily="34" charset="0"/>
-                <a:cs typeface="Arial" pitchFamily="34" charset="0"/>
-              </a:rPr>
-              <a:t>def</a:t>
-            </a:r>
-            <a:r>
-              <a:rPr lang="es-ES" sz="2000" b="1" dirty="0">
-                <a:solidFill>
-                  <a:schemeClr val="tx1">
-                    <a:lumMod val="95000"/>
-                    <a:lumOff val="5000"/>
-                  </a:schemeClr>
-                </a:solidFill>
-                <a:latin typeface="Arial" pitchFamily="34" charset="0"/>
-                <a:cs typeface="Arial" pitchFamily="34" charset="0"/>
-              </a:rPr>
-              <a:t> </a:t>
-            </a:r>
-            <a:r>
-              <a:rPr lang="es-ES" sz="2000" b="1" dirty="0">
-                <a:solidFill>
-                  <a:schemeClr val="accent6">
-                    <a:lumMod val="75000"/>
-                  </a:schemeClr>
-                </a:solidFill>
-                <a:latin typeface="Arial" pitchFamily="34" charset="0"/>
-                <a:cs typeface="Arial" pitchFamily="34" charset="0"/>
-              </a:rPr>
-              <a:t>escribe5frases</a:t>
-            </a:r>
-            <a:r>
-              <a:rPr lang="es-ES" sz="2000" b="1" dirty="0">
-                <a:solidFill>
-                  <a:schemeClr val="tx1">
-                    <a:lumMod val="95000"/>
-                    <a:lumOff val="5000"/>
-                  </a:schemeClr>
-                </a:solidFill>
-                <a:latin typeface="Arial" pitchFamily="34" charset="0"/>
-                <a:cs typeface="Arial" pitchFamily="34" charset="0"/>
-              </a:rPr>
-              <a:t>(nombre):</a:t>
-            </a:r>
-          </a:p>
-          <a:p>
-            <a:pPr>
-              <a:lnSpc>
-                <a:spcPts val="3500"/>
-              </a:lnSpc>
-            </a:pPr>
-            <a:r>
-              <a:rPr lang="es-ES" sz="2000" b="1" dirty="0">
-                <a:solidFill>
-                  <a:schemeClr val="tx1">
-                    <a:lumMod val="95000"/>
-                    <a:lumOff val="5000"/>
-                  </a:schemeClr>
-                </a:solidFill>
-                <a:latin typeface="Arial" pitchFamily="34" charset="0"/>
-                <a:cs typeface="Arial" pitchFamily="34" charset="0"/>
-              </a:rPr>
-              <a:t>    </a:t>
-            </a:r>
-            <a:r>
-              <a:rPr lang="es-ES" sz="2000" dirty="0">
-                <a:solidFill>
-                  <a:schemeClr val="tx1">
-                    <a:lumMod val="95000"/>
-                    <a:lumOff val="5000"/>
-                  </a:schemeClr>
-                </a:solidFill>
-                <a:latin typeface="Arial" pitchFamily="34" charset="0"/>
-                <a:cs typeface="Arial" pitchFamily="34" charset="0"/>
-              </a:rPr>
-              <a:t>Abrir el archivo de texto en modo de lectura y escritura</a:t>
-            </a:r>
-          </a:p>
-          <a:p>
-            <a:pPr>
-              <a:lnSpc>
-                <a:spcPts val="3500"/>
-              </a:lnSpc>
-            </a:pPr>
-            <a:r>
-              <a:rPr lang="es-ES" sz="2000" dirty="0">
-                <a:solidFill>
-                  <a:schemeClr val="tx1">
-                    <a:lumMod val="95000"/>
-                    <a:lumOff val="5000"/>
-                  </a:schemeClr>
-                </a:solidFill>
-                <a:latin typeface="Arial" pitchFamily="34" charset="0"/>
-                <a:cs typeface="Arial" pitchFamily="34" charset="0"/>
-              </a:rPr>
-              <a:t>    i = 1</a:t>
-            </a:r>
-          </a:p>
-          <a:p>
-            <a:pPr>
-              <a:lnSpc>
-                <a:spcPts val="3500"/>
-              </a:lnSpc>
-            </a:pPr>
-            <a:r>
-              <a:rPr lang="es-ES" sz="2000" dirty="0">
-                <a:solidFill>
-                  <a:schemeClr val="tx1">
-                    <a:lumMod val="95000"/>
-                    <a:lumOff val="5000"/>
-                  </a:schemeClr>
-                </a:solidFill>
-                <a:latin typeface="Arial" pitchFamily="34" charset="0"/>
-                <a:cs typeface="Arial" pitchFamily="34" charset="0"/>
-              </a:rPr>
-              <a:t>    mientras i &lt;= 5:</a:t>
-            </a:r>
-          </a:p>
-          <a:p>
-            <a:pPr>
-              <a:lnSpc>
-                <a:spcPts val="3500"/>
-              </a:lnSpc>
-            </a:pPr>
-            <a:r>
-              <a:rPr lang="es-ES" sz="2000" dirty="0">
-                <a:solidFill>
-                  <a:schemeClr val="tx1">
-                    <a:lumMod val="95000"/>
-                    <a:lumOff val="5000"/>
-                  </a:schemeClr>
-                </a:solidFill>
-                <a:latin typeface="Arial" pitchFamily="34" charset="0"/>
-                <a:cs typeface="Arial" pitchFamily="34" charset="0"/>
-              </a:rPr>
-              <a:t>         Pedir una </a:t>
-            </a:r>
-            <a:r>
-              <a:rPr lang="en-US" sz="2000" dirty="0" err="1">
-                <a:solidFill>
-                  <a:schemeClr val="tx1">
-                    <a:lumMod val="95000"/>
-                    <a:lumOff val="5000"/>
-                  </a:schemeClr>
-                </a:solidFill>
-                <a:latin typeface="Arial" pitchFamily="34" charset="0"/>
-                <a:cs typeface="Arial" pitchFamily="34" charset="0"/>
-              </a:rPr>
-              <a:t>frase</a:t>
-            </a:r>
-            <a:endParaRPr lang="en-US" sz="2000" dirty="0">
-              <a:solidFill>
-                <a:schemeClr val="tx1">
-                  <a:lumMod val="95000"/>
-                  <a:lumOff val="5000"/>
-                </a:schemeClr>
-              </a:solidFill>
-              <a:latin typeface="Arial" pitchFamily="34" charset="0"/>
-              <a:cs typeface="Arial" pitchFamily="34" charset="0"/>
-            </a:endParaRPr>
-          </a:p>
-          <a:p>
-            <a:pPr>
-              <a:lnSpc>
-                <a:spcPts val="3500"/>
-              </a:lnSpc>
-            </a:pPr>
-            <a:r>
-              <a:rPr lang="en-US" sz="2000" dirty="0">
-                <a:solidFill>
-                  <a:schemeClr val="tx1">
-                    <a:lumMod val="95000"/>
-                    <a:lumOff val="5000"/>
-                  </a:schemeClr>
-                </a:solidFill>
-                <a:latin typeface="Arial" pitchFamily="34" charset="0"/>
-                <a:cs typeface="Arial" pitchFamily="34" charset="0"/>
-              </a:rPr>
-              <a:t>         </a:t>
-            </a:r>
-            <a:r>
-              <a:rPr lang="en-US" sz="2000" dirty="0" err="1">
-                <a:solidFill>
-                  <a:schemeClr val="tx1">
-                    <a:lumMod val="95000"/>
-                    <a:lumOff val="5000"/>
-                  </a:schemeClr>
-                </a:solidFill>
-                <a:latin typeface="Arial" pitchFamily="34" charset="0"/>
-                <a:cs typeface="Arial" pitchFamily="34" charset="0"/>
-              </a:rPr>
-              <a:t>Escribir</a:t>
-            </a:r>
-            <a:r>
-              <a:rPr lang="en-US" sz="2000" dirty="0">
-                <a:solidFill>
-                  <a:schemeClr val="tx1">
-                    <a:lumMod val="95000"/>
-                    <a:lumOff val="5000"/>
-                  </a:schemeClr>
-                </a:solidFill>
-                <a:latin typeface="Arial" pitchFamily="34" charset="0"/>
-                <a:cs typeface="Arial" pitchFamily="34" charset="0"/>
-              </a:rPr>
-              <a:t> la </a:t>
-            </a:r>
-            <a:r>
-              <a:rPr lang="en-US" sz="2000" dirty="0" err="1">
-                <a:solidFill>
-                  <a:schemeClr val="tx1">
-                    <a:lumMod val="95000"/>
-                    <a:lumOff val="5000"/>
-                  </a:schemeClr>
-                </a:solidFill>
-                <a:latin typeface="Arial" pitchFamily="34" charset="0"/>
-                <a:cs typeface="Arial" pitchFamily="34" charset="0"/>
-              </a:rPr>
-              <a:t>frase</a:t>
-            </a:r>
-            <a:r>
-              <a:rPr lang="en-US" sz="2000" dirty="0">
-                <a:solidFill>
-                  <a:schemeClr val="tx1">
-                    <a:lumMod val="95000"/>
-                    <a:lumOff val="5000"/>
-                  </a:schemeClr>
-                </a:solidFill>
-                <a:latin typeface="Arial" pitchFamily="34" charset="0"/>
-                <a:cs typeface="Arial" pitchFamily="34" charset="0"/>
-              </a:rPr>
-              <a:t> </a:t>
-            </a:r>
-            <a:r>
-              <a:rPr lang="en-US" sz="2000" dirty="0" err="1">
-                <a:solidFill>
-                  <a:schemeClr val="tx1">
-                    <a:lumMod val="95000"/>
-                    <a:lumOff val="5000"/>
-                  </a:schemeClr>
-                </a:solidFill>
-                <a:latin typeface="Arial" pitchFamily="34" charset="0"/>
-                <a:cs typeface="Arial" pitchFamily="34" charset="0"/>
-              </a:rPr>
-              <a:t>en</a:t>
-            </a:r>
-            <a:r>
-              <a:rPr lang="en-US" sz="2000" dirty="0">
-                <a:solidFill>
-                  <a:schemeClr val="tx1">
-                    <a:lumMod val="95000"/>
-                    <a:lumOff val="5000"/>
-                  </a:schemeClr>
-                </a:solidFill>
-                <a:latin typeface="Arial" pitchFamily="34" charset="0"/>
-                <a:cs typeface="Arial" pitchFamily="34" charset="0"/>
-              </a:rPr>
-              <a:t> el </a:t>
-            </a:r>
-            <a:r>
-              <a:rPr lang="en-US" sz="2000" dirty="0" err="1">
-                <a:solidFill>
-                  <a:schemeClr val="tx1">
-                    <a:lumMod val="95000"/>
-                    <a:lumOff val="5000"/>
-                  </a:schemeClr>
-                </a:solidFill>
-                <a:latin typeface="Arial" pitchFamily="34" charset="0"/>
-                <a:cs typeface="Arial" pitchFamily="34" charset="0"/>
-              </a:rPr>
-              <a:t>archivo</a:t>
-            </a:r>
-            <a:r>
-              <a:rPr lang="en-US" sz="2000" dirty="0">
-                <a:solidFill>
-                  <a:schemeClr val="tx1">
-                    <a:lumMod val="95000"/>
-                    <a:lumOff val="5000"/>
-                  </a:schemeClr>
-                </a:solidFill>
-                <a:latin typeface="Arial" pitchFamily="34" charset="0"/>
-                <a:cs typeface="Arial" pitchFamily="34" charset="0"/>
-              </a:rPr>
-              <a:t> de </a:t>
-            </a:r>
-            <a:r>
-              <a:rPr lang="en-US" sz="2000" dirty="0" err="1">
-                <a:solidFill>
-                  <a:schemeClr val="tx1">
-                    <a:lumMod val="95000"/>
-                    <a:lumOff val="5000"/>
-                  </a:schemeClr>
-                </a:solidFill>
-                <a:latin typeface="Arial" pitchFamily="34" charset="0"/>
-                <a:cs typeface="Arial" pitchFamily="34" charset="0"/>
-              </a:rPr>
-              <a:t>texto</a:t>
-            </a:r>
-            <a:endParaRPr lang="en-US" sz="2000" dirty="0">
-              <a:solidFill>
-                <a:schemeClr val="tx1">
-                  <a:lumMod val="95000"/>
-                  <a:lumOff val="5000"/>
-                </a:schemeClr>
-              </a:solidFill>
-              <a:latin typeface="Arial" pitchFamily="34" charset="0"/>
-              <a:cs typeface="Arial" pitchFamily="34" charset="0"/>
-            </a:endParaRPr>
-          </a:p>
-          <a:p>
-            <a:pPr>
-              <a:lnSpc>
-                <a:spcPts val="3500"/>
-              </a:lnSpc>
-            </a:pPr>
-            <a:r>
-              <a:rPr lang="es-ES" sz="2000" dirty="0">
-                <a:solidFill>
-                  <a:schemeClr val="tx1">
-                    <a:lumMod val="95000"/>
-                    <a:lumOff val="5000"/>
-                  </a:schemeClr>
-                </a:solidFill>
-                <a:latin typeface="Arial" pitchFamily="34" charset="0"/>
-                <a:cs typeface="Arial" pitchFamily="34" charset="0"/>
-              </a:rPr>
-              <a:t>          i = i + 1</a:t>
-            </a:r>
-          </a:p>
-          <a:p>
-            <a:pPr>
-              <a:lnSpc>
-                <a:spcPts val="3500"/>
-              </a:lnSpc>
-            </a:pPr>
-            <a:r>
-              <a:rPr lang="es-ES" sz="2000" dirty="0">
-                <a:solidFill>
-                  <a:schemeClr val="tx1">
-                    <a:lumMod val="95000"/>
-                    <a:lumOff val="5000"/>
-                  </a:schemeClr>
-                </a:solidFill>
-                <a:latin typeface="Arial" pitchFamily="34" charset="0"/>
-                <a:cs typeface="Arial" pitchFamily="34" charset="0"/>
-              </a:rPr>
-              <a:t>    cerrar(archivo)</a:t>
-            </a:r>
-          </a:p>
-          <a:p>
-            <a:pPr>
-              <a:lnSpc>
-                <a:spcPts val="3500"/>
-              </a:lnSpc>
-            </a:pPr>
-            <a:endParaRPr lang="es-ES" sz="2000" b="1" dirty="0">
-              <a:solidFill>
-                <a:schemeClr val="tx1">
-                  <a:lumMod val="95000"/>
-                  <a:lumOff val="5000"/>
-                </a:schemeClr>
-              </a:solidFill>
-              <a:latin typeface="Arial" pitchFamily="34" charset="0"/>
-              <a:cs typeface="Arial" pitchFamily="34" charset="0"/>
-            </a:endParaRPr>
-          </a:p>
-          <a:p>
-            <a:pPr>
-              <a:lnSpc>
-                <a:spcPts val="3500"/>
-              </a:lnSpc>
-            </a:pPr>
-            <a:r>
-              <a:rPr lang="es-ES" sz="2000" b="1" dirty="0">
-                <a:solidFill>
-                  <a:schemeClr val="bg2">
-                    <a:lumMod val="25000"/>
-                  </a:schemeClr>
-                </a:solidFill>
-                <a:latin typeface="Arial" pitchFamily="34" charset="0"/>
-                <a:cs typeface="Arial" pitchFamily="34" charset="0"/>
-              </a:rPr>
-              <a:t>Pedir el </a:t>
-            </a:r>
-            <a:r>
-              <a:rPr lang="es-ES" sz="2000" b="1" dirty="0">
-                <a:solidFill>
-                  <a:schemeClr val="accent6">
-                    <a:lumMod val="75000"/>
-                  </a:schemeClr>
-                </a:solidFill>
-                <a:latin typeface="Arial" pitchFamily="34" charset="0"/>
-                <a:cs typeface="Arial" pitchFamily="34" charset="0"/>
-              </a:rPr>
-              <a:t>nombre</a:t>
-            </a:r>
-            <a:r>
-              <a:rPr lang="es-ES" sz="2000" b="1" dirty="0">
-                <a:solidFill>
-                  <a:schemeClr val="bg2">
-                    <a:lumMod val="25000"/>
-                  </a:schemeClr>
-                </a:solidFill>
-                <a:latin typeface="Arial" pitchFamily="34" charset="0"/>
-                <a:cs typeface="Arial" pitchFamily="34" charset="0"/>
-              </a:rPr>
-              <a:t> del archivo</a:t>
-            </a:r>
-          </a:p>
-          <a:p>
-            <a:pPr>
-              <a:lnSpc>
-                <a:spcPts val="3500"/>
-              </a:lnSpc>
-            </a:pPr>
-            <a:r>
-              <a:rPr lang="es-ES" sz="2000" b="1" dirty="0">
-                <a:solidFill>
-                  <a:srgbClr val="0070C0"/>
-                </a:solidFill>
-                <a:latin typeface="Arial" pitchFamily="34" charset="0"/>
-                <a:cs typeface="Arial" pitchFamily="34" charset="0"/>
-              </a:rPr>
-              <a:t>escribir5frases</a:t>
-            </a:r>
-            <a:r>
-              <a:rPr lang="es-ES" sz="2000" b="1" dirty="0">
-                <a:solidFill>
-                  <a:schemeClr val="bg2">
-                    <a:lumMod val="25000"/>
-                  </a:schemeClr>
-                </a:solidFill>
-                <a:latin typeface="Arial" pitchFamily="34" charset="0"/>
-                <a:cs typeface="Arial" pitchFamily="34" charset="0"/>
-              </a:rPr>
-              <a:t>(</a:t>
-            </a:r>
-            <a:r>
-              <a:rPr lang="es-ES" sz="2000" b="1" dirty="0">
-                <a:solidFill>
-                  <a:schemeClr val="accent6">
-                    <a:lumMod val="75000"/>
-                  </a:schemeClr>
-                </a:solidFill>
-                <a:latin typeface="Arial" pitchFamily="34" charset="0"/>
-                <a:cs typeface="Arial" pitchFamily="34" charset="0"/>
-              </a:rPr>
-              <a:t>nombre</a:t>
-            </a:r>
-            <a:r>
-              <a:rPr lang="es-ES" sz="2000" b="1" dirty="0">
-                <a:solidFill>
-                  <a:schemeClr val="bg2">
-                    <a:lumMod val="25000"/>
-                  </a:schemeClr>
-                </a:solidFill>
-                <a:latin typeface="Arial" pitchFamily="34" charset="0"/>
-                <a:cs typeface="Arial" pitchFamily="34" charset="0"/>
-              </a:rPr>
-              <a:t>)</a:t>
-            </a:r>
-            <a:endParaRPr lang="es-ES" sz="2000" b="1" dirty="0">
-              <a:solidFill>
-                <a:schemeClr val="tx1">
-                  <a:lumMod val="95000"/>
-                  <a:lumOff val="5000"/>
-                </a:schemeClr>
-              </a:solidFill>
-              <a:latin typeface="Arial" pitchFamily="34" charset="0"/>
-              <a:cs typeface="Arial" pitchFamily="34" charset="0"/>
-            </a:endParaRPr>
-          </a:p>
-        </p:txBody>
-      </p:sp>
-      <p:sp>
-        <p:nvSpPr>
-          <p:cNvPr id="5" name="Rectangle 2"/>
-          <p:cNvSpPr>
-            <a:spLocks noChangeArrowheads="1"/>
-          </p:cNvSpPr>
-          <p:nvPr/>
-        </p:nvSpPr>
-        <p:spPr bwMode="auto">
-          <a:xfrm>
-            <a:off x="0" y="50428"/>
-            <a:ext cx="9144000" cy="1143000"/>
-          </a:xfrm>
-          <a:prstGeom prst="rect">
-            <a:avLst/>
-          </a:prstGeom>
-          <a:noFill/>
-          <a:ln>
-            <a:noFill/>
-          </a:ln>
-          <a:effectLst/>
-          <a:extLst>
-            <a:ext uri="{909E8E84-426E-40DD-AFC4-6F175D3DCCD1}">
-              <a14:hiddenFill xmlns:a14="http://schemas.microsoft.com/office/drawing/2010/main">
-                <a:solidFill>
-                  <a:schemeClr val="accent1"/>
-                </a:solidFill>
-              </a14:hiddenFill>
-            </a:ext>
-            <a:ext uri="{91240B29-F687-4F45-9708-019B960494DF}">
-              <a14:hiddenLine xmlns:a14="http://schemas.microsoft.com/office/drawing/2010/main" w="9525">
-                <a:solidFill>
-                  <a:schemeClr val="tx1"/>
-                </a:solidFill>
-                <a:miter lim="800000"/>
-                <a:headEnd/>
-                <a:tailEnd/>
-              </a14:hiddenLine>
-            </a:ext>
-            <a:ext uri="{AF507438-7753-43E0-B8FC-AC1667EBCBE1}">
-              <a14:hiddenEffects xmlns:a14="http://schemas.microsoft.com/office/drawing/2010/main">
-                <a:effectLst>
-                  <a:outerShdw dist="35921" dir="2700000" algn="ctr" rotWithShape="0">
-                    <a:schemeClr val="bg2"/>
-                  </a:outerShdw>
-                </a:effectLst>
-              </a14:hiddenEffects>
-            </a:ext>
-          </a:extLst>
-        </p:spPr>
-        <p:txBody>
-          <a:bodyPr lIns="92075" tIns="46038" rIns="92075" bIns="46038" anchor="ctr"/>
-          <a:lstStyle/>
-          <a:p>
-            <a:pPr algn="ctr" eaLnBrk="0" hangingPunct="0">
-              <a:defRPr/>
-            </a:pPr>
-            <a:r>
-              <a:rPr lang="es-ES_tradnl" sz="4400" b="1" dirty="0">
-                <a:solidFill>
-                  <a:schemeClr val="accent4">
-                    <a:lumMod val="50000"/>
-                  </a:schemeClr>
-                </a:solidFill>
-                <a:effectLst>
-                  <a:outerShdw blurRad="38100" dist="38100" dir="2700000" algn="tl">
-                    <a:srgbClr val="C0C0C0"/>
-                  </a:outerShdw>
-                </a:effectLst>
-              </a:rPr>
-              <a:t>Algoritmo: Escribir cinco frases</a:t>
-            </a:r>
-          </a:p>
-        </p:txBody>
-      </p:sp>
-      <p:pic>
-        <p:nvPicPr>
-          <p:cNvPr id="7" name="1 Imagen">
-            <a:extLst>
-              <a:ext uri="{FF2B5EF4-FFF2-40B4-BE49-F238E27FC236}">
-                <a16:creationId xmlns:a16="http://schemas.microsoft.com/office/drawing/2014/main" id="{97887190-547B-4F12-BBEE-31A5731A7080}"/>
-              </a:ext>
-            </a:extLst>
-          </p:cNvPr>
-          <p:cNvPicPr>
-            <a:picLocks noChangeAspect="1"/>
-          </p:cNvPicPr>
-          <p:nvPr/>
-        </p:nvPicPr>
-        <p:blipFill>
-          <a:blip r:embed="rId3">
-            <a:extLst>
-              <a:ext uri="{28A0092B-C50C-407E-A947-70E740481C1C}">
-                <a14:useLocalDpi xmlns:a14="http://schemas.microsoft.com/office/drawing/2010/main" val="0"/>
-              </a:ext>
-            </a:extLst>
-          </a:blip>
-          <a:stretch>
-            <a:fillRect/>
-          </a:stretch>
-        </p:blipFill>
-        <p:spPr>
-          <a:xfrm>
-            <a:off x="6372200" y="4663577"/>
-            <a:ext cx="1781807" cy="1653619"/>
-          </a:xfrm>
-          <a:prstGeom prst="rect">
-            <a:avLst/>
-          </a:prstGeom>
-        </p:spPr>
-      </p:pic>
-    </p:spTree>
-    <p:extLst>
-      <p:ext uri="{BB962C8B-B14F-4D97-AF65-F5344CB8AC3E}">
-        <p14:creationId xmlns:p14="http://schemas.microsoft.com/office/powerpoint/2010/main" val="2846678764"/>
-      </p:ext>
-    </p:extLst>
-  </p:cSld>
-  <p:clrMapOvr>
-    <a:masterClrMapping/>
-  </p:clrMapOvr>
-  <p:timing>
-    <p:tnLst>
-      <p:par>
-        <p:cTn id="1" dur="indefinite" restart="never" nodeType="tmRoot">
-          <p:childTnLst>
-            <p:seq concurrent="1" nextAc="seek">
-              <p:cTn id="2" dur="indefinite" nodeType="mainSeq">
-                <p:childTnLst>
-                  <p:par>
-                    <p:cTn id="3" fill="hold" nodeType="clickPar">
-                      <p:stCondLst>
-                        <p:cond delay="indefinite"/>
-                      </p:stCondLst>
-                      <p:childTnLst>
-                        <p:par>
-                          <p:cTn id="4" fill="hold" nodeType="withGroup">
-                            <p:stCondLst>
-                              <p:cond delay="0"/>
-                            </p:stCondLst>
-                            <p:childTnLst>
-                              <p:par>
-                                <p:cTn id="5" presetID="2" presetClass="entr" presetSubtype="6" fill="hold" grpId="0" nodeType="clickEffect">
-                                  <p:stCondLst>
-                                    <p:cond delay="0"/>
-                                  </p:stCondLst>
-                                  <p:childTnLst>
-                                    <p:set>
-                                      <p:cBhvr>
-                                        <p:cTn id="6" dur="1" fill="hold">
-                                          <p:stCondLst>
-                                            <p:cond delay="0"/>
-                                          </p:stCondLst>
-                                        </p:cTn>
-                                        <p:tgtEl>
-                                          <p:spTgt spid="267267"/>
-                                        </p:tgtEl>
-                                        <p:attrNameLst>
-                                          <p:attrName>style.visibility</p:attrName>
-                                        </p:attrNameLst>
-                                      </p:cBhvr>
-                                      <p:to>
-                                        <p:strVal val="visible"/>
-                                      </p:to>
-                                    </p:set>
-                                    <p:anim calcmode="lin" valueType="num">
-                                      <p:cBhvr additive="base">
-                                        <p:cTn id="7" dur="500" fill="hold"/>
-                                        <p:tgtEl>
-                                          <p:spTgt spid="267267"/>
-                                        </p:tgtEl>
-                                        <p:attrNameLst>
-                                          <p:attrName>ppt_x</p:attrName>
-                                        </p:attrNameLst>
-                                      </p:cBhvr>
-                                      <p:tavLst>
-                                        <p:tav tm="0">
-                                          <p:val>
-                                            <p:strVal val="1+#ppt_w/2"/>
-                                          </p:val>
-                                        </p:tav>
-                                        <p:tav tm="100000">
-                                          <p:val>
-                                            <p:strVal val="#ppt_x"/>
-                                          </p:val>
-                                        </p:tav>
-                                      </p:tavLst>
-                                    </p:anim>
-                                    <p:anim calcmode="lin" valueType="num">
-                                      <p:cBhvr additive="base">
-                                        <p:cTn id="8" dur="500" fill="hold"/>
-                                        <p:tgtEl>
-                                          <p:spTgt spid="267267"/>
-                                        </p:tgtEl>
-                                        <p:attrNameLst>
-                                          <p:attrName>ppt_y</p:attrName>
-                                        </p:attrNameLst>
-                                      </p:cBhvr>
-                                      <p:tavLst>
-                                        <p:tav tm="0">
-                                          <p:val>
-                                            <p:strVal val="1+#ppt_h/2"/>
-                                          </p:val>
-                                        </p:tav>
-                                        <p:tav tm="100000">
-                                          <p:val>
-                                            <p:strVal val="#ppt_y"/>
-                                          </p:val>
-                                        </p:tav>
-                                      </p:tavLst>
-                                    </p:anim>
-                                  </p:childTnLst>
-                                </p:cTn>
-                              </p:par>
-                            </p:childTnLst>
-                          </p:cTn>
-                        </p:par>
-                      </p:childTnLst>
-                    </p:cTn>
-                  </p:par>
-                </p:childTnLst>
-              </p:cTn>
-              <p:prevCondLst>
-                <p:cond evt="onPrev" delay="0">
-                  <p:tgtEl>
-                    <p:sldTgt/>
-                  </p:tgtEl>
-                </p:cond>
-              </p:prevCondLst>
-              <p:nextCondLst>
-                <p:cond evt="onNext" delay="0">
-                  <p:tgtEl>
-                    <p:sldTgt/>
-                  </p:tgtEl>
-                </p:cond>
-              </p:nextCondLst>
-            </p:seq>
-          </p:childTnLst>
-        </p:cTn>
-      </p:par>
-    </p:tnLst>
-    <p:bldLst>
-      <p:bldP spid="267267" grpId="0" autoUpdateAnimBg="0"/>
-    </p:bldLst>
-  </p:timing>
-</p:sld>
-</file>
-
-<file path=ppt/slides/slide23.xml><?xml version="1.0" encoding="utf-8"?>
-<p:sld xmlns:a="http://schemas.openxmlformats.org/drawingml/2006/main" xmlns:r="http://schemas.openxmlformats.org/officeDocument/2006/relationships" xmlns:p="http://schemas.openxmlformats.org/presentationml/2006/main">
-  <p:cSld>
-    <p:spTree>
-      <p:nvGrpSpPr>
-        <p:cNvPr id="1" name=""/>
-        <p:cNvGrpSpPr/>
-        <p:nvPr/>
-      </p:nvGrpSpPr>
-      <p:grpSpPr>
-        <a:xfrm>
-          <a:off x="0" y="0"/>
-          <a:ext cx="0" cy="0"/>
-          <a:chOff x="0" y="0"/>
-          <a:chExt cx="0" cy="0"/>
-        </a:xfrm>
-      </p:grpSpPr>
-      <p:sp>
-        <p:nvSpPr>
           <p:cNvPr id="13" name="Rectangle 2"/>
           <p:cNvSpPr>
             <a:spLocks noChangeArrowheads="1"/>
@@ -16527,8 +14952,8 @@
         </p:nvSpPr>
         <p:spPr>
           <a:xfrm>
-            <a:off x="753277" y="1700808"/>
-            <a:ext cx="8424936" cy="4351319"/>
+            <a:off x="395536" y="1289143"/>
+            <a:ext cx="8640441" cy="4603824"/>
           </a:xfrm>
           <a:prstGeom prst="rect">
             <a:avLst/>
@@ -16546,7 +14971,7 @@
               </a:lnSpc>
             </a:pPr>
             <a:r>
-              <a:rPr lang="en-US" sz="2400" b="1" dirty="0">
+              <a:rPr lang="en-US" sz="2200" b="1" dirty="0">
                 <a:solidFill>
                   <a:schemeClr val="tx1">
                     <a:lumMod val="95000"/>
@@ -16559,17 +14984,17 @@
               <a:t>def </a:t>
             </a:r>
             <a:r>
-              <a:rPr lang="en-US" sz="2400" b="1" dirty="0">
-                <a:solidFill>
-                  <a:srgbClr val="0070C0"/>
+              <a:rPr lang="en-US" sz="2200" b="1" dirty="0">
+                <a:solidFill>
+                  <a:srgbClr val="FF0000"/>
                 </a:solidFill>
                 <a:latin typeface="Arial" panose="020B0604020202020204" pitchFamily="34" charset="0"/>
                 <a:cs typeface="Arial" pitchFamily="34" charset="0"/>
               </a:rPr>
-              <a:t>escribe5frases</a:t>
-            </a:r>
-            <a:r>
-              <a:rPr lang="en-US" sz="2400" b="1" dirty="0">
+              <a:t>escribe_5_frases</a:t>
+            </a:r>
+            <a:r>
+              <a:rPr lang="en-US" sz="2200" b="1" dirty="0">
                 <a:solidFill>
                   <a:schemeClr val="tx1">
                     <a:lumMod val="95000"/>
@@ -16582,7 +15007,7 @@
               <a:t>(</a:t>
             </a:r>
             <a:r>
-              <a:rPr lang="en-US" sz="2400" b="1" dirty="0" err="1">
+              <a:rPr lang="en-US" sz="2200" b="1" dirty="0" err="1">
                 <a:solidFill>
                   <a:schemeClr val="tx1">
                     <a:lumMod val="95000"/>
@@ -16595,7 +15020,7 @@
               <a:t>nombre</a:t>
             </a:r>
             <a:r>
-              <a:rPr lang="en-US" sz="2400" b="1" dirty="0">
+              <a:rPr lang="en-US" sz="2200" b="1" dirty="0">
                 <a:solidFill>
                   <a:schemeClr val="tx1">
                     <a:lumMod val="95000"/>
@@ -16611,7 +15036,7 @@
           <a:p>
             <a:pPr algn="just"/>
             <a:r>
-              <a:rPr lang="es-MX" sz="2400" b="1" dirty="0">
+              <a:rPr lang="es-MX" sz="2200" b="1" dirty="0">
                 <a:solidFill>
                   <a:schemeClr val="tx1">
                     <a:lumMod val="95000"/>
@@ -16624,7 +15049,19 @@
               <a:t>	</a:t>
             </a:r>
             <a:r>
-              <a:rPr lang="es-MX" sz="2400" b="1" dirty="0">
+              <a:rPr lang="es-MX" sz="2200" b="1" dirty="0">
+                <a:solidFill>
+                  <a:schemeClr val="accent3">
+                    <a:lumMod val="75000"/>
+                  </a:schemeClr>
+                </a:solidFill>
+                <a:latin typeface="Arial" panose="020B0604020202020204" pitchFamily="34" charset="0"/>
+                <a:cs typeface="Arial" panose="020B0604020202020204" pitchFamily="34" charset="0"/>
+              </a:rPr>
+              <a:t>file</a:t>
+            </a:r>
+            <a:r>
+              <a:rPr lang="es-MX" sz="2200" b="1" dirty="0">
                 <a:solidFill>
                   <a:schemeClr val="accent6">
                     <a:lumMod val="75000"/>
@@ -16633,10 +15070,10 @@
                 <a:latin typeface="Arial" panose="020B0604020202020204" pitchFamily="34" charset="0"/>
                 <a:cs typeface="Arial" panose="020B0604020202020204" pitchFamily="34" charset="0"/>
               </a:rPr>
-              <a:t>file </a:t>
-            </a:r>
-            <a:r>
-              <a:rPr lang="es-MX" sz="2400" b="1" dirty="0">
+              <a:t> </a:t>
+            </a:r>
+            <a:r>
+              <a:rPr lang="es-MX" sz="2200" b="1" dirty="0">
                 <a:solidFill>
                   <a:schemeClr val="tx1">
                     <a:lumMod val="95000"/>
@@ -16646,10 +15083,22 @@
                 <a:latin typeface="Arial" panose="020B0604020202020204" pitchFamily="34" charset="0"/>
                 <a:cs typeface="Arial" panose="020B0604020202020204" pitchFamily="34" charset="0"/>
               </a:rPr>
-              <a:t>= open(</a:t>
-            </a:r>
-            <a:r>
-              <a:rPr lang="es-MX" sz="2400" b="1" dirty="0" err="1">
+              <a:t>= </a:t>
+            </a:r>
+            <a:r>
+              <a:rPr lang="es-MX" sz="2200" b="1" dirty="0">
+                <a:solidFill>
+                  <a:schemeClr val="accent6">
+                    <a:lumMod val="75000"/>
+                  </a:schemeClr>
+                </a:solidFill>
+                <a:latin typeface="Arial" panose="020B0604020202020204" pitchFamily="34" charset="0"/>
+                <a:cs typeface="Arial" panose="020B0604020202020204" pitchFamily="34" charset="0"/>
+              </a:rPr>
+              <a:t>open</a:t>
+            </a:r>
+            <a:r>
+              <a:rPr lang="es-MX" sz="2200" b="1" dirty="0">
                 <a:solidFill>
                   <a:schemeClr val="tx1">
                     <a:lumMod val="95000"/>
@@ -16659,10 +15108,10 @@
                 <a:latin typeface="Arial" panose="020B0604020202020204" pitchFamily="34" charset="0"/>
                 <a:cs typeface="Arial" panose="020B0604020202020204" pitchFamily="34" charset="0"/>
               </a:rPr>
-              <a:t>nombre,"w</a:t>
-            </a:r>
-            <a:r>
-              <a:rPr lang="es-MX" sz="2400" b="1" dirty="0">
+              <a:t>(</a:t>
+            </a:r>
+            <a:r>
+              <a:rPr lang="es-MX" sz="2200" b="1" dirty="0" err="1">
                 <a:solidFill>
                   <a:schemeClr val="tx1">
                     <a:lumMod val="95000"/>
@@ -16672,13 +15121,10 @@
                 <a:latin typeface="Arial" panose="020B0604020202020204" pitchFamily="34" charset="0"/>
                 <a:cs typeface="Arial" panose="020B0604020202020204" pitchFamily="34" charset="0"/>
               </a:rPr>
-              <a:t>+")</a:t>
-            </a:r>
-          </a:p>
-          <a:p>
-            <a:pPr algn="just"/>
-            <a:r>
-              <a:rPr lang="es-MX" sz="2400" b="1" dirty="0">
+              <a:t>nombre,"w</a:t>
+            </a:r>
+            <a:r>
+              <a:rPr lang="es-MX" sz="2200" b="1" dirty="0">
                 <a:solidFill>
                   <a:schemeClr val="tx1">
                     <a:lumMod val="95000"/>
@@ -16688,10 +15134,13 @@
                 <a:latin typeface="Arial" panose="020B0604020202020204" pitchFamily="34" charset="0"/>
                 <a:cs typeface="Arial" panose="020B0604020202020204" pitchFamily="34" charset="0"/>
               </a:rPr>
-              <a:t>	</a:t>
-            </a:r>
-            <a:r>
-              <a:rPr lang="es-MX" sz="2400" dirty="0">
+              <a:t>+")</a:t>
+            </a:r>
+          </a:p>
+          <a:p>
+            <a:pPr algn="just"/>
+            <a:r>
+              <a:rPr lang="es-MX" sz="2200" b="1" dirty="0">
                 <a:solidFill>
                   <a:schemeClr val="tx1">
                     <a:lumMod val="95000"/>
@@ -16701,13 +15150,10 @@
                 <a:latin typeface="Arial" panose="020B0604020202020204" pitchFamily="34" charset="0"/>
                 <a:cs typeface="Arial" panose="020B0604020202020204" pitchFamily="34" charset="0"/>
               </a:rPr>
-              <a:t>i = 1</a:t>
-            </a:r>
-          </a:p>
-          <a:p>
-            <a:pPr algn="just"/>
-            <a:r>
-              <a:rPr lang="es-MX" sz="2400" dirty="0">
+              <a:t>	</a:t>
+            </a:r>
+            <a:r>
+              <a:rPr lang="es-MX" sz="2200" dirty="0" err="1">
                 <a:solidFill>
                   <a:schemeClr val="tx1">
                     <a:lumMod val="95000"/>
@@ -16717,10 +15163,10 @@
                 <a:latin typeface="Arial" panose="020B0604020202020204" pitchFamily="34" charset="0"/>
                 <a:cs typeface="Arial" panose="020B0604020202020204" pitchFamily="34" charset="0"/>
               </a:rPr>
-              <a:t>	</a:t>
-            </a:r>
-            <a:r>
-              <a:rPr lang="es-MX" sz="2400" dirty="0" err="1">
+              <a:t>for</a:t>
+            </a:r>
+            <a:r>
+              <a:rPr lang="es-MX" sz="2200" dirty="0">
                 <a:solidFill>
                   <a:schemeClr val="tx1">
                     <a:lumMod val="95000"/>
@@ -16730,10 +15176,10 @@
                 <a:latin typeface="Arial" panose="020B0604020202020204" pitchFamily="34" charset="0"/>
                 <a:cs typeface="Arial" panose="020B0604020202020204" pitchFamily="34" charset="0"/>
               </a:rPr>
-              <a:t>while</a:t>
-            </a:r>
-            <a:r>
-              <a:rPr lang="es-MX" sz="2400" dirty="0">
+              <a:t> i in </a:t>
+            </a:r>
+            <a:r>
+              <a:rPr lang="es-MX" sz="2200" dirty="0" err="1">
                 <a:solidFill>
                   <a:schemeClr val="tx1">
                     <a:lumMod val="95000"/>
@@ -16743,13 +15189,10 @@
                 <a:latin typeface="Arial" panose="020B0604020202020204" pitchFamily="34" charset="0"/>
                 <a:cs typeface="Arial" panose="020B0604020202020204" pitchFamily="34" charset="0"/>
               </a:rPr>
-              <a:t> i&lt;=5:</a:t>
-            </a:r>
-          </a:p>
-          <a:p>
-            <a:pPr algn="just"/>
-            <a:r>
-              <a:rPr lang="es-MX" sz="2400" dirty="0">
+              <a:t>range</a:t>
+            </a:r>
+            <a:r>
+              <a:rPr lang="es-MX" sz="2200" dirty="0">
                 <a:solidFill>
                   <a:schemeClr val="tx1">
                     <a:lumMod val="95000"/>
@@ -16759,10 +15202,13 @@
                 <a:latin typeface="Arial" panose="020B0604020202020204" pitchFamily="34" charset="0"/>
                 <a:cs typeface="Arial" panose="020B0604020202020204" pitchFamily="34" charset="0"/>
               </a:rPr>
-              <a:t>    		frase = </a:t>
-            </a:r>
-            <a:r>
-              <a:rPr lang="es-MX" sz="2400" dirty="0" err="1">
+              <a:t>(5):</a:t>
+            </a:r>
+          </a:p>
+          <a:p>
+            <a:pPr algn="just"/>
+            <a:r>
+              <a:rPr lang="es-MX" sz="2200" dirty="0">
                 <a:solidFill>
                   <a:schemeClr val="tx1">
                     <a:lumMod val="95000"/>
@@ -16772,10 +15218,10 @@
                 <a:latin typeface="Arial" panose="020B0604020202020204" pitchFamily="34" charset="0"/>
                 <a:cs typeface="Arial" panose="020B0604020202020204" pitchFamily="34" charset="0"/>
               </a:rPr>
-              <a:t>str</a:t>
-            </a:r>
-            <a:r>
-              <a:rPr lang="es-MX" sz="2400" dirty="0">
+              <a:t>    		frase = </a:t>
+            </a:r>
+            <a:r>
+              <a:rPr lang="es-MX" sz="2200" dirty="0" err="1">
                 <a:solidFill>
                   <a:schemeClr val="tx1">
                     <a:lumMod val="95000"/>
@@ -16785,13 +15231,10 @@
                 <a:latin typeface="Arial" panose="020B0604020202020204" pitchFamily="34" charset="0"/>
                 <a:cs typeface="Arial" panose="020B0604020202020204" pitchFamily="34" charset="0"/>
               </a:rPr>
-              <a:t>(input("Introduce una frase: "))</a:t>
-            </a:r>
-          </a:p>
-          <a:p>
-            <a:pPr algn="just"/>
-            <a:r>
-              <a:rPr lang="es-MX" sz="2400" b="1" dirty="0">
+              <a:t>str</a:t>
+            </a:r>
+            <a:r>
+              <a:rPr lang="es-MX" sz="2200" dirty="0">
                 <a:solidFill>
                   <a:schemeClr val="tx1">
                     <a:lumMod val="95000"/>
@@ -16801,22 +15244,13 @@
                 <a:latin typeface="Arial" panose="020B0604020202020204" pitchFamily="34" charset="0"/>
                 <a:cs typeface="Arial" panose="020B0604020202020204" pitchFamily="34" charset="0"/>
               </a:rPr>
-              <a:t>    		</a:t>
-            </a:r>
-            <a:r>
-              <a:rPr lang="es-MX" sz="2400" b="1" dirty="0" err="1">
-                <a:solidFill>
-                  <a:schemeClr val="accent6">
-                    <a:lumMod val="75000"/>
-                  </a:schemeClr>
-                </a:solidFill>
-                <a:latin typeface="Arial" panose="020B0604020202020204" pitchFamily="34" charset="0"/>
-                <a:cs typeface="Arial" panose="020B0604020202020204" pitchFamily="34" charset="0"/>
-              </a:rPr>
-              <a:t>file.write</a:t>
-            </a:r>
-            <a:r>
-              <a:rPr lang="es-MX" sz="2400" b="1" dirty="0">
+              <a:t>(input("Introduce una frase: "))</a:t>
+            </a:r>
+          </a:p>
+          <a:p>
+            <a:pPr algn="just"/>
+            <a:r>
+              <a:rPr lang="es-MX" sz="2200" b="1" dirty="0">
                 <a:solidFill>
                   <a:schemeClr val="tx1">
                     <a:lumMod val="95000"/>
@@ -16826,13 +15260,34 @@
                 <a:latin typeface="Arial" panose="020B0604020202020204" pitchFamily="34" charset="0"/>
                 <a:cs typeface="Arial" panose="020B0604020202020204" pitchFamily="34" charset="0"/>
               </a:rPr>
-              <a:t>(frase+"\n")</a:t>
-            </a:r>
-          </a:p>
-          <a:p>
-            <a:pPr algn="just"/>
-            <a:r>
-              <a:rPr lang="es-MX" sz="2400" b="1" dirty="0">
+              <a:t>    		</a:t>
+            </a:r>
+            <a:r>
+              <a:rPr lang="es-MX" sz="2200" b="1" dirty="0" err="1">
+                <a:solidFill>
+                  <a:schemeClr val="accent3">
+                    <a:lumMod val="75000"/>
+                  </a:schemeClr>
+                </a:solidFill>
+                <a:latin typeface="Arial" panose="020B0604020202020204" pitchFamily="34" charset="0"/>
+                <a:cs typeface="Arial" panose="020B0604020202020204" pitchFamily="34" charset="0"/>
+              </a:rPr>
+              <a:t>file.</a:t>
+            </a:r>
+            <a:r>
+              <a:rPr lang="es-MX" sz="2200" b="1" dirty="0" err="1">
+                <a:solidFill>
+                  <a:schemeClr val="accent6">
+                    <a:lumMod val="75000"/>
+                  </a:schemeClr>
+                </a:solidFill>
+                <a:latin typeface="Arial" panose="020B0604020202020204" pitchFamily="34" charset="0"/>
+                <a:cs typeface="Arial" panose="020B0604020202020204" pitchFamily="34" charset="0"/>
+              </a:rPr>
+              <a:t>write</a:t>
+            </a:r>
+            <a:r>
+              <a:rPr lang="es-MX" sz="2200" b="1" dirty="0">
                 <a:solidFill>
                   <a:schemeClr val="tx1">
                     <a:lumMod val="95000"/>
@@ -16842,10 +15297,49 @@
                 <a:latin typeface="Arial" panose="020B0604020202020204" pitchFamily="34" charset="0"/>
                 <a:cs typeface="Arial" panose="020B0604020202020204" pitchFamily="34" charset="0"/>
               </a:rPr>
-              <a:t>    		</a:t>
-            </a:r>
-            <a:r>
-              <a:rPr lang="es-MX" sz="2400" dirty="0">
+              <a:t>(frase)</a:t>
+            </a:r>
+          </a:p>
+          <a:p>
+            <a:pPr algn="just"/>
+            <a:r>
+              <a:rPr lang="es-MX" sz="2200" b="1" dirty="0">
+                <a:solidFill>
+                  <a:schemeClr val="accent3">
+                    <a:lumMod val="75000"/>
+                  </a:schemeClr>
+                </a:solidFill>
+                <a:latin typeface="Arial" panose="020B0604020202020204" pitchFamily="34" charset="0"/>
+                <a:cs typeface="Arial" panose="020B0604020202020204" pitchFamily="34" charset="0"/>
+              </a:rPr>
+              <a:t>		</a:t>
+            </a:r>
+            <a:r>
+              <a:rPr lang="es-MX" sz="2200" b="1" dirty="0" err="1">
+                <a:solidFill>
+                  <a:schemeClr val="accent3">
+                    <a:lumMod val="75000"/>
+                  </a:schemeClr>
+                </a:solidFill>
+                <a:latin typeface="Arial" panose="020B0604020202020204" pitchFamily="34" charset="0"/>
+                <a:cs typeface="Arial" panose="020B0604020202020204" pitchFamily="34" charset="0"/>
+              </a:rPr>
+              <a:t>file.</a:t>
+            </a:r>
+            <a:r>
+              <a:rPr lang="es-MX" sz="2200" b="1" dirty="0" err="1">
+                <a:solidFill>
+                  <a:schemeClr val="accent6">
+                    <a:lumMod val="75000"/>
+                  </a:schemeClr>
+                </a:solidFill>
+                <a:latin typeface="Arial" panose="020B0604020202020204" pitchFamily="34" charset="0"/>
+                <a:cs typeface="Arial" panose="020B0604020202020204" pitchFamily="34" charset="0"/>
+              </a:rPr>
+              <a:t>write</a:t>
+            </a:r>
+            <a:r>
+              <a:rPr lang="es-MX" sz="2200" b="1" dirty="0">
                 <a:solidFill>
                   <a:schemeClr val="tx1">
                     <a:lumMod val="95000"/>
@@ -16855,13 +15349,13 @@
                 <a:latin typeface="Arial" panose="020B0604020202020204" pitchFamily="34" charset="0"/>
                 <a:cs typeface="Arial" panose="020B0604020202020204" pitchFamily="34" charset="0"/>
               </a:rPr>
-              <a:t>i = i+1</a:t>
+              <a:t>("\n") </a:t>
             </a:r>
           </a:p>
           <a:p>
             <a:pPr algn="just"/>
             <a:r>
-              <a:rPr lang="es-MX" sz="2400" b="1" dirty="0">
+              <a:rPr lang="es-MX" sz="2200" b="1" dirty="0">
                 <a:solidFill>
                   <a:schemeClr val="tx1">
                     <a:lumMod val="95000"/>
@@ -16874,7 +15368,19 @@
               <a:t>	</a:t>
             </a:r>
             <a:r>
-              <a:rPr lang="es-MX" sz="2400" b="1" dirty="0" err="1">
+              <a:rPr lang="es-MX" sz="2200" b="1" dirty="0" err="1">
+                <a:solidFill>
+                  <a:schemeClr val="accent3">
+                    <a:lumMod val="75000"/>
+                  </a:schemeClr>
+                </a:solidFill>
+                <a:latin typeface="Arial" panose="020B0604020202020204" pitchFamily="34" charset="0"/>
+                <a:cs typeface="Arial" panose="020B0604020202020204" pitchFamily="34" charset="0"/>
+              </a:rPr>
+              <a:t>file.</a:t>
+            </a:r>
+            <a:r>
+              <a:rPr lang="es-MX" sz="2200" b="1" dirty="0" err="1">
                 <a:solidFill>
                   <a:schemeClr val="accent6">
                     <a:lumMod val="75000"/>
@@ -16883,10 +15389,10 @@
                 <a:latin typeface="Arial" panose="020B0604020202020204" pitchFamily="34" charset="0"/>
                 <a:cs typeface="Arial" panose="020B0604020202020204" pitchFamily="34" charset="0"/>
               </a:rPr>
-              <a:t>file.close</a:t>
-            </a:r>
-            <a:r>
-              <a:rPr lang="es-MX" sz="2400" b="1" dirty="0">
+              <a:t>close</a:t>
+            </a:r>
+            <a:r>
+              <a:rPr lang="es-MX" sz="2200" b="1" dirty="0">
                 <a:solidFill>
                   <a:schemeClr val="accent6">
                     <a:lumMod val="75000"/>
@@ -16900,7 +15406,7 @@
           </a:p>
           <a:p>
             <a:pPr algn="just"/>
-            <a:endParaRPr lang="es-MX" sz="2400" b="1" dirty="0">
+            <a:endParaRPr lang="es-MX" sz="2200" b="1" dirty="0">
               <a:solidFill>
                 <a:schemeClr val="tx1">
                   <a:lumMod val="95000"/>
@@ -16912,207 +15418,161 @@
             </a:endParaRPr>
           </a:p>
           <a:p>
-            <a:pPr>
-              <a:lnSpc>
-                <a:spcPts val="3500"/>
-              </a:lnSpc>
-            </a:pPr>
-            <a:r>
-              <a:rPr lang="en-US" sz="2400" b="1" dirty="0" err="1">
-                <a:solidFill>
-                  <a:schemeClr val="tx1">
-                    <a:lumMod val="95000"/>
-                    <a:lumOff val="5000"/>
-                  </a:schemeClr>
-                </a:solidFill>
-                <a:latin typeface="Arial" panose="020B0604020202020204" pitchFamily="34" charset="0"/>
-                <a:cs typeface="Arial" pitchFamily="34" charset="0"/>
-              </a:rPr>
-              <a:t>nombre</a:t>
-            </a:r>
-            <a:r>
-              <a:rPr lang="en-US" sz="2400" dirty="0">
-                <a:solidFill>
-                  <a:schemeClr val="tx1">
-                    <a:lumMod val="95000"/>
-                    <a:lumOff val="5000"/>
-                  </a:schemeClr>
-                </a:solidFill>
-                <a:latin typeface="Arial" panose="020B0604020202020204" pitchFamily="34" charset="0"/>
-                <a:cs typeface="Arial" pitchFamily="34" charset="0"/>
-              </a:rPr>
-              <a:t> = str(input(</a:t>
-            </a:r>
-            <a:r>
-              <a:rPr lang="es-MX" sz="2400" dirty="0">
-                <a:solidFill>
-                  <a:schemeClr val="tx1">
-                    <a:lumMod val="95000"/>
-                    <a:lumOff val="5000"/>
-                  </a:schemeClr>
-                </a:solidFill>
-                <a:latin typeface="Arial" panose="020B0604020202020204" pitchFamily="34" charset="0"/>
-                <a:cs typeface="Arial" panose="020B0604020202020204" pitchFamily="34" charset="0"/>
-              </a:rPr>
-              <a:t>"</a:t>
-            </a:r>
-            <a:r>
-              <a:rPr lang="en-US" sz="2400" dirty="0">
-                <a:solidFill>
-                  <a:schemeClr val="tx1">
-                    <a:lumMod val="95000"/>
-                    <a:lumOff val="5000"/>
-                  </a:schemeClr>
-                </a:solidFill>
-                <a:latin typeface="Arial" panose="020B0604020202020204" pitchFamily="34" charset="0"/>
-                <a:cs typeface="Arial" pitchFamily="34" charset="0"/>
-              </a:rPr>
-              <a:t>Introduce el </a:t>
-            </a:r>
-            <a:r>
-              <a:rPr lang="en-US" sz="2400" dirty="0" err="1">
-                <a:solidFill>
-                  <a:schemeClr val="tx1">
-                    <a:lumMod val="95000"/>
-                    <a:lumOff val="5000"/>
-                  </a:schemeClr>
-                </a:solidFill>
-                <a:latin typeface="Arial" panose="020B0604020202020204" pitchFamily="34" charset="0"/>
-                <a:cs typeface="Arial" pitchFamily="34" charset="0"/>
-              </a:rPr>
-              <a:t>nombre</a:t>
-            </a:r>
-            <a:r>
-              <a:rPr lang="en-US" sz="2400" dirty="0">
-                <a:solidFill>
-                  <a:schemeClr val="tx1">
-                    <a:lumMod val="95000"/>
-                    <a:lumOff val="5000"/>
-                  </a:schemeClr>
-                </a:solidFill>
-                <a:latin typeface="Arial" panose="020B0604020202020204" pitchFamily="34" charset="0"/>
-                <a:cs typeface="Arial" pitchFamily="34" charset="0"/>
-              </a:rPr>
-              <a:t> del </a:t>
-            </a:r>
-            <a:r>
-              <a:rPr lang="en-US" sz="2400" dirty="0" err="1">
-                <a:solidFill>
-                  <a:schemeClr val="tx1">
-                    <a:lumMod val="95000"/>
-                    <a:lumOff val="5000"/>
-                  </a:schemeClr>
-                </a:solidFill>
-                <a:latin typeface="Arial" panose="020B0604020202020204" pitchFamily="34" charset="0"/>
-                <a:cs typeface="Arial" pitchFamily="34" charset="0"/>
-              </a:rPr>
-              <a:t>archivo</a:t>
-            </a:r>
-            <a:r>
-              <a:rPr lang="en-US" sz="2400" dirty="0">
-                <a:solidFill>
-                  <a:schemeClr val="tx1">
-                    <a:lumMod val="95000"/>
-                    <a:lumOff val="5000"/>
-                  </a:schemeClr>
-                </a:solidFill>
-                <a:latin typeface="Arial" panose="020B0604020202020204" pitchFamily="34" charset="0"/>
-                <a:cs typeface="Arial" pitchFamily="34" charset="0"/>
-              </a:rPr>
-              <a:t>: </a:t>
-            </a:r>
-            <a:r>
-              <a:rPr lang="es-MX" sz="2400" dirty="0">
-                <a:solidFill>
-                  <a:schemeClr val="tx1">
-                    <a:lumMod val="95000"/>
-                    <a:lumOff val="5000"/>
-                  </a:schemeClr>
-                </a:solidFill>
-                <a:latin typeface="Arial" panose="020B0604020202020204" pitchFamily="34" charset="0"/>
-                <a:cs typeface="Arial" panose="020B0604020202020204" pitchFamily="34" charset="0"/>
-              </a:rPr>
-              <a:t>"</a:t>
-            </a:r>
-            <a:r>
-              <a:rPr lang="en-US" sz="2400" dirty="0">
-                <a:solidFill>
-                  <a:schemeClr val="tx1">
-                    <a:lumMod val="95000"/>
-                    <a:lumOff val="5000"/>
-                  </a:schemeClr>
-                </a:solidFill>
-                <a:latin typeface="Arial" pitchFamily="34" charset="0"/>
-                <a:cs typeface="Arial" pitchFamily="34" charset="0"/>
-              </a:rPr>
-              <a:t>))</a:t>
-            </a:r>
-          </a:p>
-          <a:p>
-            <a:pPr>
-              <a:lnSpc>
-                <a:spcPts val="3500"/>
-              </a:lnSpc>
-            </a:pPr>
-            <a:r>
-              <a:rPr lang="en-US" sz="2400" b="1" dirty="0">
+            <a:r>
+              <a:rPr lang="es-ES" sz="2200" b="1" dirty="0" err="1">
+                <a:solidFill>
+                  <a:schemeClr val="bg2">
+                    <a:lumMod val="25000"/>
+                  </a:schemeClr>
+                </a:solidFill>
+                <a:latin typeface="Arial" pitchFamily="34" charset="0"/>
+                <a:cs typeface="Arial" pitchFamily="34" charset="0"/>
+              </a:rPr>
+              <a:t>def</a:t>
+            </a:r>
+            <a:r>
+              <a:rPr lang="es-ES" sz="2200" b="1" dirty="0">
+                <a:solidFill>
+                  <a:schemeClr val="bg2">
+                    <a:lumMod val="25000"/>
+                  </a:schemeClr>
+                </a:solidFill>
+                <a:latin typeface="Arial" pitchFamily="34" charset="0"/>
+                <a:cs typeface="Arial" pitchFamily="34" charset="0"/>
+              </a:rPr>
+              <a:t> </a:t>
+            </a:r>
+            <a:r>
+              <a:rPr lang="es-ES" sz="2200" b="1" dirty="0" err="1">
+                <a:solidFill>
+                  <a:srgbClr val="FF0000"/>
+                </a:solidFill>
+                <a:latin typeface="Arial" pitchFamily="34" charset="0"/>
+                <a:cs typeface="Arial" pitchFamily="34" charset="0"/>
+              </a:rPr>
+              <a:t>main</a:t>
+            </a:r>
+            <a:r>
+              <a:rPr lang="es-ES" sz="2200" b="1" dirty="0">
+                <a:solidFill>
+                  <a:schemeClr val="bg2">
+                    <a:lumMod val="25000"/>
+                  </a:schemeClr>
+                </a:solidFill>
+                <a:latin typeface="Arial" pitchFamily="34" charset="0"/>
+                <a:cs typeface="Arial" pitchFamily="34" charset="0"/>
+              </a:rPr>
+              <a:t>():</a:t>
+            </a:r>
+          </a:p>
+          <a:p>
+            <a:r>
+              <a:rPr lang="es-ES" sz="2200" b="1" dirty="0">
+                <a:solidFill>
+                  <a:schemeClr val="bg2">
+                    <a:lumMod val="25000"/>
+                  </a:schemeClr>
+                </a:solidFill>
+                <a:latin typeface="Arial" pitchFamily="34" charset="0"/>
+                <a:cs typeface="Arial" pitchFamily="34" charset="0"/>
+              </a:rPr>
+              <a:t>	nombre = </a:t>
+            </a:r>
+            <a:r>
+              <a:rPr lang="es-ES" sz="2200" b="1" dirty="0" err="1">
+                <a:solidFill>
+                  <a:schemeClr val="bg2">
+                    <a:lumMod val="25000"/>
+                  </a:schemeClr>
+                </a:solidFill>
+                <a:latin typeface="Arial" pitchFamily="34" charset="0"/>
+                <a:cs typeface="Arial" pitchFamily="34" charset="0"/>
+              </a:rPr>
+              <a:t>str</a:t>
+            </a:r>
+            <a:r>
+              <a:rPr lang="es-ES" sz="2200" b="1" dirty="0">
+                <a:solidFill>
+                  <a:schemeClr val="bg2">
+                    <a:lumMod val="25000"/>
+                  </a:schemeClr>
+                </a:solidFill>
+                <a:latin typeface="Arial" pitchFamily="34" charset="0"/>
+                <a:cs typeface="Arial" pitchFamily="34" charset="0"/>
+              </a:rPr>
+              <a:t>(input("Introduce el nombre del archivo: "))</a:t>
+            </a:r>
+          </a:p>
+          <a:p>
+            <a:r>
+              <a:rPr lang="es-ES" sz="2200" b="1" dirty="0">
                 <a:solidFill>
                   <a:srgbClr val="0070C0"/>
                 </a:solidFill>
                 <a:latin typeface="Arial" pitchFamily="34" charset="0"/>
                 <a:cs typeface="Arial" pitchFamily="34" charset="0"/>
               </a:rPr>
-              <a:t>escribe5frases</a:t>
-            </a:r>
-            <a:r>
-              <a:rPr lang="en-US" sz="2400" b="1" dirty="0">
-                <a:solidFill>
-                  <a:schemeClr val="tx1">
-                    <a:lumMod val="95000"/>
-                    <a:lumOff val="5000"/>
-                  </a:schemeClr>
-                </a:solidFill>
-                <a:latin typeface="Arial" panose="020B0604020202020204" pitchFamily="34" charset="0"/>
-                <a:cs typeface="Arial" pitchFamily="34" charset="0"/>
-              </a:rPr>
-              <a:t>(</a:t>
-            </a:r>
-            <a:r>
-              <a:rPr lang="en-US" sz="2400" b="1" dirty="0" err="1">
-                <a:solidFill>
-                  <a:schemeClr val="tx1">
-                    <a:lumMod val="95000"/>
-                    <a:lumOff val="5000"/>
-                  </a:schemeClr>
-                </a:solidFill>
-                <a:latin typeface="Arial" panose="020B0604020202020204" pitchFamily="34" charset="0"/>
-                <a:cs typeface="Arial" pitchFamily="34" charset="0"/>
-              </a:rPr>
-              <a:t>nombre</a:t>
-            </a:r>
-            <a:r>
-              <a:rPr lang="en-US" sz="2400" b="1" dirty="0">
-                <a:solidFill>
-                  <a:schemeClr val="tx1">
-                    <a:lumMod val="95000"/>
-                    <a:lumOff val="5000"/>
-                  </a:schemeClr>
-                </a:solidFill>
-                <a:latin typeface="Arial" panose="020B0604020202020204" pitchFamily="34" charset="0"/>
-                <a:cs typeface="Arial" pitchFamily="34" charset="0"/>
-              </a:rPr>
-              <a:t>)</a:t>
-            </a:r>
-            <a:endParaRPr lang="es-ES" sz="2400" b="1" dirty="0">
+              <a:t>	</a:t>
+            </a:r>
+            <a:r>
+              <a:rPr lang="es-ES" sz="2200" b="1" dirty="0">
+                <a:solidFill>
+                  <a:srgbClr val="FF0000"/>
+                </a:solidFill>
+                <a:latin typeface="Arial" pitchFamily="34" charset="0"/>
+                <a:cs typeface="Arial" pitchFamily="34" charset="0"/>
+              </a:rPr>
+              <a:t>escribe_5_frases</a:t>
+            </a:r>
+            <a:r>
+              <a:rPr lang="es-ES" sz="2200" b="1" dirty="0">
+                <a:solidFill>
+                  <a:schemeClr val="bg2">
+                    <a:lumMod val="25000"/>
+                  </a:schemeClr>
+                </a:solidFill>
+                <a:latin typeface="Arial" pitchFamily="34" charset="0"/>
+                <a:cs typeface="Arial" pitchFamily="34" charset="0"/>
+              </a:rPr>
+              <a:t>(nombre)</a:t>
+            </a:r>
+          </a:p>
+          <a:p>
+            <a:endParaRPr lang="es-ES" sz="2200" b="1" dirty="0">
               <a:solidFill>
-                <a:schemeClr val="tx1">
-                  <a:lumMod val="95000"/>
-                  <a:lumOff val="5000"/>
+                <a:schemeClr val="bg2">
+                  <a:lumMod val="25000"/>
                 </a:schemeClr>
               </a:solidFill>
-              <a:latin typeface="Arial" panose="020B0604020202020204" pitchFamily="34" charset="0"/>
+              <a:latin typeface="Arial" pitchFamily="34" charset="0"/>
               <a:cs typeface="Arial" pitchFamily="34" charset="0"/>
             </a:endParaRPr>
+          </a:p>
+          <a:p>
+            <a:r>
+              <a:rPr lang="es-ES" sz="2200" b="1" dirty="0" err="1">
+                <a:solidFill>
+                  <a:schemeClr val="bg2">
+                    <a:lumMod val="25000"/>
+                  </a:schemeClr>
+                </a:solidFill>
+                <a:latin typeface="Arial" pitchFamily="34" charset="0"/>
+                <a:cs typeface="Arial" pitchFamily="34" charset="0"/>
+              </a:rPr>
+              <a:t>main</a:t>
+            </a:r>
+            <a:r>
+              <a:rPr lang="es-ES" sz="2200" b="1" dirty="0">
+                <a:solidFill>
+                  <a:schemeClr val="bg2">
+                    <a:lumMod val="25000"/>
+                  </a:schemeClr>
+                </a:solidFill>
+                <a:latin typeface="Arial" pitchFamily="34" charset="0"/>
+                <a:cs typeface="Arial" pitchFamily="34" charset="0"/>
+              </a:rPr>
+              <a:t>()</a:t>
+            </a:r>
           </a:p>
         </p:txBody>
       </p:sp>
@@ -17144,8 +15604,8 @@
         </p:blipFill>
         <p:spPr>
           <a:xfrm>
-            <a:off x="6444208" y="1484784"/>
-            <a:ext cx="1728192" cy="1603861"/>
+            <a:off x="7223859" y="5229200"/>
+            <a:ext cx="1430445" cy="1327535"/>
           </a:xfrm>
           <a:prstGeom prst="rect">
             <a:avLst/>
@@ -17165,7 +15625,7 @@
 </p:sld>
 </file>
 
-<file path=ppt/slides/slide24.xml><?xml version="1.0" encoding="utf-8"?>
+<file path=ppt/slides/slide21.xml><?xml version="1.0" encoding="utf-8"?>
 <p:sld xmlns:a="http://schemas.openxmlformats.org/drawingml/2006/main" xmlns:r="http://schemas.openxmlformats.org/officeDocument/2006/relationships" xmlns:p="http://schemas.openxmlformats.org/presentationml/2006/main">
   <p:cSld>
     <p:spTree>
@@ -17192,7 +15652,7 @@
         </p:nvSpPr>
         <p:spPr bwMode="auto">
           <a:xfrm>
-            <a:off x="539552" y="1203098"/>
+            <a:off x="467544" y="1203098"/>
             <a:ext cx="7616434" cy="2199385"/>
           </a:xfrm>
           <a:prstGeom prst="rect">
@@ -17354,7 +15814,7 @@
                   <a:srgbClr val="FF0000"/>
                 </a:solidFill>
               </a:rPr>
-              <a:t>cuentaCaracteres</a:t>
+              <a:t>cuenta_caracteres</a:t>
             </a:r>
             <a:r>
               <a:rPr lang="es-ES_tradnl" sz="2200" dirty="0"/>
@@ -17601,7 +16061,7 @@
 </p:sld>
 </file>
 
-<file path=ppt/slides/slide25.xml><?xml version="1.0" encoding="utf-8"?>
+<file path=ppt/slides/slide22.xml><?xml version="1.0" encoding="utf-8"?>
 <p:sld xmlns:a="http://schemas.openxmlformats.org/drawingml/2006/main" xmlns:r="http://schemas.openxmlformats.org/officeDocument/2006/relationships" xmlns:p="http://schemas.openxmlformats.org/presentationml/2006/main">
   <p:cSld>
     <p:spTree>
@@ -17628,7 +16088,7 @@
         </p:nvSpPr>
         <p:spPr bwMode="auto">
           <a:xfrm>
-            <a:off x="431800" y="44624"/>
+            <a:off x="431799" y="260648"/>
             <a:ext cx="8280400" cy="936104"/>
           </a:xfrm>
           <a:prstGeom prst="rect">
@@ -17705,8 +16165,8 @@
         </p:nvSpPr>
         <p:spPr>
           <a:xfrm>
-            <a:off x="1691680" y="1124744"/>
-            <a:ext cx="6231837" cy="5402184"/>
+            <a:off x="1456081" y="1484784"/>
+            <a:ext cx="6231837" cy="4401911"/>
           </a:xfrm>
           <a:prstGeom prst="rect">
             <a:avLst/>
@@ -17752,19 +16212,18 @@
             <a:r>
               <a:rPr lang="en-US" sz="2000" b="1" dirty="0" err="1">
                 <a:solidFill>
-                  <a:srgbClr val="0070C0"/>
+                  <a:srgbClr val="FF0000"/>
                 </a:solidFill>
                 <a:latin typeface="Arial" panose="020B0604020202020204" pitchFamily="34" charset="0"/>
                 <a:cs typeface="Arial" pitchFamily="34" charset="0"/>
               </a:rPr>
-              <a:t>cuentaCaracteres</a:t>
+              <a:t>cuenta_caracteres</a:t>
             </a:r>
             <a:r>
               <a:rPr lang="en-US" sz="2000" b="1" dirty="0">
                 <a:solidFill>
-                  <a:schemeClr val="tx1">
-                    <a:lumMod val="95000"/>
-                    <a:lumOff val="5000"/>
+                  <a:schemeClr val="bg2">
+                    <a:lumMod val="25000"/>
                   </a:schemeClr>
                 </a:solidFill>
                 <a:latin typeface="Arial" panose="020B0604020202020204" pitchFamily="34" charset="0"/>
@@ -17775,8 +16234,8 @@
             <a:r>
               <a:rPr lang="en-US" sz="2000" b="1" dirty="0" err="1">
                 <a:solidFill>
-                  <a:schemeClr val="accent6">
-                    <a:lumMod val="75000"/>
+                  <a:schemeClr val="bg2">
+                    <a:lumMod val="25000"/>
                   </a:schemeClr>
                 </a:solidFill>
                 <a:latin typeface="Arial" panose="020B0604020202020204" pitchFamily="34" charset="0"/>
@@ -17787,9 +16246,8 @@
             <a:r>
               <a:rPr lang="en-US" sz="2000" b="1" dirty="0">
                 <a:solidFill>
-                  <a:schemeClr val="tx1">
-                    <a:lumMod val="95000"/>
-                    <a:lumOff val="5000"/>
+                  <a:schemeClr val="bg2">
+                    <a:lumMod val="25000"/>
                   </a:schemeClr>
                 </a:solidFill>
                 <a:latin typeface="Arial" panose="020B0604020202020204" pitchFamily="34" charset="0"/>
@@ -18032,56 +16490,82 @@
               <a:t>	</a:t>
             </a:r>
             <a:r>
-              <a:rPr lang="es-MX" sz="2000" dirty="0" err="1">
+              <a:rPr lang="en-US" sz="2000" b="1" dirty="0">
                 <a:solidFill>
                   <a:schemeClr val="tx1">
                     <a:lumMod val="95000"/>
                     <a:lumOff val="5000"/>
                   </a:schemeClr>
                 </a:solidFill>
-                <a:latin typeface="Arial" panose="020B0604020202020204" pitchFamily="34" charset="0"/>
-                <a:cs typeface="Arial" panose="020B0604020202020204" pitchFamily="34" charset="0"/>
-              </a:rPr>
-              <a:t>cont</a:t>
-            </a:r>
-            <a:r>
-              <a:rPr lang="es-MX" sz="2000" dirty="0">
+                <a:latin typeface="Arial" pitchFamily="34" charset="0"/>
+                <a:cs typeface="Arial" pitchFamily="34" charset="0"/>
+              </a:rPr>
+              <a:t>Si no es </a:t>
+            </a:r>
+            <a:r>
+              <a:rPr lang="en-US" sz="2000" b="1" dirty="0" err="1">
                 <a:solidFill>
                   <a:schemeClr val="tx1">
                     <a:lumMod val="95000"/>
                     <a:lumOff val="5000"/>
                   </a:schemeClr>
                 </a:solidFill>
-                <a:latin typeface="Arial" panose="020B0604020202020204" pitchFamily="34" charset="0"/>
-                <a:cs typeface="Arial" panose="020B0604020202020204" pitchFamily="34" charset="0"/>
-              </a:rPr>
-              <a:t> = </a:t>
-            </a:r>
-            <a:r>
-              <a:rPr lang="es-MX" sz="2000" dirty="0" err="1">
+                <a:latin typeface="Arial" pitchFamily="34" charset="0"/>
+                <a:cs typeface="Arial" pitchFamily="34" charset="0"/>
+              </a:rPr>
+              <a:t>letra</a:t>
+            </a:r>
+            <a:r>
+              <a:rPr lang="en-US" sz="2000" b="1" dirty="0">
                 <a:solidFill>
                   <a:schemeClr val="tx1">
                     <a:lumMod val="95000"/>
                     <a:lumOff val="5000"/>
                   </a:schemeClr>
                 </a:solidFill>
-                <a:latin typeface="Arial" panose="020B0604020202020204" pitchFamily="34" charset="0"/>
-                <a:cs typeface="Arial" panose="020B0604020202020204" pitchFamily="34" charset="0"/>
-              </a:rPr>
-              <a:t>cont</a:t>
-            </a:r>
-            <a:r>
-              <a:rPr lang="es-MX" sz="2000" dirty="0">
+                <a:latin typeface="Arial" pitchFamily="34" charset="0"/>
+                <a:cs typeface="Arial" pitchFamily="34" charset="0"/>
+              </a:rPr>
+              <a:t> </a:t>
+            </a:r>
+            <a:r>
+              <a:rPr lang="en-US" sz="2000" dirty="0">
                 <a:solidFill>
                   <a:schemeClr val="tx1">
                     <a:lumMod val="95000"/>
                     <a:lumOff val="5000"/>
                   </a:schemeClr>
                 </a:solidFill>
-                <a:latin typeface="Arial" panose="020B0604020202020204" pitchFamily="34" charset="0"/>
-                <a:cs typeface="Arial" panose="020B0604020202020204" pitchFamily="34" charset="0"/>
-              </a:rPr>
-              <a:t> + 1</a:t>
+                <a:latin typeface="Arial" pitchFamily="34" charset="0"/>
+                <a:cs typeface="Arial" pitchFamily="34" charset="0"/>
+              </a:rPr>
+              <a:t>(es fin de </a:t>
+            </a:r>
+            <a:r>
+              <a:rPr lang="en-US" sz="2000" dirty="0" err="1">
+                <a:solidFill>
+                  <a:schemeClr val="tx1">
+                    <a:lumMod val="95000"/>
+                    <a:lumOff val="5000"/>
+                  </a:schemeClr>
+                </a:solidFill>
+                <a:latin typeface="Arial" pitchFamily="34" charset="0"/>
+                <a:cs typeface="Arial" pitchFamily="34" charset="0"/>
+              </a:rPr>
+              <a:t>archivo</a:t>
+            </a:r>
+            <a:r>
+              <a:rPr lang="en-US" sz="2000" dirty="0">
+                <a:solidFill>
+                  <a:schemeClr val="tx1">
+                    <a:lumMod val="95000"/>
+                    <a:lumOff val="5000"/>
+                  </a:schemeClr>
+                </a:solidFill>
+                <a:latin typeface="Arial" pitchFamily="34" charset="0"/>
+                <a:cs typeface="Arial" pitchFamily="34" charset="0"/>
+              </a:rPr>
+              <a:t>)</a:t>
             </a:r>
             <a:endParaRPr lang="es-ES" sz="2000" dirty="0">
               <a:solidFill>
@@ -18111,10 +16595,17 @@
                 <a:latin typeface="Arial" pitchFamily="34" charset="0"/>
                 <a:cs typeface="Arial" pitchFamily="34" charset="0"/>
               </a:rPr>
-              <a:t>        	</a:t>
-            </a:r>
-            <a:r>
-              <a:rPr lang="en-US" sz="2000" b="1" dirty="0">
+              <a:t>            	       continua = Falso (salir del ciclo)</a:t>
+            </a:r>
+          </a:p>
+          <a:p>
+            <a:pPr>
+              <a:lnSpc>
+                <a:spcPts val="2600"/>
+              </a:lnSpc>
+            </a:pPr>
+            <a:r>
+              <a:rPr lang="es-ES" sz="2000" dirty="0">
                 <a:solidFill>
                   <a:schemeClr val="tx1">
                     <a:lumMod val="95000"/>
@@ -18124,10 +16615,10 @@
                 <a:latin typeface="Arial" pitchFamily="34" charset="0"/>
                 <a:cs typeface="Arial" pitchFamily="34" charset="0"/>
               </a:rPr>
-              <a:t>Si no es </a:t>
-            </a:r>
-            <a:r>
-              <a:rPr lang="en-US" sz="2000" b="1" dirty="0" err="1">
+              <a:t>	</a:t>
+            </a:r>
+            <a:r>
+              <a:rPr lang="es-ES" sz="2000" dirty="0" err="1">
                 <a:solidFill>
                   <a:schemeClr val="tx1">
                     <a:lumMod val="95000"/>
@@ -18137,59 +16628,7 @@
                 <a:latin typeface="Arial" pitchFamily="34" charset="0"/>
                 <a:cs typeface="Arial" pitchFamily="34" charset="0"/>
               </a:rPr>
-              <a:t>letra</a:t>
-            </a:r>
-            <a:r>
-              <a:rPr lang="en-US" sz="2000" b="1" dirty="0">
-                <a:solidFill>
-                  <a:schemeClr val="tx1">
-                    <a:lumMod val="95000"/>
-                    <a:lumOff val="5000"/>
-                  </a:schemeClr>
-                </a:solidFill>
-                <a:latin typeface="Arial" pitchFamily="34" charset="0"/>
-                <a:cs typeface="Arial" pitchFamily="34" charset="0"/>
-              </a:rPr>
-              <a:t> </a:t>
-            </a:r>
-            <a:r>
-              <a:rPr lang="en-US" sz="2000" dirty="0">
-                <a:solidFill>
-                  <a:schemeClr val="tx1">
-                    <a:lumMod val="95000"/>
-                    <a:lumOff val="5000"/>
-                  </a:schemeClr>
-                </a:solidFill>
-                <a:latin typeface="Arial" pitchFamily="34" charset="0"/>
-                <a:cs typeface="Arial" pitchFamily="34" charset="0"/>
-              </a:rPr>
-              <a:t>(es fin de </a:t>
-            </a:r>
-            <a:r>
-              <a:rPr lang="en-US" sz="2000" dirty="0" err="1">
-                <a:solidFill>
-                  <a:schemeClr val="tx1">
-                    <a:lumMod val="95000"/>
-                    <a:lumOff val="5000"/>
-                  </a:schemeClr>
-                </a:solidFill>
-                <a:latin typeface="Arial" pitchFamily="34" charset="0"/>
-                <a:cs typeface="Arial" pitchFamily="34" charset="0"/>
-              </a:rPr>
-              <a:t>archivo</a:t>
-            </a:r>
-            <a:r>
-              <a:rPr lang="en-US" sz="2000" dirty="0">
-                <a:solidFill>
-                  <a:schemeClr val="tx1">
-                    <a:lumMod val="95000"/>
-                    <a:lumOff val="5000"/>
-                  </a:schemeClr>
-                </a:solidFill>
-                <a:latin typeface="Arial" pitchFamily="34" charset="0"/>
-                <a:cs typeface="Arial" pitchFamily="34" charset="0"/>
-              </a:rPr>
-              <a:t>)</a:t>
+              <a:t>SiNo</a:t>
             </a:r>
             <a:endParaRPr lang="es-ES" sz="2000" dirty="0">
               <a:solidFill>
@@ -18219,7 +16658,7 @@
                 <a:latin typeface="Arial" pitchFamily="34" charset="0"/>
                 <a:cs typeface="Arial" pitchFamily="34" charset="0"/>
               </a:rPr>
-              <a:t>            	       </a:t>
+              <a:t>	       </a:t>
             </a:r>
             <a:r>
               <a:rPr lang="es-ES" sz="2000" dirty="0" err="1">
@@ -18271,27 +16710,7 @@
                 <a:latin typeface="Arial" pitchFamily="34" charset="0"/>
                 <a:cs typeface="Arial" pitchFamily="34" charset="0"/>
               </a:rPr>
-              <a:t> -1</a:t>
-            </a:r>
-          </a:p>
-          <a:p>
-            <a:pPr>
-              <a:lnSpc>
-                <a:spcPts val="2600"/>
-              </a:lnSpc>
-            </a:pPr>
-            <a:r>
-              <a:rPr lang="es-ES" sz="2000" dirty="0">
-                <a:solidFill>
-                  <a:schemeClr val="tx1">
-                    <a:lumMod val="95000"/>
-                    <a:lumOff val="5000"/>
-                  </a:schemeClr>
-                </a:solidFill>
-                <a:latin typeface="Arial" pitchFamily="34" charset="0"/>
-                <a:cs typeface="Arial" pitchFamily="34" charset="0"/>
-              </a:rPr>
-              <a:t>	       continua = Falso (salir del ciclo)</a:t>
+              <a:t> + 1</a:t>
             </a:r>
           </a:p>
           <a:p>
@@ -18367,162 +16786,6 @@
               <a:solidFill>
                 <a:schemeClr val="bg2">
                   <a:lumMod val="25000"/>
-                </a:schemeClr>
-              </a:solidFill>
-              <a:latin typeface="Arial" pitchFamily="34" charset="0"/>
-              <a:cs typeface="Arial" pitchFamily="34" charset="0"/>
-            </a:endParaRPr>
-          </a:p>
-          <a:p>
-            <a:pPr>
-              <a:lnSpc>
-                <a:spcPts val="2600"/>
-              </a:lnSpc>
-            </a:pPr>
-            <a:r>
-              <a:rPr lang="es-ES" sz="2000" b="1" dirty="0">
-                <a:solidFill>
-                  <a:schemeClr val="tx1">
-                    <a:lumMod val="95000"/>
-                    <a:lumOff val="5000"/>
-                  </a:schemeClr>
-                </a:solidFill>
-                <a:latin typeface="Arial" pitchFamily="34" charset="0"/>
-                <a:cs typeface="Arial" pitchFamily="34" charset="0"/>
-              </a:rPr>
-              <a:t>Pedir el </a:t>
-            </a:r>
-            <a:r>
-              <a:rPr lang="es-ES" sz="2000" b="1" dirty="0">
-                <a:solidFill>
-                  <a:schemeClr val="accent6">
-                    <a:lumMod val="75000"/>
-                  </a:schemeClr>
-                </a:solidFill>
-                <a:latin typeface="Arial" pitchFamily="34" charset="0"/>
-                <a:cs typeface="Arial" pitchFamily="34" charset="0"/>
-              </a:rPr>
-              <a:t>nombre</a:t>
-            </a:r>
-            <a:r>
-              <a:rPr lang="es-ES" sz="2000" b="1" dirty="0">
-                <a:solidFill>
-                  <a:schemeClr val="tx1">
-                    <a:lumMod val="95000"/>
-                    <a:lumOff val="5000"/>
-                  </a:schemeClr>
-                </a:solidFill>
-                <a:latin typeface="Arial" pitchFamily="34" charset="0"/>
-                <a:cs typeface="Arial" pitchFamily="34" charset="0"/>
-              </a:rPr>
-              <a:t> del archivo</a:t>
-            </a:r>
-          </a:p>
-          <a:p>
-            <a:pPr>
-              <a:lnSpc>
-                <a:spcPts val="2600"/>
-              </a:lnSpc>
-            </a:pPr>
-            <a:r>
-              <a:rPr lang="es-ES" sz="2000" b="1" dirty="0">
-                <a:solidFill>
-                  <a:schemeClr val="tx1">
-                    <a:lumMod val="95000"/>
-                    <a:lumOff val="5000"/>
-                  </a:schemeClr>
-                </a:solidFill>
-                <a:latin typeface="Arial" pitchFamily="34" charset="0"/>
-                <a:cs typeface="Arial" pitchFamily="34" charset="0"/>
-              </a:rPr>
-              <a:t>res = </a:t>
-            </a:r>
-            <a:r>
-              <a:rPr lang="es-ES" sz="2000" b="1" dirty="0" err="1">
-                <a:solidFill>
-                  <a:srgbClr val="0070C0"/>
-                </a:solidFill>
-                <a:latin typeface="Arial" pitchFamily="34" charset="0"/>
-                <a:cs typeface="Arial" pitchFamily="34" charset="0"/>
-              </a:rPr>
-              <a:t>cuentaCaracteres</a:t>
-            </a:r>
-            <a:r>
-              <a:rPr lang="es-ES" sz="2000" b="1" dirty="0">
-                <a:solidFill>
-                  <a:schemeClr val="tx1">
-                    <a:lumMod val="95000"/>
-                    <a:lumOff val="5000"/>
-                  </a:schemeClr>
-                </a:solidFill>
-                <a:latin typeface="Arial" pitchFamily="34" charset="0"/>
-                <a:cs typeface="Arial" pitchFamily="34" charset="0"/>
-              </a:rPr>
-              <a:t>(</a:t>
-            </a:r>
-            <a:r>
-              <a:rPr lang="es-ES" sz="2000" b="1" dirty="0">
-                <a:solidFill>
-                  <a:schemeClr val="accent6">
-                    <a:lumMod val="75000"/>
-                  </a:schemeClr>
-                </a:solidFill>
-                <a:latin typeface="Arial" pitchFamily="34" charset="0"/>
-                <a:cs typeface="Arial" pitchFamily="34" charset="0"/>
-              </a:rPr>
-              <a:t>nombre</a:t>
-            </a:r>
-            <a:r>
-              <a:rPr lang="es-ES" sz="2000" b="1" dirty="0">
-                <a:solidFill>
-                  <a:schemeClr val="tx1">
-                    <a:lumMod val="95000"/>
-                    <a:lumOff val="5000"/>
-                  </a:schemeClr>
-                </a:solidFill>
-                <a:latin typeface="Arial" pitchFamily="34" charset="0"/>
-                <a:cs typeface="Arial" pitchFamily="34" charset="0"/>
-              </a:rPr>
-              <a:t>)</a:t>
-            </a:r>
-          </a:p>
-          <a:p>
-            <a:pPr>
-              <a:lnSpc>
-                <a:spcPts val="2600"/>
-              </a:lnSpc>
-            </a:pPr>
-            <a:r>
-              <a:rPr lang="es-ES" sz="2000" b="1" dirty="0">
-                <a:solidFill>
-                  <a:schemeClr val="tx1">
-                    <a:lumMod val="95000"/>
-                    <a:lumOff val="5000"/>
-                  </a:schemeClr>
-                </a:solidFill>
-                <a:latin typeface="Arial" pitchFamily="34" charset="0"/>
-                <a:cs typeface="Arial" pitchFamily="34" charset="0"/>
-              </a:rPr>
-              <a:t>Escribir (res)</a:t>
-            </a:r>
-            <a:r>
-              <a:rPr lang="es-MX" sz="2000" b="1" dirty="0">
-                <a:solidFill>
-                  <a:schemeClr val="tx1">
-                    <a:lumMod val="95000"/>
-                    <a:lumOff val="5000"/>
-                  </a:schemeClr>
-                </a:solidFill>
-                <a:latin typeface="Arial" panose="020B0604020202020204" pitchFamily="34" charset="0"/>
-                <a:cs typeface="Arial" panose="020B0604020202020204" pitchFamily="34" charset="0"/>
-              </a:rPr>
-              <a:t> </a:t>
-            </a:r>
-            <a:endParaRPr lang="es-ES" sz="2000" b="1" dirty="0">
-              <a:solidFill>
-                <a:schemeClr val="tx1">
-                  <a:lumMod val="95000"/>
-                  <a:lumOff val="5000"/>
                 </a:schemeClr>
               </a:solidFill>
               <a:latin typeface="Arial" pitchFamily="34" charset="0"/>
@@ -18580,7 +16843,7 @@
 </p:sld>
 </file>
 
-<file path=ppt/slides/slide26.xml><?xml version="1.0" encoding="utf-8"?>
+<file path=ppt/slides/slide23.xml><?xml version="1.0" encoding="utf-8"?>
 <p:sld xmlns:a="http://schemas.openxmlformats.org/drawingml/2006/main" xmlns:r="http://schemas.openxmlformats.org/officeDocument/2006/relationships" xmlns:p="http://schemas.openxmlformats.org/presentationml/2006/main">
   <p:cSld>
     <p:spTree>
@@ -18685,7 +16948,7 @@
         <p:spPr>
           <a:xfrm>
             <a:off x="755056" y="1124744"/>
-            <a:ext cx="7920880" cy="5447069"/>
+            <a:ext cx="7920880" cy="5355312"/>
           </a:xfrm>
           <a:prstGeom prst="rect">
             <a:avLst/>
@@ -18697,13 +16960,8 @@
           </a:bodyPr>
           <a:lstStyle/>
           <a:p>
-            <a:pPr>
-              <a:lnSpc>
-                <a:spcPts val="2800"/>
-              </a:lnSpc>
-            </a:pPr>
-            <a:r>
-              <a:rPr lang="en-US" sz="2000" b="1" dirty="0">
+            <a:r>
+              <a:rPr lang="en-US" b="1" dirty="0">
                 <a:solidFill>
                   <a:schemeClr val="tx1">
                     <a:lumMod val="95000"/>
@@ -18716,17 +16974,17 @@
               <a:t>def </a:t>
             </a:r>
             <a:r>
-              <a:rPr lang="en-US" sz="2000" b="1" dirty="0" err="1">
-                <a:solidFill>
-                  <a:srgbClr val="0070C0"/>
+              <a:rPr lang="en-US" b="1" dirty="0" err="1">
+                <a:solidFill>
+                  <a:srgbClr val="FF0000"/>
                 </a:solidFill>
                 <a:latin typeface="Arial" panose="020B0604020202020204" pitchFamily="34" charset="0"/>
                 <a:cs typeface="Arial" pitchFamily="34" charset="0"/>
               </a:rPr>
-              <a:t>cuentaCaracteres</a:t>
-            </a:r>
-            <a:r>
-              <a:rPr lang="en-US" sz="2000" b="1" dirty="0">
+              <a:t>cuenta_caracteres</a:t>
+            </a:r>
+            <a:r>
+              <a:rPr lang="en-US" b="1" dirty="0">
                 <a:solidFill>
                   <a:schemeClr val="tx1">
                     <a:lumMod val="95000"/>
@@ -18739,7 +16997,7 @@
               <a:t>(</a:t>
             </a:r>
             <a:r>
-              <a:rPr lang="en-US" sz="2000" b="1" dirty="0" err="1">
+              <a:rPr lang="en-US" b="1" dirty="0" err="1">
                 <a:solidFill>
                   <a:schemeClr val="tx1">
                     <a:lumMod val="95000"/>
@@ -18752,7 +17010,7 @@
               <a:t>nombre</a:t>
             </a:r>
             <a:r>
-              <a:rPr lang="en-US" sz="2000" b="1" dirty="0">
+              <a:rPr lang="en-US" b="1" dirty="0">
                 <a:solidFill>
                   <a:schemeClr val="tx1">
                     <a:lumMod val="95000"/>
@@ -18766,13 +17024,9 @@
             </a:r>
           </a:p>
           <a:p>
-            <a:pPr algn="just">
-              <a:lnSpc>
-                <a:spcPts val="2800"/>
-              </a:lnSpc>
-            </a:pPr>
-            <a:r>
-              <a:rPr lang="es-MX" sz="2000" b="1" dirty="0">
+            <a:pPr algn="just"/>
+            <a:r>
+              <a:rPr lang="es-MX" b="1" dirty="0">
                 <a:solidFill>
                   <a:schemeClr val="accent6">
                     <a:lumMod val="75000"/>
@@ -18781,10 +17035,22 @@
                 <a:latin typeface="Arial" panose="020B0604020202020204" pitchFamily="34" charset="0"/>
                 <a:cs typeface="Arial" panose="020B0604020202020204" pitchFamily="34" charset="0"/>
               </a:rPr>
-              <a:t>	file</a:t>
-            </a:r>
-            <a:r>
-              <a:rPr lang="es-MX" sz="2000" b="1" dirty="0">
+              <a:t>	</a:t>
+            </a:r>
+            <a:r>
+              <a:rPr lang="es-MX" b="1" dirty="0">
+                <a:solidFill>
+                  <a:schemeClr val="accent3">
+                    <a:lumMod val="75000"/>
+                  </a:schemeClr>
+                </a:solidFill>
+                <a:latin typeface="Arial" panose="020B0604020202020204" pitchFamily="34" charset="0"/>
+                <a:cs typeface="Arial" panose="020B0604020202020204" pitchFamily="34" charset="0"/>
+              </a:rPr>
+              <a:t>file </a:t>
+            </a:r>
+            <a:r>
+              <a:rPr lang="es-MX" b="1" dirty="0">
                 <a:solidFill>
                   <a:schemeClr val="tx1">
                     <a:lumMod val="95000"/>
@@ -18794,10 +17060,22 @@
                 <a:latin typeface="Arial" panose="020B0604020202020204" pitchFamily="34" charset="0"/>
                 <a:cs typeface="Arial" panose="020B0604020202020204" pitchFamily="34" charset="0"/>
               </a:rPr>
-              <a:t>=open(</a:t>
-            </a:r>
-            <a:r>
-              <a:rPr lang="es-MX" sz="2000" b="1" dirty="0" err="1">
+              <a:t>= </a:t>
+            </a:r>
+            <a:r>
+              <a:rPr lang="es-MX" b="1" dirty="0">
+                <a:solidFill>
+                  <a:schemeClr val="accent6">
+                    <a:lumMod val="75000"/>
+                  </a:schemeClr>
+                </a:solidFill>
+                <a:latin typeface="Arial" panose="020B0604020202020204" pitchFamily="34" charset="0"/>
+                <a:cs typeface="Arial" panose="020B0604020202020204" pitchFamily="34" charset="0"/>
+              </a:rPr>
+              <a:t>open</a:t>
+            </a:r>
+            <a:r>
+              <a:rPr lang="es-MX" b="1" dirty="0">
                 <a:solidFill>
                   <a:schemeClr val="tx1">
                     <a:lumMod val="95000"/>
@@ -18807,10 +17085,10 @@
                 <a:latin typeface="Arial" panose="020B0604020202020204" pitchFamily="34" charset="0"/>
                 <a:cs typeface="Arial" panose="020B0604020202020204" pitchFamily="34" charset="0"/>
               </a:rPr>
-              <a:t>nombre,"r</a:t>
-            </a:r>
-            <a:r>
-              <a:rPr lang="es-MX" sz="2000" b="1" dirty="0">
+              <a:t>(</a:t>
+            </a:r>
+            <a:r>
+              <a:rPr lang="es-MX" b="1" dirty="0" err="1">
                 <a:solidFill>
                   <a:schemeClr val="tx1">
                     <a:lumMod val="95000"/>
@@ -18820,17 +17098,10 @@
                 <a:latin typeface="Arial" panose="020B0604020202020204" pitchFamily="34" charset="0"/>
                 <a:cs typeface="Arial" panose="020B0604020202020204" pitchFamily="34" charset="0"/>
               </a:rPr>
-              <a:t>")</a:t>
-            </a:r>
-          </a:p>
-          <a:p>
-            <a:pPr algn="just">
-              <a:lnSpc>
-                <a:spcPts val="2800"/>
-              </a:lnSpc>
-            </a:pPr>
-            <a:r>
-              <a:rPr lang="es-MX" sz="2000" b="1" dirty="0">
+              <a:t>nombre,"r</a:t>
+            </a:r>
+            <a:r>
+              <a:rPr lang="es-MX" b="1" dirty="0">
                 <a:solidFill>
                   <a:schemeClr val="tx1">
                     <a:lumMod val="95000"/>
@@ -18840,10 +17111,13 @@
                 <a:latin typeface="Arial" panose="020B0604020202020204" pitchFamily="34" charset="0"/>
                 <a:cs typeface="Arial" panose="020B0604020202020204" pitchFamily="34" charset="0"/>
               </a:rPr>
-              <a:t>	</a:t>
-            </a:r>
-            <a:r>
-              <a:rPr lang="es-MX" sz="2000" b="1" dirty="0" err="1">
+              <a:t>")</a:t>
+            </a:r>
+          </a:p>
+          <a:p>
+            <a:pPr algn="just"/>
+            <a:r>
+              <a:rPr lang="es-MX" b="1" dirty="0">
                 <a:solidFill>
                   <a:schemeClr val="tx1">
                     <a:lumMod val="95000"/>
@@ -18853,10 +17127,10 @@
                 <a:latin typeface="Arial" panose="020B0604020202020204" pitchFamily="34" charset="0"/>
                 <a:cs typeface="Arial" panose="020B0604020202020204" pitchFamily="34" charset="0"/>
               </a:rPr>
-              <a:t>cont</a:t>
-            </a:r>
-            <a:r>
-              <a:rPr lang="es-MX" sz="2000" b="1" dirty="0">
+              <a:t>	</a:t>
+            </a:r>
+            <a:r>
+              <a:rPr lang="es-MX" b="1" dirty="0" err="1">
                 <a:solidFill>
                   <a:schemeClr val="tx1">
                     <a:lumMod val="95000"/>
@@ -18866,72 +17140,41 @@
                 <a:latin typeface="Arial" panose="020B0604020202020204" pitchFamily="34" charset="0"/>
                 <a:cs typeface="Arial" panose="020B0604020202020204" pitchFamily="34" charset="0"/>
               </a:rPr>
-              <a:t> = 0</a:t>
-            </a:r>
-          </a:p>
-          <a:p>
-            <a:pPr>
-              <a:lnSpc>
-                <a:spcPts val="2800"/>
-              </a:lnSpc>
-            </a:pPr>
-            <a:r>
-              <a:rPr lang="es-ES" sz="2000" b="1" dirty="0">
-                <a:solidFill>
-                  <a:schemeClr val="bg2">
-                    <a:lumMod val="25000"/>
-                  </a:schemeClr>
-                </a:solidFill>
-                <a:latin typeface="Arial" pitchFamily="34" charset="0"/>
-                <a:cs typeface="Arial" pitchFamily="34" charset="0"/>
-              </a:rPr>
-              <a:t>	</a:t>
-            </a:r>
-            <a:r>
-              <a:rPr lang="es-ES" sz="2000" b="1" dirty="0" err="1">
+              <a:t>cont</a:t>
+            </a:r>
+            <a:r>
+              <a:rPr lang="es-MX" b="1" dirty="0">
                 <a:solidFill>
                   <a:schemeClr val="tx1">
                     <a:lumMod val="95000"/>
                     <a:lumOff val="5000"/>
                   </a:schemeClr>
                 </a:solidFill>
-                <a:latin typeface="Arial" pitchFamily="34" charset="0"/>
-                <a:cs typeface="Arial" pitchFamily="34" charset="0"/>
-              </a:rPr>
-              <a:t>while</a:t>
-            </a:r>
-            <a:r>
-              <a:rPr lang="es-ES" sz="2000" b="1" dirty="0">
+                <a:latin typeface="Arial" panose="020B0604020202020204" pitchFamily="34" charset="0"/>
+                <a:cs typeface="Arial" panose="020B0604020202020204" pitchFamily="34" charset="0"/>
+              </a:rPr>
+              <a:t> = 0</a:t>
+            </a:r>
+          </a:p>
+          <a:p>
+            <a:pPr algn="just"/>
+            <a:r>
+              <a:rPr lang="es-MX" b="1" dirty="0">
                 <a:solidFill>
                   <a:schemeClr val="tx1">
                     <a:lumMod val="95000"/>
                     <a:lumOff val="5000"/>
                   </a:schemeClr>
                 </a:solidFill>
-                <a:latin typeface="Arial" pitchFamily="34" charset="0"/>
-                <a:cs typeface="Arial" pitchFamily="34" charset="0"/>
-              </a:rPr>
-              <a:t> True:</a:t>
-            </a:r>
-          </a:p>
-          <a:p>
-            <a:pPr>
-              <a:lnSpc>
-                <a:spcPts val="2800"/>
-              </a:lnSpc>
-            </a:pPr>
-            <a:r>
-              <a:rPr lang="es-ES" sz="2000" b="1" dirty="0">
-                <a:solidFill>
-                  <a:srgbClr val="00B050"/>
-                </a:solidFill>
-                <a:latin typeface="Arial" pitchFamily="34" charset="0"/>
-                <a:cs typeface="Arial" pitchFamily="34" charset="0"/>
-              </a:rPr>
-              <a:t>        		letra </a:t>
-            </a:r>
-            <a:r>
-              <a:rPr lang="es-ES" sz="2000" b="1" dirty="0">
+                <a:latin typeface="Arial" panose="020B0604020202020204" pitchFamily="34" charset="0"/>
+                <a:cs typeface="Arial" panose="020B0604020202020204" pitchFamily="34" charset="0"/>
+              </a:rPr>
+              <a:t>	continua = True</a:t>
+            </a:r>
+          </a:p>
+          <a:p>
+            <a:r>
+              <a:rPr lang="es-ES" b="1" dirty="0">
                 <a:solidFill>
                   <a:schemeClr val="bg2">
                     <a:lumMod val="25000"/>
@@ -18940,10 +17183,82 @@
                 <a:latin typeface="Arial" pitchFamily="34" charset="0"/>
                 <a:cs typeface="Arial" pitchFamily="34" charset="0"/>
               </a:rPr>
+              <a:t>	</a:t>
+            </a:r>
+            <a:r>
+              <a:rPr lang="es-ES" b="1" dirty="0" err="1">
+                <a:solidFill>
+                  <a:schemeClr val="tx1">
+                    <a:lumMod val="95000"/>
+                    <a:lumOff val="5000"/>
+                  </a:schemeClr>
+                </a:solidFill>
+                <a:latin typeface="Arial" pitchFamily="34" charset="0"/>
+                <a:cs typeface="Arial" pitchFamily="34" charset="0"/>
+              </a:rPr>
+              <a:t>while</a:t>
+            </a:r>
+            <a:r>
+              <a:rPr lang="es-ES" b="1" dirty="0">
+                <a:solidFill>
+                  <a:schemeClr val="tx1">
+                    <a:lumMod val="95000"/>
+                    <a:lumOff val="5000"/>
+                  </a:schemeClr>
+                </a:solidFill>
+                <a:latin typeface="Arial" pitchFamily="34" charset="0"/>
+                <a:cs typeface="Arial" pitchFamily="34" charset="0"/>
+              </a:rPr>
+              <a:t> continua:</a:t>
+            </a:r>
+          </a:p>
+          <a:p>
+            <a:r>
+              <a:rPr lang="es-ES" b="1" dirty="0">
+                <a:solidFill>
+                  <a:srgbClr val="00B050"/>
+                </a:solidFill>
+                <a:latin typeface="Arial" pitchFamily="34" charset="0"/>
+                <a:cs typeface="Arial" pitchFamily="34" charset="0"/>
+              </a:rPr>
+              <a:t>        		</a:t>
+            </a:r>
+            <a:r>
+              <a:rPr lang="es-ES" b="1" dirty="0">
+                <a:solidFill>
+                  <a:srgbClr val="0070C0"/>
+                </a:solidFill>
+                <a:latin typeface="Arial" pitchFamily="34" charset="0"/>
+                <a:cs typeface="Arial" pitchFamily="34" charset="0"/>
+              </a:rPr>
+              <a:t>letra </a:t>
+            </a:r>
+            <a:r>
+              <a:rPr lang="es-ES" b="1" dirty="0">
+                <a:solidFill>
+                  <a:schemeClr val="bg2">
+                    <a:lumMod val="25000"/>
+                  </a:schemeClr>
+                </a:solidFill>
+                <a:latin typeface="Arial" pitchFamily="34" charset="0"/>
+                <a:cs typeface="Arial" pitchFamily="34" charset="0"/>
+              </a:rPr>
               <a:t>= </a:t>
             </a:r>
             <a:r>
-              <a:rPr lang="es-ES" sz="2000" b="1" dirty="0" err="1">
+              <a:rPr lang="es-ES" b="1" dirty="0" err="1">
+                <a:solidFill>
+                  <a:schemeClr val="accent3">
+                    <a:lumMod val="75000"/>
+                  </a:schemeClr>
+                </a:solidFill>
+                <a:latin typeface="Arial" pitchFamily="34" charset="0"/>
+                <a:cs typeface="Arial" pitchFamily="34" charset="0"/>
+              </a:rPr>
+              <a:t>file.</a:t>
+            </a:r>
+            <a:r>
+              <a:rPr lang="es-ES" b="1" dirty="0" err="1">
                 <a:solidFill>
                   <a:schemeClr val="accent6">
                     <a:lumMod val="75000"/>
@@ -18952,10 +17267,10 @@
                 <a:latin typeface="Arial" pitchFamily="34" charset="0"/>
                 <a:cs typeface="Arial" pitchFamily="34" charset="0"/>
               </a:rPr>
-              <a:t>file.read</a:t>
-            </a:r>
-            <a:r>
-              <a:rPr lang="es-ES" sz="2000" b="1" dirty="0">
+              <a:t>read</a:t>
+            </a:r>
+            <a:r>
+              <a:rPr lang="es-ES" b="1" dirty="0">
                 <a:solidFill>
                   <a:schemeClr val="accent6">
                     <a:lumMod val="75000"/>
@@ -18967,7 +17282,7 @@
               <a:t>(1) </a:t>
             </a:r>
             <a:r>
-              <a:rPr lang="en-US" sz="2000" b="1" dirty="0">
+              <a:rPr lang="en-US" b="1" dirty="0">
                 <a:solidFill>
                   <a:schemeClr val="tx1">
                     <a:lumMod val="50000"/>
@@ -18980,7 +17295,7 @@
               <a:t># Lee un </a:t>
             </a:r>
             <a:r>
-              <a:rPr lang="en-US" sz="2000" b="1" dirty="0" err="1">
+              <a:rPr lang="en-US" b="1" dirty="0" err="1">
                 <a:solidFill>
                   <a:schemeClr val="tx1">
                     <a:lumMod val="50000"/>
@@ -18993,7 +17308,7 @@
               <a:t>caracter</a:t>
             </a:r>
             <a:r>
-              <a:rPr lang="en-US" sz="2000" b="1" dirty="0">
+              <a:rPr lang="en-US" b="1" dirty="0">
                 <a:solidFill>
                   <a:schemeClr val="tx1">
                     <a:lumMod val="50000"/>
@@ -19006,7 +17321,7 @@
               <a:t> del </a:t>
             </a:r>
             <a:r>
-              <a:rPr lang="en-US" sz="2000" b="1" dirty="0" err="1">
+              <a:rPr lang="en-US" b="1" dirty="0" err="1">
                 <a:solidFill>
                   <a:schemeClr val="tx1">
                     <a:lumMod val="50000"/>
@@ -19018,7 +17333,7 @@
               </a:rPr>
               <a:t>archivo</a:t>
             </a:r>
-            <a:endParaRPr lang="en-US" sz="2000" b="1" dirty="0">
+            <a:endParaRPr lang="en-US" b="1" dirty="0">
               <a:solidFill>
                 <a:schemeClr val="tx1">
                   <a:lumMod val="50000"/>
@@ -19030,13 +17345,8 @@
             </a:endParaRPr>
           </a:p>
           <a:p>
-            <a:pPr>
-              <a:lnSpc>
-                <a:spcPts val="2800"/>
-              </a:lnSpc>
-            </a:pPr>
-            <a:r>
-              <a:rPr lang="en-US" sz="2000" b="1" dirty="0">
+            <a:r>
+              <a:rPr lang="en-US" b="1" dirty="0">
                 <a:solidFill>
                   <a:schemeClr val="tx1">
                     <a:lumMod val="50000"/>
@@ -19049,58 +17359,406 @@
               <a:t>		</a:t>
             </a:r>
             <a:r>
-              <a:rPr lang="es-MX" sz="2000" b="1" dirty="0" err="1">
+              <a:rPr lang="es-ES" b="1" dirty="0" err="1">
                 <a:solidFill>
                   <a:schemeClr val="tx1">
                     <a:lumMod val="95000"/>
                     <a:lumOff val="5000"/>
                   </a:schemeClr>
                 </a:solidFill>
-                <a:latin typeface="Arial" panose="020B0604020202020204" pitchFamily="34" charset="0"/>
-                <a:cs typeface="Arial" panose="020B0604020202020204" pitchFamily="34" charset="0"/>
-              </a:rPr>
-              <a:t>cont</a:t>
-            </a:r>
-            <a:r>
-              <a:rPr lang="es-MX" sz="2000" b="1" dirty="0">
+                <a:latin typeface="Arial" pitchFamily="34" charset="0"/>
+                <a:cs typeface="Arial" pitchFamily="34" charset="0"/>
+              </a:rPr>
+              <a:t>if</a:t>
+            </a:r>
+            <a:r>
+              <a:rPr lang="es-ES" b="1" dirty="0">
                 <a:solidFill>
                   <a:schemeClr val="tx1">
                     <a:lumMod val="95000"/>
                     <a:lumOff val="5000"/>
                   </a:schemeClr>
                 </a:solidFill>
-                <a:latin typeface="Arial" panose="020B0604020202020204" pitchFamily="34" charset="0"/>
-                <a:cs typeface="Arial" panose="020B0604020202020204" pitchFamily="34" charset="0"/>
-              </a:rPr>
-              <a:t> = </a:t>
-            </a:r>
-            <a:r>
-              <a:rPr lang="es-MX" sz="2000" b="1" dirty="0" err="1">
+                <a:latin typeface="Arial" pitchFamily="34" charset="0"/>
+                <a:cs typeface="Arial" pitchFamily="34" charset="0"/>
+              </a:rPr>
+              <a:t> </a:t>
+            </a:r>
+            <a:r>
+              <a:rPr lang="es-ES" b="1" dirty="0" err="1">
                 <a:solidFill>
                   <a:schemeClr val="tx1">
                     <a:lumMod val="95000"/>
                     <a:lumOff val="5000"/>
                   </a:schemeClr>
                 </a:solidFill>
-                <a:latin typeface="Arial" panose="020B0604020202020204" pitchFamily="34" charset="0"/>
-                <a:cs typeface="Arial" panose="020B0604020202020204" pitchFamily="34" charset="0"/>
-              </a:rPr>
-              <a:t>cont</a:t>
-            </a:r>
-            <a:r>
-              <a:rPr lang="es-MX" sz="2000" b="1" dirty="0">
+                <a:latin typeface="Arial" pitchFamily="34" charset="0"/>
+                <a:cs typeface="Arial" pitchFamily="34" charset="0"/>
+              </a:rPr>
+              <a:t>not</a:t>
+            </a:r>
+            <a:r>
+              <a:rPr lang="es-ES" b="1" dirty="0">
                 <a:solidFill>
                   <a:schemeClr val="tx1">
                     <a:lumMod val="95000"/>
                     <a:lumOff val="5000"/>
                   </a:schemeClr>
                 </a:solidFill>
-                <a:latin typeface="Arial" panose="020B0604020202020204" pitchFamily="34" charset="0"/>
-                <a:cs typeface="Arial" panose="020B0604020202020204" pitchFamily="34" charset="0"/>
+                <a:latin typeface="Arial" pitchFamily="34" charset="0"/>
+                <a:cs typeface="Arial" pitchFamily="34" charset="0"/>
+              </a:rPr>
+              <a:t> </a:t>
+            </a:r>
+            <a:r>
+              <a:rPr lang="es-ES" b="1" dirty="0">
+                <a:solidFill>
+                  <a:srgbClr val="0070C0"/>
+                </a:solidFill>
+                <a:latin typeface="Arial" pitchFamily="34" charset="0"/>
+                <a:cs typeface="Arial" pitchFamily="34" charset="0"/>
+              </a:rPr>
+              <a:t>letra</a:t>
+            </a:r>
+            <a:r>
+              <a:rPr lang="es-ES" b="1" dirty="0">
+                <a:solidFill>
+                  <a:schemeClr val="bg2">
+                    <a:lumMod val="25000"/>
+                  </a:schemeClr>
+                </a:solidFill>
+                <a:latin typeface="Arial" pitchFamily="34" charset="0"/>
+                <a:cs typeface="Arial" pitchFamily="34" charset="0"/>
+              </a:rPr>
+              <a:t>: </a:t>
+            </a:r>
+            <a:r>
+              <a:rPr lang="en-US" b="1" dirty="0">
+                <a:solidFill>
+                  <a:schemeClr val="tx1">
+                    <a:lumMod val="50000"/>
+                    <a:lumOff val="50000"/>
+                  </a:schemeClr>
+                </a:solidFill>
+                <a:latin typeface="Arial" pitchFamily="34" charset="0"/>
+                <a:cs typeface="Arial" pitchFamily="34" charset="0"/>
+              </a:rPr>
+              <a:t># Si no es </a:t>
+            </a:r>
+            <a:r>
+              <a:rPr lang="en-US" b="1" dirty="0" err="1">
+                <a:solidFill>
+                  <a:schemeClr val="tx1">
+                    <a:lumMod val="50000"/>
+                    <a:lumOff val="50000"/>
+                  </a:schemeClr>
+                </a:solidFill>
+                <a:latin typeface="Arial" pitchFamily="34" charset="0"/>
+                <a:cs typeface="Arial" pitchFamily="34" charset="0"/>
+              </a:rPr>
+              <a:t>letra</a:t>
+            </a:r>
+            <a:r>
+              <a:rPr lang="en-US" b="1" dirty="0">
+                <a:solidFill>
+                  <a:schemeClr val="tx1">
+                    <a:lumMod val="50000"/>
+                    <a:lumOff val="50000"/>
+                  </a:schemeClr>
+                </a:solidFill>
+                <a:latin typeface="Arial" pitchFamily="34" charset="0"/>
+                <a:cs typeface="Arial" pitchFamily="34" charset="0"/>
+              </a:rPr>
+              <a:t> (</a:t>
+            </a:r>
+            <a:r>
+              <a:rPr lang="en-US" b="1" dirty="0" err="1">
+                <a:solidFill>
+                  <a:schemeClr val="tx1">
+                    <a:lumMod val="50000"/>
+                    <a:lumOff val="50000"/>
+                  </a:schemeClr>
+                </a:solidFill>
+                <a:latin typeface="Arial" pitchFamily="34" charset="0"/>
+                <a:cs typeface="Arial" pitchFamily="34" charset="0"/>
+              </a:rPr>
+              <a:t>si</a:t>
+            </a:r>
+            <a:r>
+              <a:rPr lang="en-US" b="1" dirty="0">
+                <a:solidFill>
+                  <a:schemeClr val="tx1">
+                    <a:lumMod val="50000"/>
+                    <a:lumOff val="50000"/>
+                  </a:schemeClr>
+                </a:solidFill>
+                <a:latin typeface="Arial" pitchFamily="34" charset="0"/>
+                <a:cs typeface="Arial" pitchFamily="34" charset="0"/>
+              </a:rPr>
+              <a:t> es fin de </a:t>
+            </a:r>
+            <a:r>
+              <a:rPr lang="en-US" b="1" dirty="0" err="1">
+                <a:solidFill>
+                  <a:schemeClr val="tx1">
+                    <a:lumMod val="50000"/>
+                    <a:lumOff val="50000"/>
+                  </a:schemeClr>
+                </a:solidFill>
+                <a:latin typeface="Arial" pitchFamily="34" charset="0"/>
+                <a:cs typeface="Arial" pitchFamily="34" charset="0"/>
+              </a:rPr>
+              <a:t>archivo</a:t>
+            </a:r>
+            <a:r>
+              <a:rPr lang="en-US" b="1" dirty="0">
+                <a:solidFill>
+                  <a:schemeClr val="tx1">
+                    <a:lumMod val="50000"/>
+                    <a:lumOff val="50000"/>
+                  </a:schemeClr>
+                </a:solidFill>
+                <a:latin typeface="Arial" pitchFamily="34" charset="0"/>
+                <a:cs typeface="Arial" pitchFamily="34" charset="0"/>
+              </a:rPr>
+              <a:t>)</a:t>
+            </a:r>
+            <a:endParaRPr lang="es-ES" b="1" dirty="0">
+              <a:solidFill>
+                <a:schemeClr val="bg2">
+                  <a:lumMod val="25000"/>
+                </a:schemeClr>
+              </a:solidFill>
+              <a:latin typeface="Arial" pitchFamily="34" charset="0"/>
+              <a:cs typeface="Arial" pitchFamily="34" charset="0"/>
+            </a:endParaRPr>
+          </a:p>
+          <a:p>
+            <a:r>
+              <a:rPr lang="es-ES" b="1" dirty="0">
+                <a:solidFill>
+                  <a:schemeClr val="bg2">
+                    <a:lumMod val="25000"/>
+                  </a:schemeClr>
+                </a:solidFill>
+                <a:latin typeface="Arial" pitchFamily="34" charset="0"/>
+                <a:cs typeface="Arial" pitchFamily="34" charset="0"/>
+              </a:rPr>
+              <a:t>            			</a:t>
+            </a:r>
+            <a:r>
+              <a:rPr lang="es-ES" b="1" dirty="0">
+                <a:solidFill>
+                  <a:schemeClr val="tx1">
+                    <a:lumMod val="95000"/>
+                    <a:lumOff val="5000"/>
+                  </a:schemeClr>
+                </a:solidFill>
+                <a:latin typeface="Arial" pitchFamily="34" charset="0"/>
+                <a:cs typeface="Arial" pitchFamily="34" charset="0"/>
+              </a:rPr>
+              <a:t>continua = False</a:t>
+            </a:r>
+          </a:p>
+          <a:p>
+            <a:r>
+              <a:rPr lang="es-ES" b="1" dirty="0">
+                <a:solidFill>
+                  <a:schemeClr val="tx1">
+                    <a:lumMod val="95000"/>
+                    <a:lumOff val="5000"/>
+                  </a:schemeClr>
+                </a:solidFill>
+                <a:latin typeface="Arial" pitchFamily="34" charset="0"/>
+                <a:cs typeface="Arial" pitchFamily="34" charset="0"/>
+              </a:rPr>
+              <a:t>		</a:t>
+            </a:r>
+            <a:r>
+              <a:rPr lang="es-ES" b="1" dirty="0" err="1">
+                <a:solidFill>
+                  <a:schemeClr val="tx1">
+                    <a:lumMod val="95000"/>
+                    <a:lumOff val="5000"/>
+                  </a:schemeClr>
+                </a:solidFill>
+                <a:latin typeface="Arial" pitchFamily="34" charset="0"/>
+                <a:cs typeface="Arial" pitchFamily="34" charset="0"/>
+              </a:rPr>
+              <a:t>else</a:t>
+            </a:r>
+            <a:r>
+              <a:rPr lang="es-ES" b="1" dirty="0">
+                <a:solidFill>
+                  <a:schemeClr val="tx1">
+                    <a:lumMod val="95000"/>
+                    <a:lumOff val="5000"/>
+                  </a:schemeClr>
+                </a:solidFill>
+                <a:latin typeface="Arial" pitchFamily="34" charset="0"/>
+                <a:cs typeface="Arial" pitchFamily="34" charset="0"/>
+              </a:rPr>
+              <a:t>:</a:t>
+            </a:r>
+          </a:p>
+          <a:p>
+            <a:r>
+              <a:rPr lang="es-ES" b="1" dirty="0">
+                <a:solidFill>
+                  <a:schemeClr val="tx1">
+                    <a:lumMod val="95000"/>
+                    <a:lumOff val="5000"/>
+                  </a:schemeClr>
+                </a:solidFill>
+                <a:latin typeface="Arial" pitchFamily="34" charset="0"/>
+                <a:cs typeface="Arial" pitchFamily="34" charset="0"/>
+              </a:rPr>
+              <a:t>			</a:t>
+            </a:r>
+            <a:r>
+              <a:rPr lang="es-ES" b="1" dirty="0" err="1">
+                <a:solidFill>
+                  <a:schemeClr val="tx1">
+                    <a:lumMod val="95000"/>
+                    <a:lumOff val="5000"/>
+                  </a:schemeClr>
+                </a:solidFill>
+                <a:latin typeface="Arial" pitchFamily="34" charset="0"/>
+                <a:cs typeface="Arial" pitchFamily="34" charset="0"/>
+              </a:rPr>
+              <a:t>cont</a:t>
+            </a:r>
+            <a:r>
+              <a:rPr lang="es-ES" b="1" dirty="0">
+                <a:solidFill>
+                  <a:schemeClr val="tx1">
+                    <a:lumMod val="95000"/>
+                    <a:lumOff val="5000"/>
+                  </a:schemeClr>
+                </a:solidFill>
+                <a:latin typeface="Arial" pitchFamily="34" charset="0"/>
+                <a:cs typeface="Arial" pitchFamily="34" charset="0"/>
+              </a:rPr>
+              <a:t> = </a:t>
+            </a:r>
+            <a:r>
+              <a:rPr lang="es-ES" b="1" dirty="0" err="1">
+                <a:solidFill>
+                  <a:schemeClr val="tx1">
+                    <a:lumMod val="95000"/>
+                    <a:lumOff val="5000"/>
+                  </a:schemeClr>
+                </a:solidFill>
+                <a:latin typeface="Arial" pitchFamily="34" charset="0"/>
+                <a:cs typeface="Arial" pitchFamily="34" charset="0"/>
+              </a:rPr>
+              <a:t>cont</a:t>
+            </a:r>
+            <a:r>
+              <a:rPr lang="es-ES" b="1" dirty="0">
+                <a:solidFill>
+                  <a:schemeClr val="tx1">
+                    <a:lumMod val="95000"/>
+                    <a:lumOff val="5000"/>
+                  </a:schemeClr>
+                </a:solidFill>
+                <a:latin typeface="Arial" pitchFamily="34" charset="0"/>
+                <a:cs typeface="Arial" pitchFamily="34" charset="0"/>
               </a:rPr>
               <a:t> + 1</a:t>
             </a:r>
-            <a:endParaRPr lang="es-ES" sz="2000" b="1" dirty="0">
+          </a:p>
+          <a:p>
+            <a:r>
+              <a:rPr lang="es-ES" b="1" dirty="0">
+                <a:solidFill>
+                  <a:schemeClr val="accent6">
+                    <a:lumMod val="75000"/>
+                  </a:schemeClr>
+                </a:solidFill>
+                <a:latin typeface="Arial" pitchFamily="34" charset="0"/>
+                <a:cs typeface="Arial" pitchFamily="34" charset="0"/>
+              </a:rPr>
+              <a:t>	</a:t>
+            </a:r>
+            <a:r>
+              <a:rPr lang="es-ES" b="1" dirty="0" err="1">
+                <a:solidFill>
+                  <a:schemeClr val="accent6">
+                    <a:lumMod val="75000"/>
+                  </a:schemeClr>
+                </a:solidFill>
+                <a:latin typeface="Arial" pitchFamily="34" charset="0"/>
+                <a:cs typeface="Arial" pitchFamily="34" charset="0"/>
+              </a:rPr>
+              <a:t>file.close</a:t>
+            </a:r>
+            <a:r>
+              <a:rPr lang="es-ES" b="1" dirty="0">
+                <a:solidFill>
+                  <a:schemeClr val="accent6">
+                    <a:lumMod val="75000"/>
+                  </a:schemeClr>
+                </a:solidFill>
+                <a:latin typeface="Arial" pitchFamily="34" charset="0"/>
+                <a:cs typeface="Arial" pitchFamily="34" charset="0"/>
+              </a:rPr>
+              <a:t>()</a:t>
+            </a:r>
+          </a:p>
+          <a:p>
+            <a:r>
+              <a:rPr lang="es-ES" b="1" dirty="0">
+                <a:solidFill>
+                  <a:schemeClr val="bg2">
+                    <a:lumMod val="25000"/>
+                  </a:schemeClr>
+                </a:solidFill>
+                <a:latin typeface="Arial" pitchFamily="34" charset="0"/>
+                <a:cs typeface="Arial" pitchFamily="34" charset="0"/>
+              </a:rPr>
+              <a:t>	</a:t>
+            </a:r>
+            <a:r>
+              <a:rPr lang="es-ES" b="1" dirty="0" err="1">
+                <a:solidFill>
+                  <a:schemeClr val="tx1">
+                    <a:lumMod val="95000"/>
+                    <a:lumOff val="5000"/>
+                  </a:schemeClr>
+                </a:solidFill>
+                <a:latin typeface="Arial" pitchFamily="34" charset="0"/>
+                <a:cs typeface="Arial" pitchFamily="34" charset="0"/>
+              </a:rPr>
+              <a:t>return</a:t>
+            </a:r>
+            <a:r>
+              <a:rPr lang="es-ES" b="1" dirty="0">
+                <a:solidFill>
+                  <a:schemeClr val="tx1">
+                    <a:lumMod val="95000"/>
+                    <a:lumOff val="5000"/>
+                  </a:schemeClr>
+                </a:solidFill>
+                <a:latin typeface="Arial" pitchFamily="34" charset="0"/>
+                <a:cs typeface="Arial" pitchFamily="34" charset="0"/>
+              </a:rPr>
+              <a:t> </a:t>
+            </a:r>
+            <a:r>
+              <a:rPr lang="es-ES" b="1" dirty="0" err="1">
+                <a:solidFill>
+                  <a:schemeClr val="tx1">
+                    <a:lumMod val="95000"/>
+                    <a:lumOff val="5000"/>
+                  </a:schemeClr>
+                </a:solidFill>
+                <a:latin typeface="Arial" pitchFamily="34" charset="0"/>
+                <a:cs typeface="Arial" pitchFamily="34" charset="0"/>
+              </a:rPr>
+              <a:t>cont</a:t>
+            </a:r>
+            <a:endParaRPr lang="es-ES" b="1" dirty="0">
               <a:solidFill>
                 <a:schemeClr val="tx1">
                   <a:lumMod val="95000"/>
@@ -19112,151 +17770,7 @@
             </a:endParaRPr>
           </a:p>
           <a:p>
-            <a:pPr>
-              <a:lnSpc>
-                <a:spcPts val="2800"/>
-              </a:lnSpc>
-            </a:pPr>
-            <a:r>
-              <a:rPr lang="es-ES" sz="2000" b="1" dirty="0">
-                <a:solidFill>
-                  <a:schemeClr val="tx1">
-                    <a:lumMod val="95000"/>
-                    <a:lumOff val="5000"/>
-                  </a:schemeClr>
-                </a:solidFill>
-                <a:latin typeface="Arial" pitchFamily="34" charset="0"/>
-                <a:cs typeface="Arial" pitchFamily="34" charset="0"/>
-              </a:rPr>
-              <a:t>        		</a:t>
-            </a:r>
-            <a:r>
-              <a:rPr lang="es-ES" sz="2000" b="1" dirty="0" err="1">
-                <a:solidFill>
-                  <a:schemeClr val="tx1">
-                    <a:lumMod val="95000"/>
-                    <a:lumOff val="5000"/>
-                  </a:schemeClr>
-                </a:solidFill>
-                <a:latin typeface="Arial" pitchFamily="34" charset="0"/>
-                <a:cs typeface="Arial" pitchFamily="34" charset="0"/>
-              </a:rPr>
-              <a:t>if</a:t>
-            </a:r>
-            <a:r>
-              <a:rPr lang="es-ES" sz="2000" b="1" dirty="0">
-                <a:solidFill>
-                  <a:schemeClr val="tx1">
-                    <a:lumMod val="95000"/>
-                    <a:lumOff val="5000"/>
-                  </a:schemeClr>
-                </a:solidFill>
-                <a:latin typeface="Arial" pitchFamily="34" charset="0"/>
-                <a:cs typeface="Arial" pitchFamily="34" charset="0"/>
-              </a:rPr>
-              <a:t> </a:t>
-            </a:r>
-            <a:r>
-              <a:rPr lang="es-ES" sz="2000" b="1" dirty="0" err="1">
-                <a:solidFill>
-                  <a:schemeClr val="tx1">
-                    <a:lumMod val="95000"/>
-                    <a:lumOff val="5000"/>
-                  </a:schemeClr>
-                </a:solidFill>
-                <a:latin typeface="Arial" pitchFamily="34" charset="0"/>
-                <a:cs typeface="Arial" pitchFamily="34" charset="0"/>
-              </a:rPr>
-              <a:t>not</a:t>
-            </a:r>
-            <a:r>
-              <a:rPr lang="es-ES" sz="2000" b="1" dirty="0">
-                <a:solidFill>
-                  <a:schemeClr val="tx1">
-                    <a:lumMod val="95000"/>
-                    <a:lumOff val="5000"/>
-                  </a:schemeClr>
-                </a:solidFill>
-                <a:latin typeface="Arial" pitchFamily="34" charset="0"/>
-                <a:cs typeface="Arial" pitchFamily="34" charset="0"/>
-              </a:rPr>
-              <a:t> </a:t>
-            </a:r>
-            <a:r>
-              <a:rPr lang="es-ES" sz="2000" b="1" dirty="0">
-                <a:solidFill>
-                  <a:srgbClr val="00B050"/>
-                </a:solidFill>
-                <a:latin typeface="Arial" pitchFamily="34" charset="0"/>
-                <a:cs typeface="Arial" pitchFamily="34" charset="0"/>
-              </a:rPr>
-              <a:t>letra</a:t>
-            </a:r>
-            <a:r>
-              <a:rPr lang="es-ES" sz="2000" b="1" dirty="0">
-                <a:solidFill>
-                  <a:schemeClr val="bg2">
-                    <a:lumMod val="25000"/>
-                  </a:schemeClr>
-                </a:solidFill>
-                <a:latin typeface="Arial" pitchFamily="34" charset="0"/>
-                <a:cs typeface="Arial" pitchFamily="34" charset="0"/>
-              </a:rPr>
-              <a:t>: </a:t>
-            </a:r>
-            <a:r>
-              <a:rPr lang="en-US" sz="2000" b="1" dirty="0">
-                <a:solidFill>
-                  <a:schemeClr val="tx1">
-                    <a:lumMod val="50000"/>
-                    <a:lumOff val="50000"/>
-                  </a:schemeClr>
-                </a:solidFill>
-                <a:latin typeface="Arial" pitchFamily="34" charset="0"/>
-                <a:cs typeface="Arial" pitchFamily="34" charset="0"/>
-              </a:rPr>
-              <a:t># Si no es </a:t>
-            </a:r>
-            <a:r>
-              <a:rPr lang="en-US" sz="2000" b="1" dirty="0" err="1">
-                <a:solidFill>
-                  <a:schemeClr val="tx1">
-                    <a:lumMod val="50000"/>
-                    <a:lumOff val="50000"/>
-                  </a:schemeClr>
-                </a:solidFill>
-                <a:latin typeface="Arial" pitchFamily="34" charset="0"/>
-                <a:cs typeface="Arial" pitchFamily="34" charset="0"/>
-              </a:rPr>
-              <a:t>letra</a:t>
-            </a:r>
-            <a:r>
-              <a:rPr lang="en-US" sz="2000" b="1" dirty="0">
-                <a:solidFill>
-                  <a:schemeClr val="tx1">
-                    <a:lumMod val="50000"/>
-                    <a:lumOff val="50000"/>
-                  </a:schemeClr>
-                </a:solidFill>
-                <a:latin typeface="Arial" pitchFamily="34" charset="0"/>
-                <a:cs typeface="Arial" pitchFamily="34" charset="0"/>
-              </a:rPr>
-              <a:t>, es fin de </a:t>
-            </a:r>
-            <a:r>
-              <a:rPr lang="en-US" sz="2000" b="1" dirty="0" err="1">
-                <a:solidFill>
-                  <a:schemeClr val="tx1">
-                    <a:lumMod val="50000"/>
-                    <a:lumOff val="50000"/>
-                  </a:schemeClr>
-                </a:solidFill>
-                <a:latin typeface="Arial" pitchFamily="34" charset="0"/>
-                <a:cs typeface="Arial" pitchFamily="34" charset="0"/>
-              </a:rPr>
-              <a:t>archivo</a:t>
-            </a:r>
-            <a:endParaRPr lang="es-ES" sz="2000" b="1" dirty="0">
+            <a:endParaRPr lang="es-ES" b="1" dirty="0">
               <a:solidFill>
                 <a:schemeClr val="bg2">
                   <a:lumMod val="25000"/>
@@ -19267,13 +17781,8 @@
             </a:endParaRPr>
           </a:p>
           <a:p>
-            <a:pPr>
-              <a:lnSpc>
-                <a:spcPts val="2800"/>
-              </a:lnSpc>
-            </a:pPr>
-            <a:r>
-              <a:rPr lang="es-ES" sz="2000" b="1" dirty="0">
+            <a:r>
+              <a:rPr lang="es-ES" b="1" dirty="0" err="1">
                 <a:solidFill>
                   <a:schemeClr val="bg2">
                     <a:lumMod val="25000"/>
@@ -19282,10 +17791,46 @@
                 <a:latin typeface="Arial" pitchFamily="34" charset="0"/>
                 <a:cs typeface="Arial" pitchFamily="34" charset="0"/>
               </a:rPr>
-              <a:t>            			</a:t>
-            </a:r>
-            <a:r>
-              <a:rPr lang="es-ES" sz="2000" b="1" dirty="0" err="1">
+              <a:t>def</a:t>
+            </a:r>
+            <a:r>
+              <a:rPr lang="es-ES" b="1" dirty="0">
+                <a:solidFill>
+                  <a:schemeClr val="bg2">
+                    <a:lumMod val="25000"/>
+                  </a:schemeClr>
+                </a:solidFill>
+                <a:latin typeface="Arial" pitchFamily="34" charset="0"/>
+                <a:cs typeface="Arial" pitchFamily="34" charset="0"/>
+              </a:rPr>
+              <a:t> </a:t>
+            </a:r>
+            <a:r>
+              <a:rPr lang="es-ES" b="1" dirty="0" err="1">
+                <a:solidFill>
+                  <a:srgbClr val="FF0000"/>
+                </a:solidFill>
+                <a:latin typeface="Arial" pitchFamily="34" charset="0"/>
+                <a:cs typeface="Arial" pitchFamily="34" charset="0"/>
+              </a:rPr>
+              <a:t>main</a:t>
+            </a:r>
+            <a:r>
+              <a:rPr lang="es-ES" b="1" dirty="0">
+                <a:solidFill>
+                  <a:schemeClr val="bg2">
+                    <a:lumMod val="25000"/>
+                  </a:schemeClr>
+                </a:solidFill>
+                <a:latin typeface="Arial" pitchFamily="34" charset="0"/>
+                <a:cs typeface="Arial" pitchFamily="34" charset="0"/>
+              </a:rPr>
+              <a:t>():</a:t>
+            </a:r>
+          </a:p>
+          <a:p>
+            <a:r>
+              <a:rPr lang="es-ES" dirty="0">
                 <a:solidFill>
                   <a:schemeClr val="tx1">
                     <a:lumMod val="95000"/>
@@ -19295,10 +17840,10 @@
                 <a:latin typeface="Arial" pitchFamily="34" charset="0"/>
                 <a:cs typeface="Arial" pitchFamily="34" charset="0"/>
               </a:rPr>
-              <a:t>cont</a:t>
-            </a:r>
-            <a:r>
-              <a:rPr lang="es-ES" sz="2000" b="1" dirty="0">
+              <a:t>	nombre = </a:t>
+            </a:r>
+            <a:r>
+              <a:rPr lang="es-ES" dirty="0" err="1">
                 <a:solidFill>
                   <a:schemeClr val="tx1">
                     <a:lumMod val="95000"/>
@@ -19308,10 +17853,10 @@
                 <a:latin typeface="Arial" pitchFamily="34" charset="0"/>
                 <a:cs typeface="Arial" pitchFamily="34" charset="0"/>
               </a:rPr>
-              <a:t> = </a:t>
-            </a:r>
-            <a:r>
-              <a:rPr lang="es-ES" sz="2000" b="1" dirty="0" err="1">
+              <a:t>str</a:t>
+            </a:r>
+            <a:r>
+              <a:rPr lang="es-ES" dirty="0">
                 <a:solidFill>
                   <a:schemeClr val="tx1">
                     <a:lumMod val="95000"/>
@@ -19321,10 +17866,24 @@
                 <a:latin typeface="Arial" pitchFamily="34" charset="0"/>
                 <a:cs typeface="Arial" pitchFamily="34" charset="0"/>
               </a:rPr>
-              <a:t>cont</a:t>
-            </a:r>
-            <a:r>
-              <a:rPr lang="es-ES" sz="2000" b="1" dirty="0">
+              <a:t>(input("Introduce el nombre del archivo: "))</a:t>
+            </a:r>
+          </a:p>
+          <a:p>
+            <a:r>
+              <a:rPr lang="es-ES" b="1" dirty="0">
+                <a:solidFill>
+                  <a:schemeClr val="accent6">
+                    <a:lumMod val="75000"/>
+                  </a:schemeClr>
+                </a:solidFill>
+                <a:latin typeface="Arial" pitchFamily="34" charset="0"/>
+                <a:cs typeface="Arial" pitchFamily="34" charset="0"/>
+              </a:rPr>
+              <a:t>	res</a:t>
+            </a:r>
+            <a:r>
+              <a:rPr lang="es-ES" dirty="0">
                 <a:solidFill>
                   <a:schemeClr val="tx1">
                     <a:lumMod val="95000"/>
@@ -19334,17 +17893,20 @@
                 <a:latin typeface="Arial" pitchFamily="34" charset="0"/>
                 <a:cs typeface="Arial" pitchFamily="34" charset="0"/>
               </a:rPr>
-              <a:t> -1</a:t>
-            </a:r>
-          </a:p>
-          <a:p>
-            <a:pPr>
-              <a:lnSpc>
-                <a:spcPts val="2800"/>
-              </a:lnSpc>
-            </a:pPr>
-            <a:r>
-              <a:rPr lang="es-ES" sz="2000" b="1" dirty="0">
+              <a:t> = </a:t>
+            </a:r>
+            <a:r>
+              <a:rPr lang="es-ES" b="1" dirty="0" err="1">
+                <a:solidFill>
+                  <a:srgbClr val="FF0000"/>
+                </a:solidFill>
+                <a:latin typeface="Arial" pitchFamily="34" charset="0"/>
+                <a:cs typeface="Arial" pitchFamily="34" charset="0"/>
+              </a:rPr>
+              <a:t>cuenta_caracteres</a:t>
+            </a:r>
+            <a:r>
+              <a:rPr lang="es-ES" b="1" dirty="0">
                 <a:solidFill>
                   <a:schemeClr val="tx1">
                     <a:lumMod val="95000"/>
@@ -19354,72 +17916,12 @@
                 <a:latin typeface="Arial" pitchFamily="34" charset="0"/>
                 <a:cs typeface="Arial" pitchFamily="34" charset="0"/>
               </a:rPr>
-              <a:t>			break</a:t>
-            </a:r>
-          </a:p>
-          <a:p>
-            <a:pPr>
-              <a:lnSpc>
-                <a:spcPts val="2800"/>
-              </a:lnSpc>
-            </a:pPr>
-            <a:r>
-              <a:rPr lang="es-ES" sz="2000" b="1" dirty="0">
-                <a:solidFill>
-                  <a:schemeClr val="accent6">
-                    <a:lumMod val="75000"/>
-                  </a:schemeClr>
-                </a:solidFill>
-                <a:latin typeface="Arial" pitchFamily="34" charset="0"/>
-                <a:cs typeface="Arial" pitchFamily="34" charset="0"/>
-              </a:rPr>
-              <a:t>	</a:t>
-            </a:r>
-            <a:r>
-              <a:rPr lang="es-ES" sz="2000" b="1" dirty="0" err="1">
-                <a:solidFill>
-                  <a:schemeClr val="accent6">
-                    <a:lumMod val="75000"/>
-                  </a:schemeClr>
-                </a:solidFill>
-                <a:latin typeface="Arial" pitchFamily="34" charset="0"/>
-                <a:cs typeface="Arial" pitchFamily="34" charset="0"/>
-              </a:rPr>
-              <a:t>file.close</a:t>
-            </a:r>
-            <a:r>
-              <a:rPr lang="es-ES" sz="2000" b="1" dirty="0">
-                <a:solidFill>
-                  <a:schemeClr val="accent6">
-                    <a:lumMod val="75000"/>
-                  </a:schemeClr>
-                </a:solidFill>
-                <a:latin typeface="Arial" pitchFamily="34" charset="0"/>
-                <a:cs typeface="Arial" pitchFamily="34" charset="0"/>
-              </a:rPr>
-              <a:t>()</a:t>
-            </a:r>
-          </a:p>
-          <a:p>
-            <a:pPr>
-              <a:lnSpc>
-                <a:spcPts val="2800"/>
-              </a:lnSpc>
-            </a:pPr>
-            <a:r>
-              <a:rPr lang="es-ES" sz="2000" b="1" dirty="0">
-                <a:solidFill>
-                  <a:schemeClr val="bg2">
-                    <a:lumMod val="25000"/>
-                  </a:schemeClr>
-                </a:solidFill>
-                <a:latin typeface="Arial" pitchFamily="34" charset="0"/>
-                <a:cs typeface="Arial" pitchFamily="34" charset="0"/>
-              </a:rPr>
-              <a:t>	</a:t>
-            </a:r>
-            <a:r>
-              <a:rPr lang="es-ES" sz="2000" b="1" dirty="0" err="1">
+              <a:t>(nombre)</a:t>
+            </a:r>
+          </a:p>
+          <a:p>
+            <a:r>
+              <a:rPr lang="es-ES" dirty="0">
                 <a:solidFill>
                   <a:schemeClr val="tx1">
                     <a:lumMod val="95000"/>
@@ -19429,10 +17931,10 @@
                 <a:latin typeface="Arial" pitchFamily="34" charset="0"/>
                 <a:cs typeface="Arial" pitchFamily="34" charset="0"/>
               </a:rPr>
-              <a:t>return</a:t>
-            </a:r>
-            <a:r>
-              <a:rPr lang="es-ES" sz="2000" b="1" dirty="0">
+              <a:t>	</a:t>
+            </a:r>
+            <a:r>
+              <a:rPr lang="es-ES" dirty="0" err="1">
                 <a:solidFill>
                   <a:schemeClr val="tx1">
                     <a:lumMod val="95000"/>
@@ -19442,10 +17944,10 @@
                 <a:latin typeface="Arial" pitchFamily="34" charset="0"/>
                 <a:cs typeface="Arial" pitchFamily="34" charset="0"/>
               </a:rPr>
-              <a:t> </a:t>
-            </a:r>
-            <a:r>
-              <a:rPr lang="es-ES" sz="2000" b="1" dirty="0" err="1">
+              <a:t>print</a:t>
+            </a:r>
+            <a:r>
+              <a:rPr lang="es-ES" dirty="0">
                 <a:solidFill>
                   <a:schemeClr val="tx1">
                     <a:lumMod val="95000"/>
@@ -19455,207 +17957,87 @@
                 <a:latin typeface="Arial" pitchFamily="34" charset="0"/>
                 <a:cs typeface="Arial" pitchFamily="34" charset="0"/>
               </a:rPr>
-              <a:t>cont</a:t>
-            </a:r>
-            <a:endParaRPr lang="es-ES" sz="2000" b="1" dirty="0">
+              <a:t>(</a:t>
+            </a:r>
+            <a:r>
+              <a:rPr lang="es-MX" dirty="0">
+                <a:solidFill>
+                  <a:schemeClr val="tx1">
+                    <a:lumMod val="95000"/>
+                    <a:lumOff val="5000"/>
+                  </a:schemeClr>
+                </a:solidFill>
+                <a:latin typeface="Arial" panose="020B0604020202020204" pitchFamily="34" charset="0"/>
+                <a:cs typeface="Arial" panose="020B0604020202020204" pitchFamily="34" charset="0"/>
+              </a:rPr>
+              <a:t>"El archivo tiene %i caracteres" % </a:t>
+            </a:r>
+            <a:r>
+              <a:rPr lang="es-MX" b="1" dirty="0">
+                <a:solidFill>
+                  <a:schemeClr val="accent6">
+                    <a:lumMod val="75000"/>
+                  </a:schemeClr>
+                </a:solidFill>
+                <a:latin typeface="Arial" panose="020B0604020202020204" pitchFamily="34" charset="0"/>
+                <a:cs typeface="Arial" panose="020B0604020202020204" pitchFamily="34" charset="0"/>
+              </a:rPr>
+              <a:t>res</a:t>
+            </a:r>
+            <a:r>
+              <a:rPr lang="es-MX" dirty="0">
+                <a:solidFill>
+                  <a:schemeClr val="tx1">
+                    <a:lumMod val="95000"/>
+                    <a:lumOff val="5000"/>
+                  </a:schemeClr>
+                </a:solidFill>
+                <a:latin typeface="Arial" panose="020B0604020202020204" pitchFamily="34" charset="0"/>
+                <a:cs typeface="Arial" panose="020B0604020202020204" pitchFamily="34" charset="0"/>
+              </a:rPr>
+              <a:t>) </a:t>
+            </a:r>
+          </a:p>
+          <a:p>
+            <a:endParaRPr lang="es-MX" dirty="0">
               <a:solidFill>
                 <a:schemeClr val="tx1">
                   <a:lumMod val="95000"/>
                   <a:lumOff val="5000"/>
                 </a:schemeClr>
               </a:solidFill>
-              <a:latin typeface="Arial" pitchFamily="34" charset="0"/>
-              <a:cs typeface="Arial" pitchFamily="34" charset="0"/>
+              <a:latin typeface="Arial" panose="020B0604020202020204" pitchFamily="34" charset="0"/>
+              <a:cs typeface="Arial" panose="020B0604020202020204" pitchFamily="34" charset="0"/>
             </a:endParaRPr>
           </a:p>
           <a:p>
-            <a:pPr>
-              <a:lnSpc>
-                <a:spcPts val="2800"/>
-              </a:lnSpc>
-            </a:pPr>
-            <a:endParaRPr lang="es-ES" sz="2000" b="1" dirty="0">
-              <a:solidFill>
-                <a:schemeClr val="bg2">
-                  <a:lumMod val="25000"/>
-                </a:schemeClr>
-              </a:solidFill>
-              <a:latin typeface="Arial" pitchFamily="34" charset="0"/>
-              <a:cs typeface="Arial" pitchFamily="34" charset="0"/>
-            </a:endParaRPr>
-          </a:p>
-          <a:p>
-            <a:pPr>
-              <a:lnSpc>
-                <a:spcPts val="2800"/>
-              </a:lnSpc>
-            </a:pPr>
-            <a:r>
-              <a:rPr lang="es-ES" sz="2000" dirty="0">
+            <a:r>
+              <a:rPr lang="es-MX" b="1" dirty="0" err="1">
                 <a:solidFill>
                   <a:schemeClr val="tx1">
                     <a:lumMod val="95000"/>
                     <a:lumOff val="5000"/>
                   </a:schemeClr>
                 </a:solidFill>
-                <a:latin typeface="Arial" pitchFamily="34" charset="0"/>
-                <a:cs typeface="Arial" pitchFamily="34" charset="0"/>
-              </a:rPr>
-              <a:t>nombre = </a:t>
-            </a:r>
-            <a:r>
-              <a:rPr lang="es-ES" sz="2000" dirty="0" err="1">
+                <a:latin typeface="Arial" panose="020B0604020202020204" pitchFamily="34" charset="0"/>
+                <a:cs typeface="Arial" panose="020B0604020202020204" pitchFamily="34" charset="0"/>
+              </a:rPr>
+              <a:t>main</a:t>
+            </a:r>
+            <a:r>
+              <a:rPr lang="es-MX" b="1" dirty="0">
                 <a:solidFill>
                   <a:schemeClr val="tx1">
                     <a:lumMod val="95000"/>
                     <a:lumOff val="5000"/>
                   </a:schemeClr>
                 </a:solidFill>
-                <a:latin typeface="Arial" pitchFamily="34" charset="0"/>
-                <a:cs typeface="Arial" pitchFamily="34" charset="0"/>
-              </a:rPr>
-              <a:t>str</a:t>
-            </a:r>
-            <a:r>
-              <a:rPr lang="es-ES" sz="2000" dirty="0">
-                <a:solidFill>
-                  <a:schemeClr val="tx1">
-                    <a:lumMod val="95000"/>
-                    <a:lumOff val="5000"/>
-                  </a:schemeClr>
-                </a:solidFill>
-                <a:latin typeface="Arial" pitchFamily="34" charset="0"/>
-                <a:cs typeface="Arial" pitchFamily="34" charset="0"/>
-              </a:rPr>
-              <a:t>(input("Introduce el nombre del archivo: "))</a:t>
-            </a:r>
-          </a:p>
-          <a:p>
-            <a:pPr>
-              <a:lnSpc>
-                <a:spcPts val="2800"/>
-              </a:lnSpc>
-            </a:pPr>
-            <a:r>
-              <a:rPr lang="es-ES" sz="2000" b="1" dirty="0">
-                <a:solidFill>
-                  <a:schemeClr val="accent6">
-                    <a:lumMod val="75000"/>
-                  </a:schemeClr>
-                </a:solidFill>
-                <a:latin typeface="Arial" pitchFamily="34" charset="0"/>
-                <a:cs typeface="Arial" pitchFamily="34" charset="0"/>
-              </a:rPr>
-              <a:t>res</a:t>
-            </a:r>
-            <a:r>
-              <a:rPr lang="es-ES" sz="2000" dirty="0">
-                <a:solidFill>
-                  <a:schemeClr val="tx1">
-                    <a:lumMod val="95000"/>
-                    <a:lumOff val="5000"/>
-                  </a:schemeClr>
-                </a:solidFill>
-                <a:latin typeface="Arial" pitchFamily="34" charset="0"/>
-                <a:cs typeface="Arial" pitchFamily="34" charset="0"/>
-              </a:rPr>
-              <a:t> = </a:t>
-            </a:r>
-            <a:r>
-              <a:rPr lang="es-ES" sz="2000" b="1" dirty="0" err="1">
-                <a:solidFill>
-                  <a:srgbClr val="0070C0"/>
-                </a:solidFill>
-                <a:latin typeface="Arial" pitchFamily="34" charset="0"/>
-                <a:cs typeface="Arial" pitchFamily="34" charset="0"/>
-              </a:rPr>
-              <a:t>cuentaCaracteres</a:t>
-            </a:r>
-            <a:r>
-              <a:rPr lang="es-ES" sz="2000" b="1" dirty="0">
-                <a:solidFill>
-                  <a:schemeClr val="tx1">
-                    <a:lumMod val="95000"/>
-                    <a:lumOff val="5000"/>
-                  </a:schemeClr>
-                </a:solidFill>
-                <a:latin typeface="Arial" pitchFamily="34" charset="0"/>
-                <a:cs typeface="Arial" pitchFamily="34" charset="0"/>
-              </a:rPr>
-              <a:t>(nombre)</a:t>
-            </a:r>
-          </a:p>
-          <a:p>
-            <a:pPr>
-              <a:lnSpc>
-                <a:spcPts val="2800"/>
-              </a:lnSpc>
-            </a:pPr>
-            <a:r>
-              <a:rPr lang="es-ES" sz="2000" dirty="0" err="1">
-                <a:solidFill>
-                  <a:schemeClr val="tx1">
-                    <a:lumMod val="95000"/>
-                    <a:lumOff val="5000"/>
-                  </a:schemeClr>
-                </a:solidFill>
-                <a:latin typeface="Arial" pitchFamily="34" charset="0"/>
-                <a:cs typeface="Arial" pitchFamily="34" charset="0"/>
-              </a:rPr>
-              <a:t>print</a:t>
-            </a:r>
-            <a:r>
-              <a:rPr lang="es-ES" sz="2000" dirty="0">
-                <a:solidFill>
-                  <a:schemeClr val="tx1">
-                    <a:lumMod val="95000"/>
-                    <a:lumOff val="5000"/>
-                  </a:schemeClr>
-                </a:solidFill>
-                <a:latin typeface="Arial" pitchFamily="34" charset="0"/>
-                <a:cs typeface="Arial" pitchFamily="34" charset="0"/>
-              </a:rPr>
-              <a:t>(</a:t>
-            </a:r>
-            <a:r>
-              <a:rPr lang="es-MX" sz="2000" dirty="0">
-                <a:solidFill>
-                  <a:schemeClr val="tx1">
-                    <a:lumMod val="95000"/>
-                    <a:lumOff val="5000"/>
-                  </a:schemeClr>
-                </a:solidFill>
                 <a:latin typeface="Arial" panose="020B0604020202020204" pitchFamily="34" charset="0"/>
                 <a:cs typeface="Arial" panose="020B0604020202020204" pitchFamily="34" charset="0"/>
               </a:rPr>
-              <a:t>"El archivo tiene ", </a:t>
-            </a:r>
-            <a:r>
-              <a:rPr lang="es-MX" sz="2000" b="1" dirty="0">
-                <a:solidFill>
-                  <a:schemeClr val="accent6">
-                    <a:lumMod val="75000"/>
-                  </a:schemeClr>
-                </a:solidFill>
-                <a:latin typeface="Arial" panose="020B0604020202020204" pitchFamily="34" charset="0"/>
-                <a:cs typeface="Arial" panose="020B0604020202020204" pitchFamily="34" charset="0"/>
-              </a:rPr>
-              <a:t>res</a:t>
-            </a:r>
-            <a:r>
-              <a:rPr lang="es-MX" sz="2000" dirty="0">
-                <a:solidFill>
-                  <a:schemeClr val="tx1">
-                    <a:lumMod val="95000"/>
-                    <a:lumOff val="5000"/>
-                  </a:schemeClr>
-                </a:solidFill>
-                <a:latin typeface="Arial" panose="020B0604020202020204" pitchFamily="34" charset="0"/>
-                <a:cs typeface="Arial" panose="020B0604020202020204" pitchFamily="34" charset="0"/>
-              </a:rPr>
-              <a:t>, "caracteres") </a:t>
-            </a:r>
-            <a:endParaRPr lang="es-ES" sz="2000" dirty="0">
+              <a:t>()</a:t>
+            </a:r>
+            <a:endParaRPr lang="es-ES" b="1" dirty="0">
               <a:solidFill>
                 <a:schemeClr val="tx1">
                   <a:lumMod val="95000"/>
@@ -19717,7 +18099,7 @@
 </p:sld>
 </file>
 
-<file path=ppt/slides/slide27.xml><?xml version="1.0" encoding="utf-8"?>
+<file path=ppt/slides/slide24.xml><?xml version="1.0" encoding="utf-8"?>
 <p:sld xmlns:a="http://schemas.openxmlformats.org/drawingml/2006/main" xmlns:r="http://schemas.openxmlformats.org/officeDocument/2006/relationships" xmlns:p="http://schemas.openxmlformats.org/presentationml/2006/main">
   <p:cSld>
     <p:spTree>
@@ -23001,9 +21383,7 @@
             <a:r>
               <a:rPr lang="es-ES" sz="3200" b="1" dirty="0" err="1">
                 <a:solidFill>
-                  <a:schemeClr val="accent6">
-                    <a:lumMod val="75000"/>
-                  </a:schemeClr>
+                  <a:srgbClr val="FF0000"/>
                 </a:solidFill>
               </a:rPr>
               <a:t>close</a:t>
@@ -23011,9 +21391,7 @@
             <a:r>
               <a:rPr lang="es-ES" sz="3200" b="1" dirty="0">
                 <a:solidFill>
-                  <a:schemeClr val="accent6">
-                    <a:lumMod val="75000"/>
-                  </a:schemeClr>
+                  <a:srgbClr val="FF0000"/>
                 </a:solidFill>
               </a:rPr>
               <a:t>()</a:t>
@@ -23628,7 +22006,7 @@
             </a:r>
             <a:endParaRPr lang="es-ES" sz="2800" dirty="0">
               <a:solidFill>
-                <a:srgbClr val="0070C0"/>
+                <a:srgbClr val="FF0000"/>
               </a:solidFill>
               <a:latin typeface="Arial" pitchFamily="34" charset="0"/>
               <a:cs typeface="Arial" pitchFamily="34" charset="0"/>
@@ -23818,19 +22196,19 @@
               <p:cTn id="2" dur="indefinite" nodeType="mainSeq">
                 <p:childTnLst>
                   <p:par>
-                    <p:cTn id="3" fill="hold" nodeType="clickPar">
+                    <p:cTn id="3" fill="hold">
                       <p:stCondLst>
                         <p:cond delay="indefinite"/>
                       </p:stCondLst>
                       <p:childTnLst>
                         <p:par>
-                          <p:cTn id="4" fill="hold" nodeType="withGroup">
+                          <p:cTn id="4" fill="hold">
                             <p:stCondLst>
                               <p:cond delay="0"/>
                             </p:stCondLst>
                             <p:childTnLst>
                               <p:par>
-                                <p:cTn id="5" presetID="2" presetClass="entr" presetSubtype="6" fill="hold" grpId="0" nodeType="clickEffect">
+                                <p:cTn id="5" presetID="1" presetClass="entr" presetSubtype="0" fill="hold" grpId="0" nodeType="clickEffect">
                                   <p:stCondLst>
                                     <p:cond delay="0"/>
                                   </p:stCondLst>
@@ -23853,52 +22231,96 @@
                                         <p:strVal val="visible"/>
                                       </p:to>
                                     </p:set>
-                                    <p:anim calcmode="lin" valueType="num">
-                                      <p:cBhvr additive="base">
-                                        <p:cTn id="7" dur="500" fill="hold"/>
+                                  </p:childTnLst>
+                                </p:cTn>
+                              </p:par>
+                            </p:childTnLst>
+                          </p:cTn>
+                        </p:par>
+                      </p:childTnLst>
+                    </p:cTn>
+                  </p:par>
+                  <p:par>
+                    <p:cTn id="7" fill="hold">
+                      <p:stCondLst>
+                        <p:cond delay="indefinite"/>
+                      </p:stCondLst>
+                      <p:childTnLst>
+                        <p:par>
+                          <p:cTn id="8" fill="hold">
+                            <p:stCondLst>
+                              <p:cond delay="0"/>
+                            </p:stCondLst>
+                            <p:childTnLst>
+                              <p:par>
+                                <p:cTn id="9" presetID="1" presetClass="entr" presetSubtype="0" fill="hold" grpId="0" nodeType="clickEffect">
+                                  <p:stCondLst>
+                                    <p:cond delay="0"/>
+                                  </p:stCondLst>
+                                  <p:childTnLst>
+                                    <p:set>
+                                      <p:cBhvr>
+                                        <p:cTn id="10" dur="1" fill="hold">
+                                          <p:stCondLst>
+                                            <p:cond delay="0"/>
+                                          </p:stCondLst>
+                                        </p:cTn>
                                         <p:tgtEl>
-                                          <p:spTgt spid="267267"/>
+                                          <p:spTgt spid="2"/>
                                         </p:tgtEl>
                                         <p:attrNameLst>
-                                          <p:attrName>ppt_x</p:attrName>
+                                          <p:attrName>style.visibility</p:attrName>
                                         </p:attrNameLst>
                                       </p:cBhvr>
-                                      <p:tavLst>
-                                        <p:tav tm="0">
-                                          <p:val>
-                                            <p:strVal val="1+#ppt_w/2"/>
-                                          </p:val>
-                                        </p:tav>
-                                        <p:tav tm="100000">
-                                          <p:val>
-                                            <p:strVal val="#ppt_x"/>
-                                          </p:val>
-                                        </p:tav>
-                                      </p:tavLst>
-                                    </p:anim>
-                                    <p:anim calcmode="lin" valueType="num">
-                                      <p:cBhvr additive="base">
-                                        <p:cTn id="8" dur="500" fill="hold"/>
+                                      <p:to>
+                                        <p:strVal val="visible"/>
+                                      </p:to>
+                                    </p:set>
+                                  </p:childTnLst>
+                                </p:cTn>
+                              </p:par>
+                            </p:childTnLst>
+                          </p:cTn>
+                        </p:par>
+                      </p:childTnLst>
+                    </p:cTn>
+                  </p:par>
+                  <p:par>
+                    <p:cTn id="11" fill="hold">
+                      <p:stCondLst>
+                        <p:cond delay="indefinite"/>
+                      </p:stCondLst>
+                      <p:childTnLst>
+                        <p:par>
+                          <p:cTn id="12" fill="hold">
+                            <p:stCondLst>
+                              <p:cond delay="0"/>
+                            </p:stCondLst>
+                            <p:childTnLst>
+                              <p:par>
+                                <p:cTn id="13" presetID="1" presetClass="entr" presetSubtype="0" fill="hold" nodeType="clickEffect">
+                                  <p:stCondLst>
+                                    <p:cond delay="0"/>
+                                  </p:stCondLst>
+                                  <p:childTnLst>
+                                    <p:set>
+                                      <p:cBhvr>
+                                        <p:cTn id="14" dur="1" fill="hold">
+                                          <p:stCondLst>
+                                            <p:cond delay="0"/>
+                                          </p:stCondLst>
+                                        </p:cTn>
                                         <p:tgtEl>
-                                          <p:spTgt spid="267267"/>
+                                          <p:spTgt spid="8"/>
                                         </p:tgtEl>
                                         <p:attrNameLst>
-                                          <p:attrName>ppt_y</p:attrName>
+                                          <p:attrName>style.visibility</p:attrName>
                                         </p:attrNameLst>
                                       </p:cBhvr>
-                                      <p:tavLst>
-                                        <p:tav tm="0">
-                                          <p:val>
-                                            <p:strVal val="1+#ppt_h/2"/>
-                                          </p:val>
-                                        </p:tav>
-                                        <p:tav tm="100000">
-                                          <p:val>
-                                            <p:strVal val="#ppt_y"/>
-                                          </p:val>
-                                        </p:tav>
-                                      </p:tavLst>
-                                    </p:anim>
+                                      <p:to>
+                                        <p:strVal val="visible"/>
+                                      </p:to>
+                                    </p:set>
                                   </p:childTnLst>
                                 </p:cTn>
                               </p:par>
@@ -23930,7 +22352,8 @@
       </p:par>
     </p:tnLst>
     <p:bldLst>
-      <p:bldP spid="267267" grpId="0" autoUpdateAnimBg="0"/>
+      <p:bldP spid="267267" grpId="0"/>
+      <p:bldP spid="2" grpId="0"/>
     </p:bldLst>
   </p:timing>
 </p:sld>
@@ -24768,12 +23191,22 @@
             <a:r>
               <a:rPr lang="es-ES" sz="2200" b="1" dirty="0" err="1">
                 <a:solidFill>
+                  <a:srgbClr val="0070C0"/>
+                </a:solidFill>
+                <a:latin typeface="Arial" pitchFamily="34" charset="0"/>
+                <a:cs typeface="Arial" pitchFamily="34" charset="0"/>
+              </a:rPr>
+              <a:t>file.</a:t>
+            </a:r>
+            <a:r>
+              <a:rPr lang="es-ES" sz="2200" b="1" dirty="0" err="1">
+                <a:solidFill>
                   <a:srgbClr val="FF0000"/>
                 </a:solidFill>
                 <a:latin typeface="Arial" pitchFamily="34" charset="0"/>
                 <a:cs typeface="Arial" pitchFamily="34" charset="0"/>
               </a:rPr>
-              <a:t>file.read</a:t>
+              <a:t>read</a:t>
             </a:r>
             <a:r>
               <a:rPr lang="es-ES" sz="2200" b="1" dirty="0">
@@ -24802,12 +23235,22 @@
             <a:r>
               <a:rPr lang="es-ES" sz="2200" b="1" dirty="0" err="1">
                 <a:solidFill>
+                  <a:srgbClr val="0070C0"/>
+                </a:solidFill>
+                <a:latin typeface="Arial" pitchFamily="34" charset="0"/>
+                <a:cs typeface="Arial" pitchFamily="34" charset="0"/>
+              </a:rPr>
+              <a:t>file.</a:t>
+            </a:r>
+            <a:r>
+              <a:rPr lang="es-ES" sz="2200" b="1" dirty="0" err="1">
+                <a:solidFill>
                   <a:srgbClr val="FF0000"/>
                 </a:solidFill>
                 <a:latin typeface="Arial" pitchFamily="34" charset="0"/>
                 <a:cs typeface="Arial" pitchFamily="34" charset="0"/>
               </a:rPr>
-              <a:t>file.read</a:t>
+              <a:t>read</a:t>
             </a:r>
             <a:r>
               <a:rPr lang="es-ES" sz="2200" b="1" dirty="0">
@@ -24847,12 +23290,22 @@
             <a:r>
               <a:rPr lang="es-ES" sz="2200" b="1" dirty="0" err="1">
                 <a:solidFill>
+                  <a:srgbClr val="0070C0"/>
+                </a:solidFill>
+                <a:latin typeface="Arial" pitchFamily="34" charset="0"/>
+                <a:cs typeface="Arial" pitchFamily="34" charset="0"/>
+              </a:rPr>
+              <a:t>file.</a:t>
+            </a:r>
+            <a:r>
+              <a:rPr lang="es-ES" sz="2200" b="1" dirty="0" err="1">
+                <a:solidFill>
                   <a:srgbClr val="FF0000"/>
                 </a:solidFill>
                 <a:latin typeface="Arial" pitchFamily="34" charset="0"/>
                 <a:cs typeface="Arial" pitchFamily="34" charset="0"/>
               </a:rPr>
-              <a:t>file.readline</a:t>
+              <a:t>readline</a:t>
             </a:r>
             <a:r>
               <a:rPr lang="es-ES" sz="2200" b="1" dirty="0">
@@ -24881,12 +23334,22 @@
             <a:r>
               <a:rPr lang="es-ES" sz="2200" b="1" dirty="0" err="1">
                 <a:solidFill>
+                  <a:srgbClr val="0070C0"/>
+                </a:solidFill>
+                <a:latin typeface="Arial" pitchFamily="34" charset="0"/>
+                <a:cs typeface="Arial" pitchFamily="34" charset="0"/>
+              </a:rPr>
+              <a:t>file.</a:t>
+            </a:r>
+            <a:r>
+              <a:rPr lang="es-ES" sz="2200" b="1" dirty="0" err="1">
+                <a:solidFill>
                   <a:srgbClr val="FF0000"/>
                 </a:solidFill>
                 <a:latin typeface="Arial" pitchFamily="34" charset="0"/>
                 <a:cs typeface="Arial" pitchFamily="34" charset="0"/>
               </a:rPr>
-              <a:t>file.readlines</a:t>
+              <a:t>readlines</a:t>
             </a:r>
             <a:r>
               <a:rPr lang="es-ES" sz="2200" b="1" dirty="0">

--- a/CalendarioAgo20L/presentaciones/12_Archivos.pptx
+++ b/CalendarioAgo20L/presentaciones/12_Archivos.pptx
@@ -231,7 +231,7 @@
           <a:p>
             <a:fld id="{59C7E2AA-6A4C-4042-9554-ED2A913B287A}" type="datetimeFigureOut">
               <a:rPr lang="es-MX" smtClean="0"/>
-              <a:t>09/10/2020</a:t>
+              <a:t>12/10/2020</a:t>
             </a:fld>
             <a:endParaRPr lang="es-MX" dirty="0"/>
           </a:p>
@@ -3352,7 +3352,7 @@
           <a:p>
             <a:fld id="{BAE3B62E-9D6B-4C41-BFE5-D19C53A0513B}" type="datetimeFigureOut">
               <a:rPr lang="es-MX" smtClean="0"/>
-              <a:t>09/10/2020</a:t>
+              <a:t>12/10/2020</a:t>
             </a:fld>
             <a:endParaRPr lang="es-MX" dirty="0"/>
           </a:p>
@@ -3522,7 +3522,7 @@
           <a:p>
             <a:fld id="{BAE3B62E-9D6B-4C41-BFE5-D19C53A0513B}" type="datetimeFigureOut">
               <a:rPr lang="es-MX" smtClean="0"/>
-              <a:t>09/10/2020</a:t>
+              <a:t>12/10/2020</a:t>
             </a:fld>
             <a:endParaRPr lang="es-MX" dirty="0"/>
           </a:p>
@@ -3702,7 +3702,7 @@
           <a:p>
             <a:fld id="{BAE3B62E-9D6B-4C41-BFE5-D19C53A0513B}" type="datetimeFigureOut">
               <a:rPr lang="es-MX" smtClean="0"/>
-              <a:t>09/10/2020</a:t>
+              <a:t>12/10/2020</a:t>
             </a:fld>
             <a:endParaRPr lang="es-MX" dirty="0"/>
           </a:p>
@@ -3855,7 +3855,7 @@
           <a:p>
             <a:fld id="{1D8BD707-D9CF-40AE-B4C6-C98DA3205C09}" type="datetimeFigureOut">
               <a:rPr lang="en-US" smtClean="0"/>
-              <a:t>10/9/2020</a:t>
+              <a:t>10/12/2020</a:t>
             </a:fld>
             <a:endParaRPr lang="en-US"/>
           </a:p>
@@ -4015,7 +4015,7 @@
           <a:p>
             <a:fld id="{BAE3B62E-9D6B-4C41-BFE5-D19C53A0513B}" type="datetimeFigureOut">
               <a:rPr lang="es-MX" smtClean="0"/>
-              <a:t>09/10/2020</a:t>
+              <a:t>12/10/2020</a:t>
             </a:fld>
             <a:endParaRPr lang="es-MX" dirty="0"/>
           </a:p>
@@ -4261,7 +4261,7 @@
           <a:p>
             <a:fld id="{BAE3B62E-9D6B-4C41-BFE5-D19C53A0513B}" type="datetimeFigureOut">
               <a:rPr lang="es-MX" smtClean="0"/>
-              <a:t>09/10/2020</a:t>
+              <a:t>12/10/2020</a:t>
             </a:fld>
             <a:endParaRPr lang="es-MX" dirty="0"/>
           </a:p>
@@ -4549,7 +4549,7 @@
           <a:p>
             <a:fld id="{BAE3B62E-9D6B-4C41-BFE5-D19C53A0513B}" type="datetimeFigureOut">
               <a:rPr lang="es-MX" smtClean="0"/>
-              <a:t>09/10/2020</a:t>
+              <a:t>12/10/2020</a:t>
             </a:fld>
             <a:endParaRPr lang="es-MX" dirty="0"/>
           </a:p>
@@ -4971,7 +4971,7 @@
           <a:p>
             <a:fld id="{BAE3B62E-9D6B-4C41-BFE5-D19C53A0513B}" type="datetimeFigureOut">
               <a:rPr lang="es-MX" smtClean="0"/>
-              <a:t>09/10/2020</a:t>
+              <a:t>12/10/2020</a:t>
             </a:fld>
             <a:endParaRPr lang="es-MX" dirty="0"/>
           </a:p>
@@ -5089,7 +5089,7 @@
           <a:p>
             <a:fld id="{BAE3B62E-9D6B-4C41-BFE5-D19C53A0513B}" type="datetimeFigureOut">
               <a:rPr lang="es-MX" smtClean="0"/>
-              <a:t>09/10/2020</a:t>
+              <a:t>12/10/2020</a:t>
             </a:fld>
             <a:endParaRPr lang="es-MX" dirty="0"/>
           </a:p>
@@ -5184,7 +5184,7 @@
           <a:p>
             <a:fld id="{BAE3B62E-9D6B-4C41-BFE5-D19C53A0513B}" type="datetimeFigureOut">
               <a:rPr lang="es-MX" smtClean="0"/>
-              <a:t>09/10/2020</a:t>
+              <a:t>12/10/2020</a:t>
             </a:fld>
             <a:endParaRPr lang="es-MX" dirty="0"/>
           </a:p>
@@ -5461,7 +5461,7 @@
           <a:p>
             <a:fld id="{BAE3B62E-9D6B-4C41-BFE5-D19C53A0513B}" type="datetimeFigureOut">
               <a:rPr lang="es-MX" smtClean="0"/>
-              <a:t>09/10/2020</a:t>
+              <a:t>12/10/2020</a:t>
             </a:fld>
             <a:endParaRPr lang="es-MX" dirty="0"/>
           </a:p>
@@ -5714,7 +5714,7 @@
           <a:p>
             <a:fld id="{BAE3B62E-9D6B-4C41-BFE5-D19C53A0513B}" type="datetimeFigureOut">
               <a:rPr lang="es-MX" smtClean="0"/>
-              <a:t>09/10/2020</a:t>
+              <a:t>12/10/2020</a:t>
             </a:fld>
             <a:endParaRPr lang="es-MX" dirty="0"/>
           </a:p>
@@ -5927,7 +5927,7 @@
           <a:p>
             <a:fld id="{BAE3B62E-9D6B-4C41-BFE5-D19C53A0513B}" type="datetimeFigureOut">
               <a:rPr lang="es-MX" smtClean="0"/>
-              <a:t>09/10/2020</a:t>
+              <a:t>12/10/2020</a:t>
             </a:fld>
             <a:endParaRPr lang="es-MX" dirty="0"/>
           </a:p>
@@ -6957,7 +6957,7 @@
                 <a:latin typeface="Arial" panose="020B0604020202020204" pitchFamily="34" charset="0"/>
                 <a:cs typeface="Arial" panose="020B0604020202020204" pitchFamily="34" charset="0"/>
               </a:rPr>
-              <a:t> = ["Hola a todos\n", "Hasta luego\n") </a:t>
+              <a:t> = ["Hola a todos\n", "Hasta luego\n“] </a:t>
             </a:r>
           </a:p>
           <a:p>
